--- a/nlppres.pptx
+++ b/nlppres.pptx
@@ -2,7 +2,7 @@
 <file path=ppt/presentation.xml><?xml version="1.0" encoding="utf-8"?>
 <p:presentation xmlns:a="http://schemas.openxmlformats.org/drawingml/2006/main" xmlns:r="http://schemas.openxmlformats.org/officeDocument/2006/relationships" xmlns:p="http://schemas.openxmlformats.org/presentationml/2006/main" saveSubsetFonts="1">
   <p:sldMasterIdLst>
-    <p:sldMasterId id="2147483648" r:id="rId1"/>
+    <p:sldMasterId id="2147483973" r:id="rId1"/>
   </p:sldMasterIdLst>
   <p:sldIdLst>
     <p:sldId id="256" r:id="rId2"/>
@@ -21,7 +21,8 @@
     <p:sldId id="267" r:id="rId15"/>
     <p:sldId id="270" r:id="rId16"/>
     <p:sldId id="271" r:id="rId17"/>
-    <p:sldId id="272" r:id="rId18"/>
+    <p:sldId id="273" r:id="rId18"/>
+    <p:sldId id="272" r:id="rId19"/>
   </p:sldIdLst>
   <p:sldSz cx="9144000" cy="6858000" type="screen4x3"/>
   <p:notesSz cx="6858000" cy="9144000"/>
@@ -153,7 +154,6 @@
           </a:p>
         </c:rich>
       </c:tx>
-      <c:layout/>
       <c:overlay val="0"/>
     </c:title>
     <c:autoTitleDeleted val="0"/>
@@ -186,19 +186,19 @@
                 <c:formatCode>General</c:formatCode>
                 <c:ptCount val="5"/>
                 <c:pt idx="0">
-                  <c:v>5</c:v>
+                  <c:v>5.0</c:v>
                 </c:pt>
                 <c:pt idx="1">
-                  <c:v>10</c:v>
+                  <c:v>10.0</c:v>
                 </c:pt>
                 <c:pt idx="2">
-                  <c:v>20</c:v>
+                  <c:v>20.0</c:v>
                 </c:pt>
                 <c:pt idx="3">
-                  <c:v>50</c:v>
+                  <c:v>50.0</c:v>
                 </c:pt>
                 <c:pt idx="4">
-                  <c:v>100</c:v>
+                  <c:v>100.0</c:v>
                 </c:pt>
               </c:numCache>
             </c:numRef>
@@ -213,13 +213,13 @@
                   <c:v>73.44</c:v>
                 </c:pt>
                 <c:pt idx="1">
-                  <c:v>74.17</c:v>
+                  <c:v>74.16999999999998</c:v>
                 </c:pt>
                 <c:pt idx="2">
                   <c:v>73.5</c:v>
                 </c:pt>
                 <c:pt idx="3">
-                  <c:v>72.290000000000006</c:v>
+                  <c:v>72.29</c:v>
                 </c:pt>
                 <c:pt idx="4">
                   <c:v>71.23</c:v>
@@ -237,11 +237,11 @@
           <c:showPercent val="0"/>
           <c:showBubbleSize val="0"/>
         </c:dLbls>
-        <c:axId val="40689024"/>
-        <c:axId val="43120512"/>
+        <c:axId val="2125912840"/>
+        <c:axId val="2125925064"/>
       </c:scatterChart>
       <c:valAx>
-        <c:axId val="40689024"/>
+        <c:axId val="2125912840"/>
         <c:scaling>
           <c:orientation val="minMax"/>
         </c:scaling>
@@ -263,7 +263,6 @@
               </a:p>
             </c:rich>
           </c:tx>
-          <c:layout/>
           <c:overlay val="0"/>
         </c:title>
         <c:numFmt formatCode="General" sourceLinked="1"/>
@@ -280,12 +279,12 @@
             <a:endParaRPr lang="en-US"/>
           </a:p>
         </c:txPr>
-        <c:crossAx val="43120512"/>
+        <c:crossAx val="2125925064"/>
         <c:crosses val="autoZero"/>
         <c:crossBetween val="midCat"/>
       </c:valAx>
       <c:valAx>
-        <c:axId val="43120512"/>
+        <c:axId val="2125925064"/>
         <c:scaling>
           <c:orientation val="minMax"/>
         </c:scaling>
@@ -308,7 +307,6 @@
               </a:p>
             </c:rich>
           </c:tx>
-          <c:layout/>
           <c:overlay val="0"/>
         </c:title>
         <c:numFmt formatCode="General" sourceLinked="1"/>
@@ -325,7 +323,7 @@
             <a:endParaRPr lang="en-US"/>
           </a:p>
         </c:txPr>
-        <c:crossAx val="40689024"/>
+        <c:crossAx val="2125912840"/>
         <c:crosses val="autoZero"/>
         <c:crossBetween val="midCat"/>
       </c:valAx>
@@ -365,7 +363,15 @@
             </a:pPr>
             <a:r>
               <a:rPr lang="en-US" sz="2400" dirty="0"/>
-              <a:t>Brown Corpus Number</a:t>
+              <a:t>Brown </a:t>
+            </a:r>
+            <a:r>
+              <a:rPr lang="en-US" sz="2400" dirty="0" smtClean="0"/>
+              <a:t>Corpus + Dictionary </a:t>
+            </a:r>
+            <a:r>
+              <a:rPr lang="en-US" sz="2400" dirty="0"/>
+              <a:t>Number</a:t>
             </a:r>
             <a:r>
               <a:rPr lang="en-US" sz="2400" baseline="0" dirty="0"/>
@@ -375,7 +381,6 @@
           </a:p>
         </c:rich>
       </c:tx>
-      <c:layout/>
       <c:overlay val="0"/>
     </c:title>
     <c:autoTitleDeleted val="0"/>
@@ -386,78 +391,8 @@
         <c:grouping val="clustered"/>
         <c:varyColors val="0"/>
         <c:ser>
-          <c:idx val="0"/>
+          <c:idx val="1"/>
           <c:order val="0"/>
-          <c:tx>
-            <c:strRef>
-              <c:f>Sheet1!$B$35</c:f>
-              <c:strCache>
-                <c:ptCount val="1"/>
-                <c:pt idx="0">
-                  <c:v>Word Size</c:v>
-                </c:pt>
-              </c:strCache>
-            </c:strRef>
-          </c:tx>
-          <c:invertIfNegative val="0"/>
-          <c:val>
-            <c:numRef>
-              <c:f>Sheet1!$B$36:$B$50</c:f>
-              <c:numCache>
-                <c:formatCode>General</c:formatCode>
-                <c:ptCount val="15"/>
-                <c:pt idx="0">
-                  <c:v>1</c:v>
-                </c:pt>
-                <c:pt idx="1">
-                  <c:v>2</c:v>
-                </c:pt>
-                <c:pt idx="2">
-                  <c:v>3</c:v>
-                </c:pt>
-                <c:pt idx="3">
-                  <c:v>4</c:v>
-                </c:pt>
-                <c:pt idx="4">
-                  <c:v>5</c:v>
-                </c:pt>
-                <c:pt idx="5">
-                  <c:v>6</c:v>
-                </c:pt>
-                <c:pt idx="6">
-                  <c:v>7</c:v>
-                </c:pt>
-                <c:pt idx="7">
-                  <c:v>8</c:v>
-                </c:pt>
-                <c:pt idx="8">
-                  <c:v>9</c:v>
-                </c:pt>
-                <c:pt idx="9">
-                  <c:v>10</c:v>
-                </c:pt>
-                <c:pt idx="10">
-                  <c:v>11</c:v>
-                </c:pt>
-                <c:pt idx="11">
-                  <c:v>12</c:v>
-                </c:pt>
-                <c:pt idx="12">
-                  <c:v>13</c:v>
-                </c:pt>
-                <c:pt idx="13">
-                  <c:v>14</c:v>
-                </c:pt>
-                <c:pt idx="14">
-                  <c:v>15</c:v>
-                </c:pt>
-              </c:numCache>
-            </c:numRef>
-          </c:val>
-        </c:ser>
-        <c:ser>
-          <c:idx val="1"/>
-          <c:order val="1"/>
           <c:tx>
             <c:strRef>
               <c:f>Sheet1!$C$35</c:f>
@@ -477,49 +412,49 @@
                 <c:formatCode>General</c:formatCode>
                 <c:ptCount val="15"/>
                 <c:pt idx="0">
-                  <c:v>3</c:v>
+                  <c:v>3.0</c:v>
                 </c:pt>
                 <c:pt idx="1">
-                  <c:v>101</c:v>
+                  <c:v>101.0</c:v>
                 </c:pt>
                 <c:pt idx="2">
-                  <c:v>1004</c:v>
+                  <c:v>1004.0</c:v>
                 </c:pt>
                 <c:pt idx="3">
-                  <c:v>4002</c:v>
+                  <c:v>4002.0</c:v>
                 </c:pt>
                 <c:pt idx="4">
-                  <c:v>8887</c:v>
+                  <c:v>8887.0</c:v>
                 </c:pt>
                 <c:pt idx="5">
-                  <c:v>15727</c:v>
+                  <c:v>15727.0</c:v>
                 </c:pt>
                 <c:pt idx="6">
-                  <c:v>23958</c:v>
+                  <c:v>23958.0</c:v>
                 </c:pt>
                 <c:pt idx="7">
-                  <c:v>29718</c:v>
+                  <c:v>29718.0</c:v>
                 </c:pt>
                 <c:pt idx="8">
-                  <c:v>29130</c:v>
+                  <c:v>29130.0</c:v>
                 </c:pt>
                 <c:pt idx="9">
-                  <c:v>22314</c:v>
+                  <c:v>22314.0</c:v>
                 </c:pt>
                 <c:pt idx="10">
-                  <c:v>16161</c:v>
+                  <c:v>16161.0</c:v>
                 </c:pt>
                 <c:pt idx="11">
-                  <c:v>11412</c:v>
+                  <c:v>11412.0</c:v>
                 </c:pt>
                 <c:pt idx="12">
-                  <c:v>7748</c:v>
+                  <c:v>7748.0</c:v>
                 </c:pt>
                 <c:pt idx="13">
-                  <c:v>5059</c:v>
+                  <c:v>5059.0</c:v>
                 </c:pt>
                 <c:pt idx="14">
-                  <c:v>3157</c:v>
+                  <c:v>3157.0</c:v>
                 </c:pt>
               </c:numCache>
             </c:numRef>
@@ -534,11 +469,11 @@
           <c:showBubbleSize val="0"/>
         </c:dLbls>
         <c:gapWidth val="150"/>
-        <c:axId val="45920640"/>
-        <c:axId val="45923328"/>
+        <c:axId val="2132617992"/>
+        <c:axId val="2132623416"/>
       </c:barChart>
       <c:catAx>
-        <c:axId val="45920640"/>
+        <c:axId val="2132617992"/>
         <c:scaling>
           <c:orientation val="minMax"/>
         </c:scaling>
@@ -560,7 +495,6 @@
               </a:p>
             </c:rich>
           </c:tx>
-          <c:layout/>
           <c:overlay val="0"/>
         </c:title>
         <c:majorTickMark val="out"/>
@@ -576,7 +510,7 @@
             <a:endParaRPr lang="en-US"/>
           </a:p>
         </c:txPr>
-        <c:crossAx val="45923328"/>
+        <c:crossAx val="2132623416"/>
         <c:crosses val="autoZero"/>
         <c:auto val="1"/>
         <c:lblAlgn val="ctr"/>
@@ -584,7 +518,7 @@
         <c:noMultiLvlLbl val="0"/>
       </c:catAx>
       <c:valAx>
-        <c:axId val="45923328"/>
+        <c:axId val="2132623416"/>
         <c:scaling>
           <c:orientation val="minMax"/>
         </c:scaling>
@@ -612,7 +546,6 @@
               </a:p>
             </c:rich>
           </c:tx>
-          <c:layout/>
           <c:overlay val="0"/>
         </c:title>
         <c:numFmt formatCode="General" sourceLinked="1"/>
@@ -629,7 +562,7 @@
             <a:endParaRPr lang="en-US"/>
           </a:p>
         </c:txPr>
-        <c:crossAx val="45920640"/>
+        <c:crossAx val="2132617992"/>
         <c:crosses val="autoZero"/>
         <c:crossBetween val="between"/>
       </c:valAx>
@@ -679,7 +612,6 @@
           </a:p>
         </c:rich>
       </c:tx>
-      <c:layout/>
       <c:overlay val="0"/>
     </c:title>
     <c:autoTitleDeleted val="0"/>
@@ -690,78 +622,8 @@
         <c:grouping val="clustered"/>
         <c:varyColors val="0"/>
         <c:ser>
-          <c:idx val="0"/>
+          <c:idx val="1"/>
           <c:order val="0"/>
-          <c:tx>
-            <c:strRef>
-              <c:f>Sheet1!$B$52</c:f>
-              <c:strCache>
-                <c:ptCount val="1"/>
-                <c:pt idx="0">
-                  <c:v>Word Size</c:v>
-                </c:pt>
-              </c:strCache>
-            </c:strRef>
-          </c:tx>
-          <c:invertIfNegative val="0"/>
-          <c:val>
-            <c:numRef>
-              <c:f>Sheet1!$B$53:$B$67</c:f>
-              <c:numCache>
-                <c:formatCode>General</c:formatCode>
-                <c:ptCount val="15"/>
-                <c:pt idx="0">
-                  <c:v>1</c:v>
-                </c:pt>
-                <c:pt idx="1">
-                  <c:v>2</c:v>
-                </c:pt>
-                <c:pt idx="2">
-                  <c:v>3</c:v>
-                </c:pt>
-                <c:pt idx="3">
-                  <c:v>4</c:v>
-                </c:pt>
-                <c:pt idx="4">
-                  <c:v>5</c:v>
-                </c:pt>
-                <c:pt idx="5">
-                  <c:v>6</c:v>
-                </c:pt>
-                <c:pt idx="6">
-                  <c:v>7</c:v>
-                </c:pt>
-                <c:pt idx="7">
-                  <c:v>8</c:v>
-                </c:pt>
-                <c:pt idx="8">
-                  <c:v>9</c:v>
-                </c:pt>
-                <c:pt idx="9">
-                  <c:v>10</c:v>
-                </c:pt>
-                <c:pt idx="10">
-                  <c:v>11</c:v>
-                </c:pt>
-                <c:pt idx="11">
-                  <c:v>12</c:v>
-                </c:pt>
-                <c:pt idx="12">
-                  <c:v>13</c:v>
-                </c:pt>
-                <c:pt idx="13">
-                  <c:v>14</c:v>
-                </c:pt>
-                <c:pt idx="14">
-                  <c:v>15</c:v>
-                </c:pt>
-              </c:numCache>
-            </c:numRef>
-          </c:val>
-        </c:ser>
-        <c:ser>
-          <c:idx val="1"/>
-          <c:order val="1"/>
           <c:tx>
             <c:strRef>
               <c:f>Sheet1!$C$52</c:f>
@@ -781,49 +643,49 @@
                 <c:formatCode>General</c:formatCode>
                 <c:ptCount val="15"/>
                 <c:pt idx="0">
-                  <c:v>407703</c:v>
+                  <c:v>407703.0</c:v>
                 </c:pt>
                 <c:pt idx="1">
-                  <c:v>1693481</c:v>
+                  <c:v>1.693481E6</c:v>
                 </c:pt>
                 <c:pt idx="2">
-                  <c:v>2117244</c:v>
+                  <c:v>2.117244E6</c:v>
                 </c:pt>
                 <c:pt idx="3">
-                  <c:v>1536652</c:v>
+                  <c:v>1.536652E6</c:v>
                 </c:pt>
                 <c:pt idx="4">
-                  <c:v>1044647</c:v>
+                  <c:v>1.044647E6</c:v>
                 </c:pt>
                 <c:pt idx="5">
-                  <c:v>784297</c:v>
+                  <c:v>784297.0</c:v>
                 </c:pt>
                 <c:pt idx="6">
-                  <c:v>727148</c:v>
+                  <c:v>727148.0</c:v>
                 </c:pt>
                 <c:pt idx="7">
-                  <c:v>534268</c:v>
+                  <c:v>534268.0</c:v>
                 </c:pt>
                 <c:pt idx="8">
-                  <c:v>394900</c:v>
+                  <c:v>394900.0</c:v>
                 </c:pt>
                 <c:pt idx="9">
-                  <c:v>269964</c:v>
+                  <c:v>269964.0</c:v>
                 </c:pt>
                 <c:pt idx="10">
-                  <c:v>155351</c:v>
+                  <c:v>155351.0</c:v>
                 </c:pt>
                 <c:pt idx="11">
-                  <c:v>87122</c:v>
+                  <c:v>87122.0</c:v>
                 </c:pt>
                 <c:pt idx="12">
-                  <c:v>47038</c:v>
+                  <c:v>47038.0</c:v>
                 </c:pt>
                 <c:pt idx="13">
-                  <c:v>24489</c:v>
+                  <c:v>24489.0</c:v>
                 </c:pt>
                 <c:pt idx="14">
-                  <c:v>8437</c:v>
+                  <c:v>8437.0</c:v>
                 </c:pt>
               </c:numCache>
             </c:numRef>
@@ -838,11 +700,11 @@
           <c:showBubbleSize val="0"/>
         </c:dLbls>
         <c:gapWidth val="150"/>
-        <c:axId val="70948352"/>
-        <c:axId val="70968448"/>
+        <c:axId val="2063609928"/>
+        <c:axId val="2131163384"/>
       </c:barChart>
       <c:catAx>
-        <c:axId val="70948352"/>
+        <c:axId val="2063609928"/>
         <c:scaling>
           <c:orientation val="minMax"/>
         </c:scaling>
@@ -864,7 +726,6 @@
               </a:p>
             </c:rich>
           </c:tx>
-          <c:layout/>
           <c:overlay val="0"/>
         </c:title>
         <c:majorTickMark val="out"/>
@@ -880,7 +741,7 @@
             <a:endParaRPr lang="en-US"/>
           </a:p>
         </c:txPr>
-        <c:crossAx val="70968448"/>
+        <c:crossAx val="2131163384"/>
         <c:crosses val="autoZero"/>
         <c:auto val="1"/>
         <c:lblAlgn val="ctr"/>
@@ -888,7 +749,7 @@
         <c:noMultiLvlLbl val="0"/>
       </c:catAx>
       <c:valAx>
-        <c:axId val="70968448"/>
+        <c:axId val="2131163384"/>
         <c:scaling>
           <c:orientation val="minMax"/>
         </c:scaling>
@@ -911,7 +772,6 @@
               </a:p>
             </c:rich>
           </c:tx>
-          <c:layout/>
           <c:overlay val="0"/>
         </c:title>
         <c:numFmt formatCode="General" sourceLinked="1"/>
@@ -928,7 +788,7 @@
             <a:endParaRPr lang="en-US"/>
           </a:p>
         </c:txPr>
-        <c:crossAx val="70948352"/>
+        <c:crossAx val="2063609928"/>
         <c:crosses val="autoZero"/>
         <c:crossBetween val="between"/>
       </c:valAx>
@@ -982,7 +842,6 @@
           </a:p>
         </c:rich>
       </c:tx>
-      <c:layout/>
       <c:overlay val="0"/>
     </c:title>
     <c:autoTitleDeleted val="0"/>
@@ -1015,49 +874,49 @@
                 <c:formatCode>General</c:formatCode>
                 <c:ptCount val="15"/>
                 <c:pt idx="0">
-                  <c:v>1</c:v>
+                  <c:v>1.0</c:v>
                 </c:pt>
                 <c:pt idx="1">
-                  <c:v>2</c:v>
+                  <c:v>2.0</c:v>
                 </c:pt>
                 <c:pt idx="2">
-                  <c:v>3</c:v>
+                  <c:v>3.0</c:v>
                 </c:pt>
                 <c:pt idx="3">
-                  <c:v>4</c:v>
+                  <c:v>4.0</c:v>
                 </c:pt>
                 <c:pt idx="4">
-                  <c:v>5</c:v>
+                  <c:v>5.0</c:v>
                 </c:pt>
                 <c:pt idx="5">
-                  <c:v>6</c:v>
+                  <c:v>6.0</c:v>
                 </c:pt>
                 <c:pt idx="6">
-                  <c:v>7</c:v>
+                  <c:v>7.0</c:v>
                 </c:pt>
                 <c:pt idx="7">
-                  <c:v>8</c:v>
+                  <c:v>8.0</c:v>
                 </c:pt>
                 <c:pt idx="8">
-                  <c:v>9</c:v>
+                  <c:v>9.0</c:v>
                 </c:pt>
                 <c:pt idx="9">
-                  <c:v>10</c:v>
+                  <c:v>10.0</c:v>
                 </c:pt>
                 <c:pt idx="10">
-                  <c:v>11</c:v>
+                  <c:v>11.0</c:v>
                 </c:pt>
                 <c:pt idx="11">
-                  <c:v>12</c:v>
+                  <c:v>12.0</c:v>
                 </c:pt>
                 <c:pt idx="12">
-                  <c:v>13</c:v>
+                  <c:v>13.0</c:v>
                 </c:pt>
                 <c:pt idx="13">
-                  <c:v>14</c:v>
+                  <c:v>14.0</c:v>
                 </c:pt>
                 <c:pt idx="14">
-                  <c:v>15</c:v>
+                  <c:v>15.0</c:v>
                 </c:pt>
               </c:numCache>
             </c:numRef>
@@ -1069,34 +928,34 @@
                 <c:formatCode>General</c:formatCode>
                 <c:ptCount val="15"/>
                 <c:pt idx="0">
-                  <c:v>0.99099999999999999</c:v>
+                  <c:v>0.991</c:v>
                 </c:pt>
                 <c:pt idx="1">
-                  <c:v>0.93300000000000005</c:v>
+                  <c:v>0.933</c:v>
                 </c:pt>
                 <c:pt idx="2">
-                  <c:v>0.94099999999999995</c:v>
+                  <c:v>0.941</c:v>
                 </c:pt>
                 <c:pt idx="3">
-                  <c:v>0.90400000000000003</c:v>
+                  <c:v>0.904</c:v>
                 </c:pt>
                 <c:pt idx="4">
                   <c:v>0.93</c:v>
                 </c:pt>
                 <c:pt idx="5">
-                  <c:v>0.95599999999999996</c:v>
+                  <c:v>0.956</c:v>
                 </c:pt>
                 <c:pt idx="6">
-                  <c:v>0.97199999999999998</c:v>
+                  <c:v>0.972</c:v>
                 </c:pt>
                 <c:pt idx="7">
-                  <c:v>0.98199999999999998</c:v>
+                  <c:v>0.982</c:v>
                 </c:pt>
                 <c:pt idx="8">
                   <c:v>0.99</c:v>
                 </c:pt>
                 <c:pt idx="9">
-                  <c:v>0.99199999999999999</c:v>
+                  <c:v>0.992</c:v>
                 </c:pt>
                 <c:pt idx="10">
                   <c:v>0.996</c:v>
@@ -1142,49 +1001,49 @@
                 <c:formatCode>General</c:formatCode>
                 <c:ptCount val="15"/>
                 <c:pt idx="0">
-                  <c:v>1</c:v>
+                  <c:v>1.0</c:v>
                 </c:pt>
                 <c:pt idx="1">
-                  <c:v>2</c:v>
+                  <c:v>2.0</c:v>
                 </c:pt>
                 <c:pt idx="2">
-                  <c:v>3</c:v>
+                  <c:v>3.0</c:v>
                 </c:pt>
                 <c:pt idx="3">
-                  <c:v>4</c:v>
+                  <c:v>4.0</c:v>
                 </c:pt>
                 <c:pt idx="4">
-                  <c:v>5</c:v>
+                  <c:v>5.0</c:v>
                 </c:pt>
                 <c:pt idx="5">
-                  <c:v>6</c:v>
+                  <c:v>6.0</c:v>
                 </c:pt>
                 <c:pt idx="6">
-                  <c:v>7</c:v>
+                  <c:v>7.0</c:v>
                 </c:pt>
                 <c:pt idx="7">
-                  <c:v>8</c:v>
+                  <c:v>8.0</c:v>
                 </c:pt>
                 <c:pt idx="8">
-                  <c:v>9</c:v>
+                  <c:v>9.0</c:v>
                 </c:pt>
                 <c:pt idx="9">
-                  <c:v>10</c:v>
+                  <c:v>10.0</c:v>
                 </c:pt>
                 <c:pt idx="10">
-                  <c:v>11</c:v>
+                  <c:v>11.0</c:v>
                 </c:pt>
                 <c:pt idx="11">
-                  <c:v>12</c:v>
+                  <c:v>12.0</c:v>
                 </c:pt>
                 <c:pt idx="12">
-                  <c:v>13</c:v>
+                  <c:v>13.0</c:v>
                 </c:pt>
                 <c:pt idx="13">
-                  <c:v>14</c:v>
+                  <c:v>14.0</c:v>
                 </c:pt>
                 <c:pt idx="14">
-                  <c:v>15</c:v>
+                  <c:v>15.0</c:v>
                 </c:pt>
               </c:numCache>
             </c:numRef>
@@ -1196,25 +1055,25 @@
                 <c:formatCode>General</c:formatCode>
                 <c:ptCount val="15"/>
                 <c:pt idx="0">
-                  <c:v>1</c:v>
+                  <c:v>1.0</c:v>
                 </c:pt>
                 <c:pt idx="1">
-                  <c:v>0.97199999999999998</c:v>
+                  <c:v>0.972</c:v>
                 </c:pt>
                 <c:pt idx="2">
-                  <c:v>0.98799999999999999</c:v>
+                  <c:v>0.988</c:v>
                 </c:pt>
                 <c:pt idx="3">
-                  <c:v>0.97499999999999998</c:v>
+                  <c:v>0.975</c:v>
                 </c:pt>
                 <c:pt idx="4">
-                  <c:v>0.97299999999999998</c:v>
+                  <c:v>0.973</c:v>
                 </c:pt>
                 <c:pt idx="5">
-                  <c:v>0.98199999999999998</c:v>
+                  <c:v>0.982</c:v>
                 </c:pt>
                 <c:pt idx="6">
-                  <c:v>0.98399999999999999</c:v>
+                  <c:v>0.984</c:v>
                 </c:pt>
                 <c:pt idx="7">
                   <c:v>0.998</c:v>
@@ -1226,19 +1085,19 @@
                   <c:v>0.998</c:v>
                 </c:pt>
                 <c:pt idx="10">
-                  <c:v>1</c:v>
+                  <c:v>1.0</c:v>
                 </c:pt>
                 <c:pt idx="11">
                   <c:v>0.999</c:v>
                 </c:pt>
                 <c:pt idx="12">
-                  <c:v>1</c:v>
+                  <c:v>1.0</c:v>
                 </c:pt>
                 <c:pt idx="13">
-                  <c:v>1</c:v>
+                  <c:v>1.0</c:v>
                 </c:pt>
                 <c:pt idx="14">
-                  <c:v>1</c:v>
+                  <c:v>1.0</c:v>
                 </c:pt>
               </c:numCache>
             </c:numRef>
@@ -1269,49 +1128,49 @@
                 <c:formatCode>General</c:formatCode>
                 <c:ptCount val="15"/>
                 <c:pt idx="0">
-                  <c:v>1</c:v>
+                  <c:v>1.0</c:v>
                 </c:pt>
                 <c:pt idx="1">
-                  <c:v>2</c:v>
+                  <c:v>2.0</c:v>
                 </c:pt>
                 <c:pt idx="2">
-                  <c:v>3</c:v>
+                  <c:v>3.0</c:v>
                 </c:pt>
                 <c:pt idx="3">
-                  <c:v>4</c:v>
+                  <c:v>4.0</c:v>
                 </c:pt>
                 <c:pt idx="4">
-                  <c:v>5</c:v>
+                  <c:v>5.0</c:v>
                 </c:pt>
                 <c:pt idx="5">
-                  <c:v>6</c:v>
+                  <c:v>6.0</c:v>
                 </c:pt>
                 <c:pt idx="6">
-                  <c:v>7</c:v>
+                  <c:v>7.0</c:v>
                 </c:pt>
                 <c:pt idx="7">
-                  <c:v>8</c:v>
+                  <c:v>8.0</c:v>
                 </c:pt>
                 <c:pt idx="8">
-                  <c:v>9</c:v>
+                  <c:v>9.0</c:v>
                 </c:pt>
                 <c:pt idx="9">
-                  <c:v>10</c:v>
+                  <c:v>10.0</c:v>
                 </c:pt>
                 <c:pt idx="10">
-                  <c:v>11</c:v>
+                  <c:v>11.0</c:v>
                 </c:pt>
                 <c:pt idx="11">
-                  <c:v>12</c:v>
+                  <c:v>12.0</c:v>
                 </c:pt>
                 <c:pt idx="12">
-                  <c:v>13</c:v>
+                  <c:v>13.0</c:v>
                 </c:pt>
                 <c:pt idx="13">
-                  <c:v>14</c:v>
+                  <c:v>14.0</c:v>
                 </c:pt>
                 <c:pt idx="14">
-                  <c:v>15</c:v>
+                  <c:v>15.0</c:v>
                 </c:pt>
               </c:numCache>
             </c:numRef>
@@ -1323,19 +1182,19 @@
                 <c:formatCode>General</c:formatCode>
                 <c:ptCount val="15"/>
                 <c:pt idx="0">
-                  <c:v>1</c:v>
+                  <c:v>1.0</c:v>
                 </c:pt>
                 <c:pt idx="1">
-                  <c:v>0.99299999999999999</c:v>
+                  <c:v>0.993</c:v>
                 </c:pt>
                 <c:pt idx="2">
-                  <c:v>0.98299999999999998</c:v>
+                  <c:v>0.983</c:v>
                 </c:pt>
                 <c:pt idx="3">
-                  <c:v>0.96599999999999997</c:v>
+                  <c:v>0.966</c:v>
                 </c:pt>
                 <c:pt idx="4">
-                  <c:v>0.97799999999999998</c:v>
+                  <c:v>0.978</c:v>
                 </c:pt>
                 <c:pt idx="5">
                   <c:v>0.99</c:v>
@@ -1347,25 +1206,25 @@
                   <c:v>0.999</c:v>
                 </c:pt>
                 <c:pt idx="8">
-                  <c:v>1</c:v>
+                  <c:v>1.0</c:v>
                 </c:pt>
                 <c:pt idx="9">
-                  <c:v>1</c:v>
+                  <c:v>1.0</c:v>
                 </c:pt>
                 <c:pt idx="10">
-                  <c:v>1</c:v>
+                  <c:v>1.0</c:v>
                 </c:pt>
                 <c:pt idx="11">
-                  <c:v>1</c:v>
+                  <c:v>1.0</c:v>
                 </c:pt>
                 <c:pt idx="12">
-                  <c:v>1</c:v>
+                  <c:v>1.0</c:v>
                 </c:pt>
                 <c:pt idx="13">
-                  <c:v>1</c:v>
+                  <c:v>1.0</c:v>
                 </c:pt>
                 <c:pt idx="14">
-                  <c:v>1</c:v>
+                  <c:v>1.0</c:v>
                 </c:pt>
               </c:numCache>
             </c:numRef>
@@ -1380,11 +1239,11 @@
           <c:showPercent val="0"/>
           <c:showBubbleSize val="0"/>
         </c:dLbls>
-        <c:axId val="67986560"/>
-        <c:axId val="68964736"/>
+        <c:axId val="2131130584"/>
+        <c:axId val="2063624664"/>
       </c:scatterChart>
       <c:valAx>
-        <c:axId val="67986560"/>
+        <c:axId val="2131130584"/>
         <c:scaling>
           <c:orientation val="minMax"/>
         </c:scaling>
@@ -1406,7 +1265,6 @@
               </a:p>
             </c:rich>
           </c:tx>
-          <c:layout/>
           <c:overlay val="0"/>
         </c:title>
         <c:numFmt formatCode="General" sourceLinked="1"/>
@@ -1423,12 +1281,12 @@
             <a:endParaRPr lang="en-US"/>
           </a:p>
         </c:txPr>
-        <c:crossAx val="68964736"/>
+        <c:crossAx val="2063624664"/>
         <c:crosses val="autoZero"/>
         <c:crossBetween val="midCat"/>
       </c:valAx>
       <c:valAx>
-        <c:axId val="68964736"/>
+        <c:axId val="2063624664"/>
         <c:scaling>
           <c:orientation val="minMax"/>
         </c:scaling>
@@ -1451,7 +1309,6 @@
               </a:p>
             </c:rich>
           </c:tx>
-          <c:layout/>
           <c:overlay val="0"/>
         </c:title>
         <c:numFmt formatCode="General" sourceLinked="1"/>
@@ -1468,14 +1325,13 @@
             <a:endParaRPr lang="en-US"/>
           </a:p>
         </c:txPr>
-        <c:crossAx val="67986560"/>
+        <c:crossAx val="2131130584"/>
         <c:crosses val="autoZero"/>
         <c:crossBetween val="midCat"/>
       </c:valAx>
     </c:plotArea>
     <c:legend>
       <c:legendPos val="r"/>
-      <c:layout/>
       <c:overlay val="0"/>
       <c:txPr>
         <a:bodyPr/>
@@ -1533,7 +1389,6 @@
           </a:p>
         </c:rich>
       </c:tx>
-      <c:layout/>
       <c:overlay val="0"/>
     </c:title>
     <c:autoTitleDeleted val="0"/>
@@ -1566,49 +1421,49 @@
                 <c:formatCode>General</c:formatCode>
                 <c:ptCount val="15"/>
                 <c:pt idx="0">
-                  <c:v>1</c:v>
+                  <c:v>1.0</c:v>
                 </c:pt>
                 <c:pt idx="1">
-                  <c:v>2</c:v>
+                  <c:v>2.0</c:v>
                 </c:pt>
                 <c:pt idx="2">
-                  <c:v>3</c:v>
+                  <c:v>3.0</c:v>
                 </c:pt>
                 <c:pt idx="3">
-                  <c:v>4</c:v>
+                  <c:v>4.0</c:v>
                 </c:pt>
                 <c:pt idx="4">
-                  <c:v>5</c:v>
+                  <c:v>5.0</c:v>
                 </c:pt>
                 <c:pt idx="5">
-                  <c:v>6</c:v>
+                  <c:v>6.0</c:v>
                 </c:pt>
                 <c:pt idx="6">
-                  <c:v>7</c:v>
+                  <c:v>7.0</c:v>
                 </c:pt>
                 <c:pt idx="7">
-                  <c:v>8</c:v>
+                  <c:v>8.0</c:v>
                 </c:pt>
                 <c:pt idx="8">
-                  <c:v>9</c:v>
+                  <c:v>9.0</c:v>
                 </c:pt>
                 <c:pt idx="9">
-                  <c:v>10</c:v>
+                  <c:v>10.0</c:v>
                 </c:pt>
                 <c:pt idx="10">
-                  <c:v>11</c:v>
+                  <c:v>11.0</c:v>
                 </c:pt>
                 <c:pt idx="11">
-                  <c:v>12</c:v>
+                  <c:v>12.0</c:v>
                 </c:pt>
                 <c:pt idx="12">
-                  <c:v>13</c:v>
+                  <c:v>13.0</c:v>
                 </c:pt>
                 <c:pt idx="13">
-                  <c:v>14</c:v>
+                  <c:v>14.0</c:v>
                 </c:pt>
                 <c:pt idx="14">
-                  <c:v>15</c:v>
+                  <c:v>15.0</c:v>
                 </c:pt>
               </c:numCache>
             </c:numRef>
@@ -1620,16 +1475,16 @@
                 <c:formatCode>General</c:formatCode>
                 <c:ptCount val="15"/>
                 <c:pt idx="0">
-                  <c:v>0.91700000000000004</c:v>
+                  <c:v>0.917</c:v>
                 </c:pt>
                 <c:pt idx="1">
-                  <c:v>0.72899999999999998</c:v>
+                  <c:v>0.729</c:v>
                 </c:pt>
                 <c:pt idx="2">
                   <c:v>0.73</c:v>
                 </c:pt>
                 <c:pt idx="3">
-                  <c:v>0.75600000000000001</c:v>
+                  <c:v>0.756</c:v>
                 </c:pt>
                 <c:pt idx="4">
                   <c:v>0.83</c:v>
@@ -1638,28 +1493,28 @@
                   <c:v>0.87</c:v>
                 </c:pt>
                 <c:pt idx="6">
-                  <c:v>0.90800000000000003</c:v>
+                  <c:v>0.908</c:v>
                 </c:pt>
                 <c:pt idx="7">
-                  <c:v>0.93799999999999994</c:v>
+                  <c:v>0.938</c:v>
                 </c:pt>
                 <c:pt idx="8">
-                  <c:v>0.96499999999999997</c:v>
+                  <c:v>0.965</c:v>
                 </c:pt>
                 <c:pt idx="9">
-                  <c:v>0.97399999999999998</c:v>
+                  <c:v>0.974</c:v>
                 </c:pt>
                 <c:pt idx="10">
-                  <c:v>0.99099999999999999</c:v>
+                  <c:v>0.991</c:v>
                 </c:pt>
                 <c:pt idx="11">
                   <c:v>0.997</c:v>
                 </c:pt>
                 <c:pt idx="12">
-                  <c:v>0.99399999999999999</c:v>
+                  <c:v>0.994</c:v>
                 </c:pt>
                 <c:pt idx="13">
-                  <c:v>0.99299999999999999</c:v>
+                  <c:v>0.993</c:v>
                 </c:pt>
                 <c:pt idx="14">
                   <c:v>0.999</c:v>
@@ -1693,49 +1548,49 @@
                 <c:formatCode>General</c:formatCode>
                 <c:ptCount val="15"/>
                 <c:pt idx="0">
-                  <c:v>1</c:v>
+                  <c:v>1.0</c:v>
                 </c:pt>
                 <c:pt idx="1">
-                  <c:v>2</c:v>
+                  <c:v>2.0</c:v>
                 </c:pt>
                 <c:pt idx="2">
-                  <c:v>3</c:v>
+                  <c:v>3.0</c:v>
                 </c:pt>
                 <c:pt idx="3">
-                  <c:v>4</c:v>
+                  <c:v>4.0</c:v>
                 </c:pt>
                 <c:pt idx="4">
-                  <c:v>5</c:v>
+                  <c:v>5.0</c:v>
                 </c:pt>
                 <c:pt idx="5">
-                  <c:v>6</c:v>
+                  <c:v>6.0</c:v>
                 </c:pt>
                 <c:pt idx="6">
-                  <c:v>7</c:v>
+                  <c:v>7.0</c:v>
                 </c:pt>
                 <c:pt idx="7">
-                  <c:v>8</c:v>
+                  <c:v>8.0</c:v>
                 </c:pt>
                 <c:pt idx="8">
-                  <c:v>9</c:v>
+                  <c:v>9.0</c:v>
                 </c:pt>
                 <c:pt idx="9">
-                  <c:v>10</c:v>
+                  <c:v>10.0</c:v>
                 </c:pt>
                 <c:pt idx="10">
-                  <c:v>11</c:v>
+                  <c:v>11.0</c:v>
                 </c:pt>
                 <c:pt idx="11">
-                  <c:v>12</c:v>
+                  <c:v>12.0</c:v>
                 </c:pt>
                 <c:pt idx="12">
-                  <c:v>13</c:v>
+                  <c:v>13.0</c:v>
                 </c:pt>
                 <c:pt idx="13">
-                  <c:v>14</c:v>
+                  <c:v>14.0</c:v>
                 </c:pt>
                 <c:pt idx="14">
-                  <c:v>15</c:v>
+                  <c:v>15.0</c:v>
                 </c:pt>
               </c:numCache>
             </c:numRef>
@@ -1747,31 +1602,31 @@
                 <c:formatCode>General</c:formatCode>
                 <c:ptCount val="15"/>
                 <c:pt idx="0">
-                  <c:v>0.98799999999999999</c:v>
+                  <c:v>0.988</c:v>
                 </c:pt>
                 <c:pt idx="1">
-                  <c:v>0.89500000000000002</c:v>
+                  <c:v>0.895</c:v>
                 </c:pt>
                 <c:pt idx="2">
-                  <c:v>0.84599999999999997</c:v>
+                  <c:v>0.846</c:v>
                 </c:pt>
                 <c:pt idx="3">
-                  <c:v>0.86099999999999999</c:v>
+                  <c:v>0.861</c:v>
                 </c:pt>
                 <c:pt idx="4">
-                  <c:v>0.92100000000000004</c:v>
+                  <c:v>0.921</c:v>
                 </c:pt>
                 <c:pt idx="5">
-                  <c:v>0.94199999999999995</c:v>
+                  <c:v>0.942</c:v>
                 </c:pt>
                 <c:pt idx="6">
-                  <c:v>0.96799999999999997</c:v>
+                  <c:v>0.968</c:v>
                 </c:pt>
                 <c:pt idx="7">
-                  <c:v>0.98599999999999999</c:v>
+                  <c:v>0.986</c:v>
                 </c:pt>
                 <c:pt idx="8">
-                  <c:v>0.99199999999999999</c:v>
+                  <c:v>0.992</c:v>
                 </c:pt>
                 <c:pt idx="9">
                   <c:v>0.997</c:v>
@@ -1780,16 +1635,16 @@
                   <c:v>0.999</c:v>
                 </c:pt>
                 <c:pt idx="11">
-                  <c:v>1</c:v>
+                  <c:v>1.0</c:v>
                 </c:pt>
                 <c:pt idx="12">
                   <c:v>0.999</c:v>
                 </c:pt>
                 <c:pt idx="13">
-                  <c:v>1</c:v>
+                  <c:v>1.0</c:v>
                 </c:pt>
                 <c:pt idx="14">
-                  <c:v>1</c:v>
+                  <c:v>1.0</c:v>
                 </c:pt>
               </c:numCache>
             </c:numRef>
@@ -1820,49 +1675,49 @@
                 <c:formatCode>General</c:formatCode>
                 <c:ptCount val="15"/>
                 <c:pt idx="0">
-                  <c:v>1</c:v>
+                  <c:v>1.0</c:v>
                 </c:pt>
                 <c:pt idx="1">
-                  <c:v>2</c:v>
+                  <c:v>2.0</c:v>
                 </c:pt>
                 <c:pt idx="2">
-                  <c:v>3</c:v>
+                  <c:v>3.0</c:v>
                 </c:pt>
                 <c:pt idx="3">
-                  <c:v>4</c:v>
+                  <c:v>4.0</c:v>
                 </c:pt>
                 <c:pt idx="4">
-                  <c:v>5</c:v>
+                  <c:v>5.0</c:v>
                 </c:pt>
                 <c:pt idx="5">
-                  <c:v>6</c:v>
+                  <c:v>6.0</c:v>
                 </c:pt>
                 <c:pt idx="6">
-                  <c:v>7</c:v>
+                  <c:v>7.0</c:v>
                 </c:pt>
                 <c:pt idx="7">
-                  <c:v>8</c:v>
+                  <c:v>8.0</c:v>
                 </c:pt>
                 <c:pt idx="8">
-                  <c:v>9</c:v>
+                  <c:v>9.0</c:v>
                 </c:pt>
                 <c:pt idx="9">
-                  <c:v>10</c:v>
+                  <c:v>10.0</c:v>
                 </c:pt>
                 <c:pt idx="10">
-                  <c:v>11</c:v>
+                  <c:v>11.0</c:v>
                 </c:pt>
                 <c:pt idx="11">
-                  <c:v>12</c:v>
+                  <c:v>12.0</c:v>
                 </c:pt>
                 <c:pt idx="12">
-                  <c:v>13</c:v>
+                  <c:v>13.0</c:v>
                 </c:pt>
                 <c:pt idx="13">
-                  <c:v>14</c:v>
+                  <c:v>14.0</c:v>
                 </c:pt>
                 <c:pt idx="14">
-                  <c:v>15</c:v>
+                  <c:v>15.0</c:v>
                 </c:pt>
               </c:numCache>
             </c:numRef>
@@ -1874,49 +1729,49 @@
                 <c:formatCode>General</c:formatCode>
                 <c:ptCount val="15"/>
                 <c:pt idx="0">
-                  <c:v>1</c:v>
+                  <c:v>1.0</c:v>
                 </c:pt>
                 <c:pt idx="1">
-                  <c:v>0.93899999999999995</c:v>
+                  <c:v>0.939</c:v>
                 </c:pt>
                 <c:pt idx="2">
-                  <c:v>0.89800000000000002</c:v>
+                  <c:v>0.898</c:v>
                 </c:pt>
                 <c:pt idx="3">
-                  <c:v>0.91400000000000003</c:v>
+                  <c:v>0.914</c:v>
                 </c:pt>
                 <c:pt idx="4">
-                  <c:v>0.94699999999999995</c:v>
+                  <c:v>0.947</c:v>
                 </c:pt>
                 <c:pt idx="5">
-                  <c:v>0.96799999999999997</c:v>
+                  <c:v>0.968</c:v>
                 </c:pt>
                 <c:pt idx="6">
-                  <c:v>0.97899999999999998</c:v>
+                  <c:v>0.979</c:v>
                 </c:pt>
                 <c:pt idx="7">
-                  <c:v>0.99199999999999999</c:v>
+                  <c:v>0.992</c:v>
                 </c:pt>
                 <c:pt idx="8">
                   <c:v>0.997</c:v>
                 </c:pt>
                 <c:pt idx="9">
-                  <c:v>1</c:v>
+                  <c:v>1.0</c:v>
                 </c:pt>
                 <c:pt idx="10">
-                  <c:v>1</c:v>
+                  <c:v>1.0</c:v>
                 </c:pt>
                 <c:pt idx="11">
-                  <c:v>1</c:v>
+                  <c:v>1.0</c:v>
                 </c:pt>
                 <c:pt idx="12">
-                  <c:v>1</c:v>
+                  <c:v>1.0</c:v>
                 </c:pt>
                 <c:pt idx="13">
-                  <c:v>1</c:v>
+                  <c:v>1.0</c:v>
                 </c:pt>
                 <c:pt idx="14">
-                  <c:v>1</c:v>
+                  <c:v>1.0</c:v>
                 </c:pt>
               </c:numCache>
             </c:numRef>
@@ -1931,11 +1786,11 @@
           <c:showPercent val="0"/>
           <c:showBubbleSize val="0"/>
         </c:dLbls>
-        <c:axId val="85578496"/>
-        <c:axId val="88231936"/>
+        <c:axId val="2065306712"/>
+        <c:axId val="2063746248"/>
       </c:scatterChart>
       <c:valAx>
-        <c:axId val="85578496"/>
+        <c:axId val="2065306712"/>
         <c:scaling>
           <c:orientation val="minMax"/>
         </c:scaling>
@@ -1957,7 +1812,6 @@
               </a:p>
             </c:rich>
           </c:tx>
-          <c:layout/>
           <c:overlay val="0"/>
         </c:title>
         <c:numFmt formatCode="General" sourceLinked="1"/>
@@ -1974,15 +1828,15 @@
             <a:endParaRPr lang="en-US"/>
           </a:p>
         </c:txPr>
-        <c:crossAx val="88231936"/>
+        <c:crossAx val="2063746248"/>
         <c:crosses val="autoZero"/>
         <c:crossBetween val="midCat"/>
       </c:valAx>
       <c:valAx>
-        <c:axId val="88231936"/>
+        <c:axId val="2063746248"/>
         <c:scaling>
           <c:orientation val="minMax"/>
-          <c:min val="0.70000000000000007"/>
+          <c:min val="0.7"/>
         </c:scaling>
         <c:delete val="0"/>
         <c:axPos val="l"/>
@@ -2003,7 +1857,6 @@
               </a:p>
             </c:rich>
           </c:tx>
-          <c:layout/>
           <c:overlay val="0"/>
         </c:title>
         <c:numFmt formatCode="General" sourceLinked="1"/>
@@ -2020,14 +1873,13 @@
             <a:endParaRPr lang="en-US"/>
           </a:p>
         </c:txPr>
-        <c:crossAx val="85578496"/>
+        <c:crossAx val="2065306712"/>
         <c:crosses val="autoZero"/>
         <c:crossBetween val="midCat"/>
       </c:valAx>
     </c:plotArea>
     <c:legend>
       <c:legendPos val="r"/>
-      <c:layout/>
       <c:overlay val="0"/>
       <c:txPr>
         <a:bodyPr/>
@@ -2094,49 +1946,49 @@
                 <c:formatCode>General</c:formatCode>
                 <c:ptCount val="15"/>
                 <c:pt idx="0">
-                  <c:v>1</c:v>
+                  <c:v>1.0</c:v>
                 </c:pt>
                 <c:pt idx="1">
-                  <c:v>2</c:v>
+                  <c:v>2.0</c:v>
                 </c:pt>
                 <c:pt idx="2">
-                  <c:v>3</c:v>
+                  <c:v>3.0</c:v>
                 </c:pt>
                 <c:pt idx="3">
-                  <c:v>4</c:v>
+                  <c:v>4.0</c:v>
                 </c:pt>
                 <c:pt idx="4">
-                  <c:v>5</c:v>
+                  <c:v>5.0</c:v>
                 </c:pt>
                 <c:pt idx="5">
-                  <c:v>6</c:v>
+                  <c:v>6.0</c:v>
                 </c:pt>
                 <c:pt idx="6">
-                  <c:v>7</c:v>
+                  <c:v>7.0</c:v>
                 </c:pt>
                 <c:pt idx="7">
-                  <c:v>8</c:v>
+                  <c:v>8.0</c:v>
                 </c:pt>
                 <c:pt idx="8">
-                  <c:v>9</c:v>
+                  <c:v>9.0</c:v>
                 </c:pt>
                 <c:pt idx="9">
-                  <c:v>10</c:v>
+                  <c:v>10.0</c:v>
                 </c:pt>
                 <c:pt idx="10">
-                  <c:v>11</c:v>
+                  <c:v>11.0</c:v>
                 </c:pt>
                 <c:pt idx="11">
-                  <c:v>12</c:v>
+                  <c:v>12.0</c:v>
                 </c:pt>
                 <c:pt idx="12">
-                  <c:v>13</c:v>
+                  <c:v>13.0</c:v>
                 </c:pt>
                 <c:pt idx="13">
-                  <c:v>14</c:v>
+                  <c:v>14.0</c:v>
                 </c:pt>
                 <c:pt idx="14">
-                  <c:v>15</c:v>
+                  <c:v>15.0</c:v>
                 </c:pt>
               </c:numCache>
             </c:numRef>
@@ -2148,34 +2000,34 @@
                 <c:formatCode>General</c:formatCode>
                 <c:ptCount val="15"/>
                 <c:pt idx="0">
-                  <c:v>0.99099999999999999</c:v>
+                  <c:v>0.991</c:v>
                 </c:pt>
                 <c:pt idx="1">
-                  <c:v>0.93300000000000005</c:v>
+                  <c:v>0.933</c:v>
                 </c:pt>
                 <c:pt idx="2">
-                  <c:v>0.94099999999999995</c:v>
+                  <c:v>0.941</c:v>
                 </c:pt>
                 <c:pt idx="3">
-                  <c:v>0.90400000000000003</c:v>
+                  <c:v>0.904</c:v>
                 </c:pt>
                 <c:pt idx="4">
                   <c:v>0.93</c:v>
                 </c:pt>
                 <c:pt idx="5">
-                  <c:v>0.95599999999999996</c:v>
+                  <c:v>0.956</c:v>
                 </c:pt>
                 <c:pt idx="6">
-                  <c:v>0.97199999999999998</c:v>
+                  <c:v>0.972</c:v>
                 </c:pt>
                 <c:pt idx="7">
-                  <c:v>0.98199999999999998</c:v>
+                  <c:v>0.982</c:v>
                 </c:pt>
                 <c:pt idx="8">
                   <c:v>0.99</c:v>
                 </c:pt>
                 <c:pt idx="9">
-                  <c:v>0.99199999999999999</c:v>
+                  <c:v>0.992</c:v>
                 </c:pt>
                 <c:pt idx="10">
                   <c:v>0.996</c:v>
@@ -2221,49 +2073,49 @@
                 <c:formatCode>General</c:formatCode>
                 <c:ptCount val="15"/>
                 <c:pt idx="0">
-                  <c:v>1</c:v>
+                  <c:v>1.0</c:v>
                 </c:pt>
                 <c:pt idx="1">
-                  <c:v>2</c:v>
+                  <c:v>2.0</c:v>
                 </c:pt>
                 <c:pt idx="2">
-                  <c:v>3</c:v>
+                  <c:v>3.0</c:v>
                 </c:pt>
                 <c:pt idx="3">
-                  <c:v>4</c:v>
+                  <c:v>4.0</c:v>
                 </c:pt>
                 <c:pt idx="4">
-                  <c:v>5</c:v>
+                  <c:v>5.0</c:v>
                 </c:pt>
                 <c:pt idx="5">
-                  <c:v>6</c:v>
+                  <c:v>6.0</c:v>
                 </c:pt>
                 <c:pt idx="6">
-                  <c:v>7</c:v>
+                  <c:v>7.0</c:v>
                 </c:pt>
                 <c:pt idx="7">
-                  <c:v>8</c:v>
+                  <c:v>8.0</c:v>
                 </c:pt>
                 <c:pt idx="8">
-                  <c:v>9</c:v>
+                  <c:v>9.0</c:v>
                 </c:pt>
                 <c:pt idx="9">
-                  <c:v>10</c:v>
+                  <c:v>10.0</c:v>
                 </c:pt>
                 <c:pt idx="10">
-                  <c:v>11</c:v>
+                  <c:v>11.0</c:v>
                 </c:pt>
                 <c:pt idx="11">
-                  <c:v>12</c:v>
+                  <c:v>12.0</c:v>
                 </c:pt>
                 <c:pt idx="12">
-                  <c:v>13</c:v>
+                  <c:v>13.0</c:v>
                 </c:pt>
                 <c:pt idx="13">
-                  <c:v>14</c:v>
+                  <c:v>14.0</c:v>
                 </c:pt>
                 <c:pt idx="14">
-                  <c:v>15</c:v>
+                  <c:v>15.0</c:v>
                 </c:pt>
               </c:numCache>
             </c:numRef>
@@ -2275,49 +2127,49 @@
                 <c:formatCode>General</c:formatCode>
                 <c:ptCount val="15"/>
                 <c:pt idx="0">
-                  <c:v>0.99199999999999999</c:v>
+                  <c:v>0.99</c:v>
                 </c:pt>
                 <c:pt idx="1">
-                  <c:v>0.57499999999999996</c:v>
+                  <c:v>0.749</c:v>
                 </c:pt>
                 <c:pt idx="2">
-                  <c:v>0.83399999999999996</c:v>
+                  <c:v>0.849</c:v>
                 </c:pt>
                 <c:pt idx="3">
-                  <c:v>0.69599999999999995</c:v>
+                  <c:v>0.753</c:v>
                 </c:pt>
                 <c:pt idx="4">
-                  <c:v>0.79700000000000004</c:v>
+                  <c:v>0.84</c:v>
                 </c:pt>
                 <c:pt idx="5">
-                  <c:v>0.87</c:v>
+                  <c:v>0.872</c:v>
                 </c:pt>
                 <c:pt idx="6">
-                  <c:v>0.89800000000000002</c:v>
+                  <c:v>0.901</c:v>
                 </c:pt>
                 <c:pt idx="7">
-                  <c:v>0.94</c:v>
+                  <c:v>0.95</c:v>
                 </c:pt>
                 <c:pt idx="8">
-                  <c:v>0.95699999999999996</c:v>
+                  <c:v>0.968</c:v>
                 </c:pt>
                 <c:pt idx="9">
-                  <c:v>0.96899999999999997</c:v>
+                  <c:v>0.975</c:v>
                 </c:pt>
                 <c:pt idx="10">
-                  <c:v>0.98499999999999999</c:v>
+                  <c:v>0.993</c:v>
                 </c:pt>
                 <c:pt idx="11">
-                  <c:v>0.98399999999999999</c:v>
+                  <c:v>0.983</c:v>
                 </c:pt>
                 <c:pt idx="12">
-                  <c:v>0.99099999999999999</c:v>
+                  <c:v>0.992</c:v>
                 </c:pt>
                 <c:pt idx="13">
-                  <c:v>0.99299999999999999</c:v>
+                  <c:v>0.997</c:v>
                 </c:pt>
                 <c:pt idx="14">
-                  <c:v>0.99</c:v>
+                  <c:v>0.997</c:v>
                 </c:pt>
               </c:numCache>
             </c:numRef>
@@ -2332,11 +2184,11 @@
           <c:showPercent val="0"/>
           <c:showBubbleSize val="0"/>
         </c:dLbls>
-        <c:axId val="85521920"/>
-        <c:axId val="85523840"/>
+        <c:axId val="2106175064"/>
+        <c:axId val="2106180552"/>
       </c:scatterChart>
       <c:valAx>
-        <c:axId val="85521920"/>
+        <c:axId val="2106175064"/>
         <c:scaling>
           <c:orientation val="minMax"/>
         </c:scaling>
@@ -2349,13 +2201,12 @@
               <a:lstStyle/>
               <a:p>
                 <a:pPr>
-                  <a:defRPr/>
+                  <a:defRPr sz="1400"/>
                 </a:pPr>
                 <a:r>
-                  <a:rPr lang="en-US" sz="1400" dirty="0" smtClean="0"/>
+                  <a:rPr lang="en-US" sz="1400" dirty="0"/>
                   <a:t>Word Length</a:t>
                 </a:r>
-                <a:endParaRPr lang="en-US" sz="1400" dirty="0"/>
               </a:p>
             </c:rich>
           </c:tx>
@@ -2366,12 +2217,22 @@
         <c:majorTickMark val="out"/>
         <c:minorTickMark val="none"/>
         <c:tickLblPos val="nextTo"/>
-        <c:crossAx val="85523840"/>
+        <c:txPr>
+          <a:bodyPr/>
+          <a:lstStyle/>
+          <a:p>
+            <a:pPr>
+              <a:defRPr sz="1200"/>
+            </a:pPr>
+            <a:endParaRPr lang="en-US"/>
+          </a:p>
+        </c:txPr>
+        <c:crossAx val="2106180552"/>
         <c:crosses val="autoZero"/>
         <c:crossBetween val="midCat"/>
       </c:valAx>
       <c:valAx>
-        <c:axId val="85523840"/>
+        <c:axId val="2106180552"/>
         <c:scaling>
           <c:orientation val="minMax"/>
         </c:scaling>
@@ -2385,13 +2246,12 @@
               <a:lstStyle/>
               <a:p>
                 <a:pPr>
-                  <a:defRPr/>
+                  <a:defRPr sz="1400"/>
                 </a:pPr>
                 <a:r>
-                  <a:rPr lang="en-US" sz="1400" dirty="0" smtClean="0"/>
+                  <a:rPr lang="en-US" sz="1400"/>
                   <a:t>Percent Accuracy</a:t>
                 </a:r>
-                <a:endParaRPr lang="en-US" sz="1400" dirty="0"/>
               </a:p>
             </c:rich>
           </c:tx>
@@ -2402,7 +2262,17 @@
         <c:majorTickMark val="out"/>
         <c:minorTickMark val="none"/>
         <c:tickLblPos val="nextTo"/>
-        <c:crossAx val="85521920"/>
+        <c:txPr>
+          <a:bodyPr/>
+          <a:lstStyle/>
+          <a:p>
+            <a:pPr>
+              <a:defRPr sz="1200"/>
+            </a:pPr>
+            <a:endParaRPr lang="en-US"/>
+          </a:p>
+        </c:txPr>
+        <c:crossAx val="2106175064"/>
         <c:crosses val="autoZero"/>
         <c:crossBetween val="midCat"/>
       </c:valAx>
@@ -2431,7 +2301,7 @@
     </mc:Fallback>
   </mc:AlternateContent>
   <c:chart>
-    <c:autoTitleDeleted val="0"/>
+    <c:autoTitleDeleted val="1"/>
     <c:plotArea>
       <c:layout/>
       <c:scatterChart>
@@ -2461,49 +2331,49 @@
                 <c:formatCode>General</c:formatCode>
                 <c:ptCount val="15"/>
                 <c:pt idx="0">
-                  <c:v>1</c:v>
+                  <c:v>1.0</c:v>
                 </c:pt>
                 <c:pt idx="1">
-                  <c:v>2</c:v>
+                  <c:v>2.0</c:v>
                 </c:pt>
                 <c:pt idx="2">
-                  <c:v>3</c:v>
+                  <c:v>3.0</c:v>
                 </c:pt>
                 <c:pt idx="3">
-                  <c:v>4</c:v>
+                  <c:v>4.0</c:v>
                 </c:pt>
                 <c:pt idx="4">
-                  <c:v>5</c:v>
+                  <c:v>5.0</c:v>
                 </c:pt>
                 <c:pt idx="5">
-                  <c:v>6</c:v>
+                  <c:v>6.0</c:v>
                 </c:pt>
                 <c:pt idx="6">
-                  <c:v>7</c:v>
+                  <c:v>7.0</c:v>
                 </c:pt>
                 <c:pt idx="7">
-                  <c:v>8</c:v>
+                  <c:v>8.0</c:v>
                 </c:pt>
                 <c:pt idx="8">
-                  <c:v>9</c:v>
+                  <c:v>9.0</c:v>
                 </c:pt>
                 <c:pt idx="9">
-                  <c:v>10</c:v>
+                  <c:v>10.0</c:v>
                 </c:pt>
                 <c:pt idx="10">
-                  <c:v>11</c:v>
+                  <c:v>11.0</c:v>
                 </c:pt>
                 <c:pt idx="11">
-                  <c:v>12</c:v>
+                  <c:v>12.0</c:v>
                 </c:pt>
                 <c:pt idx="12">
-                  <c:v>13</c:v>
+                  <c:v>13.0</c:v>
                 </c:pt>
                 <c:pt idx="13">
-                  <c:v>14</c:v>
+                  <c:v>14.0</c:v>
                 </c:pt>
                 <c:pt idx="14">
-                  <c:v>15</c:v>
+                  <c:v>15.0</c:v>
                 </c:pt>
               </c:numCache>
             </c:numRef>
@@ -2515,46 +2385,46 @@
                 <c:formatCode>General</c:formatCode>
                 <c:ptCount val="15"/>
                 <c:pt idx="0">
-                  <c:v>0.70799999999999996</c:v>
+                  <c:v>0.708</c:v>
                 </c:pt>
                 <c:pt idx="1">
                   <c:v>0.436</c:v>
                 </c:pt>
                 <c:pt idx="2">
-                  <c:v>0.70499999999999996</c:v>
+                  <c:v>0.705</c:v>
                 </c:pt>
                 <c:pt idx="3">
-                  <c:v>0.59399999999999997</c:v>
+                  <c:v>0.594</c:v>
                 </c:pt>
                 <c:pt idx="4">
-                  <c:v>0.71799999999999997</c:v>
+                  <c:v>0.718</c:v>
                 </c:pt>
                 <c:pt idx="5">
-                  <c:v>0.80900000000000005</c:v>
+                  <c:v>0.809</c:v>
                 </c:pt>
                 <c:pt idx="6">
-                  <c:v>0.89700000000000002</c:v>
+                  <c:v>0.897</c:v>
                 </c:pt>
                 <c:pt idx="7">
-                  <c:v>0.93700000000000006</c:v>
+                  <c:v>0.937</c:v>
                 </c:pt>
                 <c:pt idx="8">
-                  <c:v>0.97099999999999997</c:v>
+                  <c:v>0.971</c:v>
                 </c:pt>
                 <c:pt idx="9">
-                  <c:v>0.98299999999999998</c:v>
+                  <c:v>0.983</c:v>
                 </c:pt>
                 <c:pt idx="10">
-                  <c:v>0.98699999999999999</c:v>
+                  <c:v>0.987</c:v>
                 </c:pt>
                 <c:pt idx="11">
-                  <c:v>0.98799999999999999</c:v>
+                  <c:v>0.988</c:v>
                 </c:pt>
                 <c:pt idx="12">
-                  <c:v>0.98799999999999999</c:v>
+                  <c:v>0.988</c:v>
                 </c:pt>
                 <c:pt idx="13">
-                  <c:v>0.99299999999999999</c:v>
+                  <c:v>0.993</c:v>
                 </c:pt>
                 <c:pt idx="14">
                   <c:v>0.995</c:v>
@@ -2588,49 +2458,49 @@
                 <c:formatCode>General</c:formatCode>
                 <c:ptCount val="15"/>
                 <c:pt idx="0">
-                  <c:v>1</c:v>
+                  <c:v>1.0</c:v>
                 </c:pt>
                 <c:pt idx="1">
-                  <c:v>2</c:v>
+                  <c:v>2.0</c:v>
                 </c:pt>
                 <c:pt idx="2">
-                  <c:v>3</c:v>
+                  <c:v>3.0</c:v>
                 </c:pt>
                 <c:pt idx="3">
-                  <c:v>4</c:v>
+                  <c:v>4.0</c:v>
                 </c:pt>
                 <c:pt idx="4">
-                  <c:v>5</c:v>
+                  <c:v>5.0</c:v>
                 </c:pt>
                 <c:pt idx="5">
-                  <c:v>6</c:v>
+                  <c:v>6.0</c:v>
                 </c:pt>
                 <c:pt idx="6">
-                  <c:v>7</c:v>
+                  <c:v>7.0</c:v>
                 </c:pt>
                 <c:pt idx="7">
-                  <c:v>8</c:v>
+                  <c:v>8.0</c:v>
                 </c:pt>
                 <c:pt idx="8">
-                  <c:v>9</c:v>
+                  <c:v>9.0</c:v>
                 </c:pt>
                 <c:pt idx="9">
-                  <c:v>10</c:v>
+                  <c:v>10.0</c:v>
                 </c:pt>
                 <c:pt idx="10">
-                  <c:v>11</c:v>
+                  <c:v>11.0</c:v>
                 </c:pt>
                 <c:pt idx="11">
-                  <c:v>12</c:v>
+                  <c:v>12.0</c:v>
                 </c:pt>
                 <c:pt idx="12">
-                  <c:v>13</c:v>
+                  <c:v>13.0</c:v>
                 </c:pt>
                 <c:pt idx="13">
-                  <c:v>14</c:v>
+                  <c:v>14.0</c:v>
                 </c:pt>
                 <c:pt idx="14">
-                  <c:v>15</c:v>
+                  <c:v>15.0</c:v>
                 </c:pt>
               </c:numCache>
             </c:numRef>
@@ -2642,49 +2512,49 @@
                 <c:formatCode>General</c:formatCode>
                 <c:ptCount val="15"/>
                 <c:pt idx="0">
-                  <c:v>0.69599999999999995</c:v>
+                  <c:v>0.689</c:v>
                 </c:pt>
                 <c:pt idx="1">
-                  <c:v>0.57899999999999996</c:v>
+                  <c:v>0.576</c:v>
                 </c:pt>
                 <c:pt idx="2">
-                  <c:v>0.72799999999999998</c:v>
+                  <c:v>0.734</c:v>
                 </c:pt>
                 <c:pt idx="3">
-                  <c:v>0.65200000000000002</c:v>
+                  <c:v>0.683</c:v>
                 </c:pt>
                 <c:pt idx="4">
-                  <c:v>0.753</c:v>
+                  <c:v>0.725</c:v>
                 </c:pt>
                 <c:pt idx="5">
-                  <c:v>0.82199999999999995</c:v>
+                  <c:v>0.826</c:v>
                 </c:pt>
                 <c:pt idx="6">
-                  <c:v>0.88500000000000001</c:v>
+                  <c:v>0.882</c:v>
                 </c:pt>
                 <c:pt idx="7">
-                  <c:v>0.92900000000000005</c:v>
+                  <c:v>0.915</c:v>
                 </c:pt>
                 <c:pt idx="8">
-                  <c:v>0.95599999999999996</c:v>
+                  <c:v>0.953</c:v>
                 </c:pt>
                 <c:pt idx="9">
-                  <c:v>0.97599999999999998</c:v>
+                  <c:v>0.981</c:v>
                 </c:pt>
                 <c:pt idx="10">
-                  <c:v>0.98399999999999999</c:v>
+                  <c:v>0.982</c:v>
                 </c:pt>
                 <c:pt idx="11">
-                  <c:v>0.98799999999999999</c:v>
+                  <c:v>0.986</c:v>
                 </c:pt>
                 <c:pt idx="12">
-                  <c:v>0.98699999999999999</c:v>
+                  <c:v>0.992</c:v>
                 </c:pt>
                 <c:pt idx="13">
-                  <c:v>0.99399999999999999</c:v>
+                  <c:v>0.993</c:v>
                 </c:pt>
                 <c:pt idx="14">
-                  <c:v>0.98899999999999999</c:v>
+                  <c:v>0.994</c:v>
                 </c:pt>
               </c:numCache>
             </c:numRef>
@@ -2699,11 +2569,11 @@
           <c:showPercent val="0"/>
           <c:showBubbleSize val="0"/>
         </c:dLbls>
-        <c:axId val="119965184"/>
-        <c:axId val="123585664"/>
+        <c:axId val="2105956264"/>
+        <c:axId val="2126140536"/>
       </c:scatterChart>
       <c:valAx>
-        <c:axId val="119965184"/>
+        <c:axId val="2105956264"/>
         <c:scaling>
           <c:orientation val="minMax"/>
         </c:scaling>
@@ -2716,13 +2586,12 @@
               <a:lstStyle/>
               <a:p>
                 <a:pPr>
-                  <a:defRPr/>
+                  <a:defRPr sz="1400"/>
                 </a:pPr>
                 <a:r>
-                  <a:rPr lang="en-US" sz="1400" dirty="0" smtClean="0"/>
+                  <a:rPr lang="en-US" sz="1400"/>
                   <a:t>Word Length</a:t>
                 </a:r>
-                <a:endParaRPr lang="en-US" sz="1400" dirty="0"/>
               </a:p>
             </c:rich>
           </c:tx>
@@ -2733,23 +2602,62 @@
         <c:majorTickMark val="out"/>
         <c:minorTickMark val="none"/>
         <c:tickLblPos val="nextTo"/>
-        <c:crossAx val="123585664"/>
+        <c:txPr>
+          <a:bodyPr/>
+          <a:lstStyle/>
+          <a:p>
+            <a:pPr>
+              <a:defRPr sz="1200"/>
+            </a:pPr>
+            <a:endParaRPr lang="en-US"/>
+          </a:p>
+        </c:txPr>
+        <c:crossAx val="2126140536"/>
         <c:crosses val="autoZero"/>
         <c:crossBetween val="midCat"/>
       </c:valAx>
       <c:valAx>
-        <c:axId val="123585664"/>
+        <c:axId val="2126140536"/>
         <c:scaling>
           <c:orientation val="minMax"/>
         </c:scaling>
         <c:delete val="0"/>
         <c:axPos val="l"/>
         <c:majorGridlines/>
+        <c:title>
+          <c:tx>
+            <c:rich>
+              <a:bodyPr rot="-5400000" vert="horz"/>
+              <a:lstStyle/>
+              <a:p>
+                <a:pPr>
+                  <a:defRPr sz="1400"/>
+                </a:pPr>
+                <a:r>
+                  <a:rPr lang="en-US" sz="1400"/>
+                  <a:t>Percent Accuracy</a:t>
+                </a:r>
+              </a:p>
+            </c:rich>
+          </c:tx>
+          <c:layout/>
+          <c:overlay val="0"/>
+        </c:title>
         <c:numFmt formatCode="General" sourceLinked="1"/>
         <c:majorTickMark val="out"/>
         <c:minorTickMark val="none"/>
         <c:tickLblPos val="nextTo"/>
-        <c:crossAx val="119965184"/>
+        <c:txPr>
+          <a:bodyPr/>
+          <a:lstStyle/>
+          <a:p>
+            <a:pPr>
+              <a:defRPr sz="1200"/>
+            </a:pPr>
+            <a:endParaRPr lang="en-US"/>
+          </a:p>
+        </c:txPr>
+        <c:crossAx val="2105956264"/>
         <c:crosses val="autoZero"/>
         <c:crossBetween val="midCat"/>
       </c:valAx>
@@ -2769,6 +2677,222 @@
         </a:p>
       </c:txPr>
     </c:legend>
+    <c:plotVisOnly val="1"/>
+    <c:dispBlanksAs val="gap"/>
+    <c:showDLblsOverMax val="0"/>
+  </c:chart>
+  <c:externalData r:id="rId1">
+    <c:autoUpdate val="0"/>
+  </c:externalData>
+</c:chartSpace>
+</file>
+
+<file path=ppt/charts/chart8.xml><?xml version="1.0" encoding="utf-8"?>
+<c:chartSpace xmlns:c="http://schemas.openxmlformats.org/drawingml/2006/chart" xmlns:a="http://schemas.openxmlformats.org/drawingml/2006/main" xmlns:r="http://schemas.openxmlformats.org/officeDocument/2006/relationships">
+  <c:date1904 val="0"/>
+  <c:lang val="en-US"/>
+  <c:roundedCorners val="0"/>
+  <mc:AlternateContent xmlns:mc="http://schemas.openxmlformats.org/markup-compatibility/2006">
+    <mc:Choice xmlns:c14="http://schemas.microsoft.com/office/drawing/2007/8/2/chart" Requires="c14">
+      <c14:style val="102"/>
+    </mc:Choice>
+    <mc:Fallback>
+      <c:style val="2"/>
+    </mc:Fallback>
+  </mc:AlternateContent>
+  <c:chart>
+    <c:title>
+      <c:tx>
+        <c:rich>
+          <a:bodyPr/>
+          <a:lstStyle/>
+          <a:p>
+            <a:pPr>
+              <a:defRPr sz="2400"/>
+            </a:pPr>
+            <a:r>
+              <a:rPr lang="en-US" sz="2400"/>
+              <a:t>Overall Accuracy With Spellchecking</a:t>
+            </a:r>
+            <a:r>
+              <a:rPr lang="en-US" sz="2400" baseline="0"/>
+              <a:t> and Errrors</a:t>
+            </a:r>
+            <a:endParaRPr lang="en-US" sz="2400"/>
+          </a:p>
+        </c:rich>
+      </c:tx>
+      <c:layout/>
+      <c:overlay val="0"/>
+    </c:title>
+    <c:autoTitleDeleted val="0"/>
+    <c:plotArea>
+      <c:layout/>
+      <c:barChart>
+        <c:barDir val="bar"/>
+        <c:grouping val="clustered"/>
+        <c:varyColors val="0"/>
+        <c:ser>
+          <c:idx val="0"/>
+          <c:order val="0"/>
+          <c:invertIfNegative val="0"/>
+          <c:dLbls>
+            <c:txPr>
+              <a:bodyPr/>
+              <a:lstStyle/>
+              <a:p>
+                <a:pPr>
+                  <a:defRPr sz="1400"/>
+                </a:pPr>
+                <a:endParaRPr lang="en-US"/>
+              </a:p>
+            </c:txPr>
+            <c:dLblPos val="outEnd"/>
+            <c:showLegendKey val="0"/>
+            <c:showVal val="1"/>
+            <c:showCatName val="0"/>
+            <c:showSerName val="0"/>
+            <c:showPercent val="0"/>
+            <c:showBubbleSize val="0"/>
+            <c:showLeaderLines val="0"/>
+          </c:dLbls>
+          <c:cat>
+            <c:strRef>
+              <c:f>Sheet1!$C$103:$F$103</c:f>
+              <c:strCache>
+                <c:ptCount val="4"/>
+                <c:pt idx="0">
+                  <c:v>no sp/no err</c:v>
+                </c:pt>
+                <c:pt idx="1">
+                  <c:v>sp/no err</c:v>
+                </c:pt>
+                <c:pt idx="2">
+                  <c:v>no sp/err</c:v>
+                </c:pt>
+                <c:pt idx="3">
+                  <c:v>sp/err</c:v>
+                </c:pt>
+              </c:strCache>
+            </c:strRef>
+          </c:cat>
+          <c:val>
+            <c:numRef>
+              <c:f>Sheet1!$C$104:$F$104</c:f>
+              <c:numCache>
+                <c:formatCode>General</c:formatCode>
+                <c:ptCount val="4"/>
+                <c:pt idx="0">
+                  <c:v>0.931</c:v>
+                </c:pt>
+                <c:pt idx="1">
+                  <c:v>0.841</c:v>
+                </c:pt>
+                <c:pt idx="2">
+                  <c:v>0.702</c:v>
+                </c:pt>
+                <c:pt idx="3">
+                  <c:v>0.737</c:v>
+                </c:pt>
+              </c:numCache>
+            </c:numRef>
+          </c:val>
+        </c:ser>
+        <c:dLbls>
+          <c:dLblPos val="outEnd"/>
+          <c:showLegendKey val="0"/>
+          <c:showVal val="1"/>
+          <c:showCatName val="0"/>
+          <c:showSerName val="0"/>
+          <c:showPercent val="0"/>
+          <c:showBubbleSize val="0"/>
+        </c:dLbls>
+        <c:gapWidth val="150"/>
+        <c:axId val="2132144104"/>
+        <c:axId val="2132655176"/>
+      </c:barChart>
+      <c:catAx>
+        <c:axId val="2132144104"/>
+        <c:scaling>
+          <c:orientation val="minMax"/>
+        </c:scaling>
+        <c:delete val="0"/>
+        <c:axPos val="l"/>
+        <c:title>
+          <c:tx>
+            <c:rich>
+              <a:bodyPr rot="-5400000" vert="horz"/>
+              <a:lstStyle/>
+              <a:p>
+                <a:pPr>
+                  <a:defRPr sz="1800"/>
+                </a:pPr>
+                <a:r>
+                  <a:rPr lang="en-US" sz="1800"/>
+                  <a:t>Settings</a:t>
+                </a:r>
+              </a:p>
+            </c:rich>
+          </c:tx>
+          <c:layout/>
+          <c:overlay val="0"/>
+        </c:title>
+        <c:majorTickMark val="out"/>
+        <c:minorTickMark val="none"/>
+        <c:tickLblPos val="nextTo"/>
+        <c:txPr>
+          <a:bodyPr/>
+          <a:lstStyle/>
+          <a:p>
+            <a:pPr>
+              <a:defRPr sz="1400"/>
+            </a:pPr>
+            <a:endParaRPr lang="en-US"/>
+          </a:p>
+        </c:txPr>
+        <c:crossAx val="2132655176"/>
+        <c:crosses val="autoZero"/>
+        <c:auto val="1"/>
+        <c:lblAlgn val="ctr"/>
+        <c:lblOffset val="100"/>
+        <c:noMultiLvlLbl val="0"/>
+      </c:catAx>
+      <c:valAx>
+        <c:axId val="2132655176"/>
+        <c:scaling>
+          <c:orientation val="minMax"/>
+        </c:scaling>
+        <c:delete val="0"/>
+        <c:axPos val="b"/>
+        <c:majorGridlines/>
+        <c:title>
+          <c:tx>
+            <c:rich>
+              <a:bodyPr/>
+              <a:lstStyle/>
+              <a:p>
+                <a:pPr>
+                  <a:defRPr sz="1800"/>
+                </a:pPr>
+                <a:r>
+                  <a:rPr lang="en-US" sz="1800"/>
+                  <a:t>Accuracy</a:t>
+                </a:r>
+              </a:p>
+            </c:rich>
+          </c:tx>
+          <c:layout/>
+          <c:overlay val="0"/>
+        </c:title>
+        <c:numFmt formatCode="General" sourceLinked="1"/>
+        <c:majorTickMark val="out"/>
+        <c:minorTickMark val="none"/>
+        <c:tickLblPos val="nextTo"/>
+        <c:crossAx val="2132144104"/>
+        <c:crosses val="autoZero"/>
+        <c:crossBetween val="between"/>
+      </c:valAx>
+    </c:plotArea>
     <c:plotVisOnly val="1"/>
     <c:dispBlanksAs val="gap"/>
     <c:showDLblsOverMax val="0"/>
@@ -2808,19 +2932,21 @@
         </p:nvSpPr>
         <p:spPr>
           <a:xfrm>
-            <a:off x="685800" y="2130425"/>
-            <a:ext cx="7772400" cy="1470025"/>
+            <a:off x="820738" y="4155141"/>
+            <a:ext cx="7542212" cy="1013012"/>
           </a:xfrm>
         </p:spPr>
         <p:txBody>
-          <a:bodyPr/>
+          <a:bodyPr anchor="b" anchorCtr="0">
+            <a:noAutofit/>
+          </a:bodyPr>
           <a:lstStyle/>
           <a:p>
             <a:r>
               <a:rPr lang="en-US" smtClean="0"/>
               <a:t>Click to edit Master title style</a:t>
             </a:r>
-            <a:endParaRPr lang="en-US"/>
+            <a:endParaRPr/>
           </a:p>
         </p:txBody>
       </p:sp>
@@ -2836,14 +2962,17 @@
         </p:nvSpPr>
         <p:spPr>
           <a:xfrm>
-            <a:off x="1371600" y="3886200"/>
-            <a:ext cx="6400800" cy="1752600"/>
+            <a:off x="820738" y="5230906"/>
+            <a:ext cx="7542212" cy="1030942"/>
           </a:xfrm>
         </p:spPr>
         <p:txBody>
           <a:bodyPr/>
           <a:lstStyle>
             <a:lvl1pPr marL="0" indent="0" algn="ctr">
+              <a:spcBef>
+                <a:spcPct val="300"/>
+              </a:spcBef>
               <a:buNone/>
               <a:defRPr>
                 <a:solidFill>
@@ -2939,7 +3068,7 @@
               <a:rPr lang="en-US" smtClean="0"/>
               <a:t>Click to edit Master subtitle style</a:t>
             </a:r>
-            <a:endParaRPr lang="en-US"/>
+            <a:endParaRPr dirty="0"/>
           </a:p>
         </p:txBody>
       </p:sp>
@@ -2960,7 +3089,7 @@
           <a:p>
             <a:fld id="{879C4D7C-AB85-4473-818B-9E65C0D7ABCC}" type="datetimeFigureOut">
               <a:rPr lang="en-US" smtClean="0"/>
-              <a:t>5/13/2014</a:t>
+              <a:t>5/14/14</a:t>
             </a:fld>
             <a:endParaRPr lang="en-US"/>
           </a:p>
@@ -3000,7 +3129,7 @@
           <a:bodyPr/>
           <a:lstStyle/>
           <a:p>
-            <a:fld id="{CE68850B-4998-48F1-9CA4-BE069CED4449}" type="slidenum">
+            <a:fld id="{B9D2C864-9362-43C7-A136-D9C41D93A96D}" type="slidenum">
               <a:rPr lang="en-US" smtClean="0"/>
               <a:t>‹#›</a:t>
             </a:fld>
@@ -3008,12 +3137,31 @@
           </a:p>
         </p:txBody>
       </p:sp>
+      <p:pic>
+        <p:nvPicPr>
+          <p:cNvPr id="7" name="Picture 6" descr="MoleculeTracer.png"/>
+          <p:cNvPicPr>
+            <a:picLocks noChangeAspect="1"/>
+          </p:cNvPicPr>
+          <p:nvPr/>
+        </p:nvPicPr>
+        <p:blipFill>
+          <a:blip r:embed="rId2"/>
+          <a:stretch>
+            <a:fillRect/>
+          </a:stretch>
+        </p:blipFill>
+        <p:spPr>
+          <a:xfrm>
+            <a:off x="1674019" y="224679"/>
+            <a:ext cx="5795963" cy="3943372"/>
+          </a:xfrm>
+          <a:prstGeom prst="rect">
+            <a:avLst/>
+          </a:prstGeom>
+        </p:spPr>
+      </p:pic>
     </p:spTree>
-    <p:extLst>
-      <p:ext uri="{BB962C8B-B14F-4D97-AF65-F5344CB8AC3E}">
-        <p14:creationId xmlns:p14="http://schemas.microsoft.com/office/powerpoint/2010/main" val="3165128366"/>
-      </p:ext>
-    </p:extLst>
   </p:cSld>
   <p:clrMapOvr>
     <a:masterClrMapping/>
@@ -3022,6 +3170,339 @@
 </file>
 
 <file path=ppt/slideLayouts/slideLayout10.xml><?xml version="1.0" encoding="utf-8"?>
+<p:sldLayout xmlns:a="http://schemas.openxmlformats.org/drawingml/2006/main" xmlns:r="http://schemas.openxmlformats.org/officeDocument/2006/relationships" xmlns:p="http://schemas.openxmlformats.org/presentationml/2006/main" type="picTx" preserve="1">
+  <p:cSld name="Picture above Caption">
+    <p:spTree>
+      <p:nvGrpSpPr>
+        <p:cNvPr id="1" name=""/>
+        <p:cNvGrpSpPr/>
+        <p:nvPr/>
+      </p:nvGrpSpPr>
+      <p:grpSpPr>
+        <a:xfrm>
+          <a:off x="0" y="0"/>
+          <a:ext cx="0" cy="0"/>
+          <a:chOff x="0" y="0"/>
+          <a:chExt cx="0" cy="0"/>
+        </a:xfrm>
+      </p:grpSpPr>
+      <p:sp>
+        <p:nvSpPr>
+          <p:cNvPr id="2" name="Title 1"/>
+          <p:cNvSpPr>
+            <a:spLocks noGrp="1"/>
+          </p:cNvSpPr>
+          <p:nvPr>
+            <p:ph type="title"/>
+          </p:nvPr>
+        </p:nvSpPr>
+        <p:spPr>
+          <a:xfrm>
+            <a:off x="777240" y="3962399"/>
+            <a:ext cx="7585710" cy="672353"/>
+          </a:xfrm>
+        </p:spPr>
+        <p:txBody>
+          <a:bodyPr anchor="b">
+            <a:normAutofit/>
+          </a:bodyPr>
+          <a:lstStyle>
+            <a:lvl1pPr algn="ctr">
+              <a:defRPr sz="3600" b="1" kern="1200">
+                <a:solidFill>
+                  <a:schemeClr val="tx1"/>
+                </a:solidFill>
+                <a:effectLst>
+                  <a:outerShdw blurRad="101600" dist="63500" dir="2700000" algn="tl" rotWithShape="0">
+                    <a:prstClr val="black">
+                      <a:alpha val="75000"/>
+                    </a:prstClr>
+                  </a:outerShdw>
+                </a:effectLst>
+                <a:latin typeface="+mj-lt"/>
+                <a:ea typeface="+mj-ea"/>
+                <a:cs typeface="+mj-cs"/>
+              </a:defRPr>
+            </a:lvl1pPr>
+          </a:lstStyle>
+          <a:p>
+            <a:r>
+              <a:rPr lang="en-US" smtClean="0"/>
+              <a:t>Click to edit Master title style</a:t>
+            </a:r>
+            <a:endParaRPr/>
+          </a:p>
+        </p:txBody>
+      </p:sp>
+      <p:sp>
+        <p:nvSpPr>
+          <p:cNvPr id="3" name="Picture Placeholder 2"/>
+          <p:cNvSpPr>
+            <a:spLocks noGrp="1"/>
+          </p:cNvSpPr>
+          <p:nvPr>
+            <p:ph type="pic" idx="1"/>
+          </p:nvPr>
+        </p:nvSpPr>
+        <p:spPr>
+          <a:xfrm>
+            <a:off x="3101957" y="457200"/>
+            <a:ext cx="2940087" cy="2940087"/>
+          </a:xfrm>
+          <a:prstGeom prst="ellipse">
+            <a:avLst/>
+          </a:prstGeom>
+          <a:solidFill>
+            <a:schemeClr val="tx1">
+              <a:lumMod val="75000"/>
+            </a:schemeClr>
+          </a:solidFill>
+          <a:ln w="63500">
+            <a:solidFill>
+              <a:schemeClr val="tx1"/>
+            </a:solidFill>
+          </a:ln>
+          <a:effectLst>
+            <a:outerShdw blurRad="254000" dist="152400" dir="5400000" sx="90000" sy="-19000" rotWithShape="0">
+              <a:prstClr val="black">
+                <a:alpha val="20000"/>
+              </a:prstClr>
+            </a:outerShdw>
+          </a:effectLst>
+        </p:spPr>
+        <p:txBody>
+          <a:bodyPr vert="horz" lIns="91440" tIns="45720" rIns="91440" bIns="45720" rtlCol="0">
+            <a:normAutofit/>
+          </a:bodyPr>
+          <a:lstStyle>
+            <a:lvl1pPr marL="0" indent="0" algn="l" defTabSz="914400" rtl="0" eaLnBrk="1" latinLnBrk="0" hangingPunct="1">
+              <a:spcBef>
+                <a:spcPts val="2000"/>
+              </a:spcBef>
+              <a:buFontTx/>
+              <a:buNone/>
+              <a:defRPr sz="2400" b="1" kern="1200">
+                <a:solidFill>
+                  <a:schemeClr val="tx1"/>
+                </a:solidFill>
+                <a:effectLst>
+                  <a:outerShdw blurRad="101600" dist="63500" dir="2700000" algn="tl" rotWithShape="0">
+                    <a:prstClr val="black">
+                      <a:alpha val="75000"/>
+                    </a:prstClr>
+                  </a:outerShdw>
+                </a:effectLst>
+                <a:latin typeface="+mn-lt"/>
+                <a:ea typeface="+mn-ea"/>
+                <a:cs typeface="+mn-cs"/>
+              </a:defRPr>
+            </a:lvl1pPr>
+            <a:lvl2pPr marL="457200" indent="0">
+              <a:buNone/>
+              <a:defRPr sz="2800"/>
+            </a:lvl2pPr>
+            <a:lvl3pPr marL="914400" indent="0">
+              <a:buNone/>
+              <a:defRPr sz="2400"/>
+            </a:lvl3pPr>
+            <a:lvl4pPr marL="1371600" indent="0">
+              <a:buNone/>
+              <a:defRPr sz="2000"/>
+            </a:lvl4pPr>
+            <a:lvl5pPr marL="1828800" indent="0">
+              <a:buNone/>
+              <a:defRPr sz="2000"/>
+            </a:lvl5pPr>
+            <a:lvl6pPr marL="2286000" indent="0">
+              <a:buNone/>
+              <a:defRPr sz="2000"/>
+            </a:lvl6pPr>
+            <a:lvl7pPr marL="2743200" indent="0">
+              <a:buNone/>
+              <a:defRPr sz="2000"/>
+            </a:lvl7pPr>
+            <a:lvl8pPr marL="3200400" indent="0">
+              <a:buNone/>
+              <a:defRPr sz="2000"/>
+            </a:lvl8pPr>
+            <a:lvl9pPr marL="3657600" indent="0">
+              <a:buNone/>
+              <a:defRPr sz="2000"/>
+            </a:lvl9pPr>
+          </a:lstStyle>
+          <a:p>
+            <a:r>
+              <a:rPr lang="en-US" smtClean="0"/>
+              <a:t>Drag picture to placeholder or click icon to add</a:t>
+            </a:r>
+            <a:endParaRPr/>
+          </a:p>
+        </p:txBody>
+      </p:sp>
+      <p:sp>
+        <p:nvSpPr>
+          <p:cNvPr id="4" name="Text Placeholder 3"/>
+          <p:cNvSpPr>
+            <a:spLocks noGrp="1"/>
+          </p:cNvSpPr>
+          <p:nvPr>
+            <p:ph type="body" sz="half" idx="2"/>
+          </p:nvPr>
+        </p:nvSpPr>
+        <p:spPr>
+          <a:xfrm>
+            <a:off x="777240" y="4639235"/>
+            <a:ext cx="7585710" cy="1371600"/>
+          </a:xfrm>
+        </p:spPr>
+        <p:txBody>
+          <a:bodyPr vert="horz" lIns="91440" tIns="45720" rIns="91440" bIns="45720" rtlCol="0">
+            <a:normAutofit/>
+          </a:bodyPr>
+          <a:lstStyle>
+            <a:lvl1pPr marL="0" indent="0" algn="ctr">
+              <a:spcBef>
+                <a:spcPts val="0"/>
+              </a:spcBef>
+              <a:buNone/>
+              <a:defRPr sz="2000" b="1" kern="1200">
+                <a:solidFill>
+                  <a:schemeClr val="tx1"/>
+                </a:solidFill>
+                <a:effectLst>
+                  <a:outerShdw blurRad="101600" dist="63500" dir="2700000" algn="tl" rotWithShape="0">
+                    <a:prstClr val="black">
+                      <a:alpha val="75000"/>
+                    </a:prstClr>
+                  </a:outerShdw>
+                </a:effectLst>
+                <a:latin typeface="+mn-lt"/>
+                <a:ea typeface="+mn-ea"/>
+                <a:cs typeface="+mn-cs"/>
+              </a:defRPr>
+            </a:lvl1pPr>
+            <a:lvl2pPr marL="457200" indent="0">
+              <a:buNone/>
+              <a:defRPr sz="1200"/>
+            </a:lvl2pPr>
+            <a:lvl3pPr marL="914400" indent="0">
+              <a:buNone/>
+              <a:defRPr sz="1000"/>
+            </a:lvl3pPr>
+            <a:lvl4pPr marL="1371600" indent="0">
+              <a:buNone/>
+              <a:defRPr sz="900"/>
+            </a:lvl4pPr>
+            <a:lvl5pPr marL="1828800" indent="0">
+              <a:buNone/>
+              <a:defRPr sz="900"/>
+            </a:lvl5pPr>
+            <a:lvl6pPr marL="2286000" indent="0">
+              <a:buNone/>
+              <a:defRPr sz="900"/>
+            </a:lvl6pPr>
+            <a:lvl7pPr marL="2743200" indent="0">
+              <a:buNone/>
+              <a:defRPr sz="900"/>
+            </a:lvl7pPr>
+            <a:lvl8pPr marL="3200400" indent="0">
+              <a:buNone/>
+              <a:defRPr sz="900"/>
+            </a:lvl8pPr>
+            <a:lvl9pPr marL="3657600" indent="0">
+              <a:buNone/>
+              <a:defRPr sz="900"/>
+            </a:lvl9pPr>
+          </a:lstStyle>
+          <a:p>
+            <a:pPr marL="0" lvl="0" indent="0" algn="ctr" defTabSz="914400" rtl="0" eaLnBrk="1" latinLnBrk="0" hangingPunct="1">
+              <a:spcBef>
+                <a:spcPts val="2000"/>
+              </a:spcBef>
+              <a:buFontTx/>
+              <a:buNone/>
+            </a:pPr>
+            <a:r>
+              <a:rPr lang="en-US" smtClean="0"/>
+              <a:t>Click to edit Master text styles</a:t>
+            </a:r>
+          </a:p>
+        </p:txBody>
+      </p:sp>
+      <p:sp>
+        <p:nvSpPr>
+          <p:cNvPr id="5" name="Date Placeholder 4"/>
+          <p:cNvSpPr>
+            <a:spLocks noGrp="1"/>
+          </p:cNvSpPr>
+          <p:nvPr>
+            <p:ph type="dt" sz="half" idx="10"/>
+          </p:nvPr>
+        </p:nvSpPr>
+        <p:spPr/>
+        <p:txBody>
+          <a:bodyPr/>
+          <a:lstStyle/>
+          <a:p>
+            <a:fld id="{879C4D7C-AB85-4473-818B-9E65C0D7ABCC}" type="datetimeFigureOut">
+              <a:rPr lang="en-US" smtClean="0"/>
+              <a:t>5/14/14</a:t>
+            </a:fld>
+            <a:endParaRPr lang="en-US"/>
+          </a:p>
+        </p:txBody>
+      </p:sp>
+      <p:sp>
+        <p:nvSpPr>
+          <p:cNvPr id="6" name="Footer Placeholder 5"/>
+          <p:cNvSpPr>
+            <a:spLocks noGrp="1"/>
+          </p:cNvSpPr>
+          <p:nvPr>
+            <p:ph type="ftr" sz="quarter" idx="11"/>
+          </p:nvPr>
+        </p:nvSpPr>
+        <p:spPr/>
+        <p:txBody>
+          <a:bodyPr/>
+          <a:lstStyle/>
+          <a:p>
+            <a:endParaRPr lang="en-US"/>
+          </a:p>
+        </p:txBody>
+      </p:sp>
+      <p:sp>
+        <p:nvSpPr>
+          <p:cNvPr id="7" name="Slide Number Placeholder 6"/>
+          <p:cNvSpPr>
+            <a:spLocks noGrp="1"/>
+          </p:cNvSpPr>
+          <p:nvPr>
+            <p:ph type="sldNum" sz="quarter" idx="12"/>
+          </p:nvPr>
+        </p:nvSpPr>
+        <p:spPr/>
+        <p:txBody>
+          <a:bodyPr/>
+          <a:lstStyle/>
+          <a:p>
+            <a:fld id="{CE68850B-4998-48F1-9CA4-BE069CED4449}" type="slidenum">
+              <a:rPr lang="en-US" smtClean="0"/>
+              <a:t>‹#›</a:t>
+            </a:fld>
+            <a:endParaRPr lang="en-US"/>
+          </a:p>
+        </p:txBody>
+      </p:sp>
+    </p:spTree>
+  </p:cSld>
+  <p:clrMapOvr>
+    <a:masterClrMapping/>
+  </p:clrMapOvr>
+</p:sldLayout>
+</file>
+
+<file path=ppt/slideLayouts/slideLayout11.xml><?xml version="1.0" encoding="utf-8"?>
 <p:sldLayout xmlns:a="http://schemas.openxmlformats.org/drawingml/2006/main" xmlns:r="http://schemas.openxmlformats.org/officeDocument/2006/relationships" xmlns:p="http://schemas.openxmlformats.org/presentationml/2006/main" type="vertTx" preserve="1">
   <p:cSld name="Title and Vertical Text">
     <p:spTree>
@@ -3057,7 +3538,7 @@
               <a:rPr lang="en-US" smtClean="0"/>
               <a:t>Click to edit Master title style</a:t>
             </a:r>
-            <a:endParaRPr lang="en-US"/>
+            <a:endParaRPr/>
           </a:p>
         </p:txBody>
       </p:sp>
@@ -3074,7 +3555,11 @@
         <p:spPr/>
         <p:txBody>
           <a:bodyPr vert="eaVert"/>
-          <a:lstStyle/>
+          <a:lstStyle>
+            <a:lvl5pPr>
+              <a:defRPr/>
+            </a:lvl5pPr>
+          </a:lstStyle>
           <a:p>
             <a:pPr lvl="0"/>
             <a:r>
@@ -3109,7 +3594,7 @@
               <a:rPr lang="en-US" smtClean="0"/>
               <a:t>Fifth level</a:t>
             </a:r>
-            <a:endParaRPr lang="en-US"/>
+            <a:endParaRPr dirty="0"/>
           </a:p>
         </p:txBody>
       </p:sp>
@@ -3130,7 +3615,7 @@
           <a:p>
             <a:fld id="{879C4D7C-AB85-4473-818B-9E65C0D7ABCC}" type="datetimeFigureOut">
               <a:rPr lang="en-US" smtClean="0"/>
-              <a:t>5/13/2014</a:t>
+              <a:t>5/14/14</a:t>
             </a:fld>
             <a:endParaRPr lang="en-US"/>
           </a:p>
@@ -3179,11 +3664,6 @@
         </p:txBody>
       </p:sp>
     </p:spTree>
-    <p:extLst>
-      <p:ext uri="{BB962C8B-B14F-4D97-AF65-F5344CB8AC3E}">
-        <p14:creationId xmlns:p14="http://schemas.microsoft.com/office/powerpoint/2010/main" val="320494952"/>
-      </p:ext>
-    </p:extLst>
   </p:cSld>
   <p:clrMapOvr>
     <a:masterClrMapping/>
@@ -3191,7 +3671,7 @@
 </p:sldLayout>
 </file>
 
-<file path=ppt/slideLayouts/slideLayout11.xml><?xml version="1.0" encoding="utf-8"?>
+<file path=ppt/slideLayouts/slideLayout12.xml><?xml version="1.0" encoding="utf-8"?>
 <p:sldLayout xmlns:a="http://schemas.openxmlformats.org/drawingml/2006/main" xmlns:r="http://schemas.openxmlformats.org/officeDocument/2006/relationships" xmlns:p="http://schemas.openxmlformats.org/presentationml/2006/main" type="vertTitleAndTx" preserve="1">
   <p:cSld name="Vertical Title and Text">
     <p:spTree>
@@ -3220,19 +3700,19 @@
         </p:nvSpPr>
         <p:spPr>
           <a:xfrm>
-            <a:off x="6629400" y="274638"/>
-            <a:ext cx="2057400" cy="5851525"/>
+            <a:off x="7019365" y="416859"/>
+            <a:ext cx="1940859" cy="5607424"/>
           </a:xfrm>
         </p:spPr>
         <p:txBody>
-          <a:bodyPr vert="eaVert"/>
+          <a:bodyPr vert="eaVert" anchor="ctr" anchorCtr="0"/>
           <a:lstStyle/>
           <a:p>
             <a:r>
               <a:rPr lang="en-US" smtClean="0"/>
               <a:t>Click to edit Master title style</a:t>
             </a:r>
-            <a:endParaRPr lang="en-US"/>
+            <a:endParaRPr/>
           </a:p>
         </p:txBody>
       </p:sp>
@@ -3248,13 +3728,17 @@
         </p:nvSpPr>
         <p:spPr>
           <a:xfrm>
-            <a:off x="457200" y="274638"/>
-            <a:ext cx="6019800" cy="5851525"/>
+            <a:off x="820737" y="414015"/>
+            <a:ext cx="6144839" cy="5610268"/>
           </a:xfrm>
         </p:spPr>
         <p:txBody>
           <a:bodyPr vert="eaVert"/>
-          <a:lstStyle/>
+          <a:lstStyle>
+            <a:lvl5pPr>
+              <a:defRPr/>
+            </a:lvl5pPr>
+          </a:lstStyle>
           <a:p>
             <a:pPr lvl="0"/>
             <a:r>
@@ -3289,7 +3773,7 @@
               <a:rPr lang="en-US" smtClean="0"/>
               <a:t>Fifth level</a:t>
             </a:r>
-            <a:endParaRPr lang="en-US"/>
+            <a:endParaRPr dirty="0"/>
           </a:p>
         </p:txBody>
       </p:sp>
@@ -3310,7 +3794,7 @@
           <a:p>
             <a:fld id="{879C4D7C-AB85-4473-818B-9E65C0D7ABCC}" type="datetimeFigureOut">
               <a:rPr lang="en-US" smtClean="0"/>
-              <a:t>5/13/2014</a:t>
+              <a:t>5/14/14</a:t>
             </a:fld>
             <a:endParaRPr lang="en-US"/>
           </a:p>
@@ -3359,11 +3843,6 @@
         </p:txBody>
       </p:sp>
     </p:spTree>
-    <p:extLst>
-      <p:ext uri="{BB962C8B-B14F-4D97-AF65-F5344CB8AC3E}">
-        <p14:creationId xmlns:p14="http://schemas.microsoft.com/office/powerpoint/2010/main" val="1005903516"/>
-      </p:ext>
-    </p:extLst>
   </p:cSld>
   <p:clrMapOvr>
     <a:masterClrMapping/>
@@ -3407,7 +3886,7 @@
               <a:rPr lang="en-US" smtClean="0"/>
               <a:t>Click to edit Master title style</a:t>
             </a:r>
-            <a:endParaRPr lang="en-US"/>
+            <a:endParaRPr/>
           </a:p>
         </p:txBody>
       </p:sp>
@@ -3424,7 +3903,11 @@
         <p:spPr/>
         <p:txBody>
           <a:bodyPr/>
-          <a:lstStyle/>
+          <a:lstStyle>
+            <a:lvl5pPr>
+              <a:defRPr/>
+            </a:lvl5pPr>
+          </a:lstStyle>
           <a:p>
             <a:pPr lvl="0"/>
             <a:r>
@@ -3459,7 +3942,7 @@
               <a:rPr lang="en-US" smtClean="0"/>
               <a:t>Fifth level</a:t>
             </a:r>
-            <a:endParaRPr lang="en-US"/>
+            <a:endParaRPr dirty="0"/>
           </a:p>
         </p:txBody>
       </p:sp>
@@ -3480,7 +3963,7 @@
           <a:p>
             <a:fld id="{879C4D7C-AB85-4473-818B-9E65C0D7ABCC}" type="datetimeFigureOut">
               <a:rPr lang="en-US" smtClean="0"/>
-              <a:t>5/13/2014</a:t>
+              <a:t>5/14/14</a:t>
             </a:fld>
             <a:endParaRPr lang="en-US"/>
           </a:p>
@@ -3529,11 +4012,6 @@
         </p:txBody>
       </p:sp>
     </p:spTree>
-    <p:extLst>
-      <p:ext uri="{BB962C8B-B14F-4D97-AF65-F5344CB8AC3E}">
-        <p14:creationId xmlns:p14="http://schemas.microsoft.com/office/powerpoint/2010/main" val="3775617419"/>
-      </p:ext>
-    </p:extLst>
   </p:cSld>
   <p:clrMapOvr>
     <a:masterClrMapping/>
@@ -3570,15 +4048,35 @@
         </p:nvSpPr>
         <p:spPr>
           <a:xfrm>
-            <a:off x="722313" y="4406900"/>
-            <a:ext cx="7772400" cy="1362075"/>
+            <a:off x="820737" y="1219013"/>
+            <a:ext cx="7542213" cy="1958975"/>
           </a:xfrm>
         </p:spPr>
         <p:txBody>
-          <a:bodyPr anchor="t"/>
+          <a:bodyPr vert="horz" lIns="91440" tIns="45720" rIns="91440" bIns="45720" rtlCol="0" anchor="b" anchorCtr="0">
+            <a:noAutofit/>
+          </a:bodyPr>
           <a:lstStyle>
-            <a:lvl1pPr algn="l">
-              <a:defRPr sz="4000" b="1" cap="all"/>
+            <a:lvl1pPr algn="ctr" defTabSz="914400" rtl="0" eaLnBrk="1" latinLnBrk="0" hangingPunct="1">
+              <a:spcBef>
+                <a:spcPct val="0"/>
+              </a:spcBef>
+              <a:buNone/>
+              <a:defRPr sz="5200" b="1" kern="1200">
+                <a:solidFill>
+                  <a:schemeClr val="tx1"/>
+                </a:solidFill>
+                <a:effectLst>
+                  <a:outerShdw blurRad="101600" dist="63500" dir="2700000" algn="tl" rotWithShape="0">
+                    <a:prstClr val="black">
+                      <a:alpha val="75000"/>
+                    </a:prstClr>
+                  </a:outerShdw>
+                </a:effectLst>
+                <a:latin typeface="+mj-lt"/>
+                <a:ea typeface="+mj-ea"/>
+                <a:cs typeface="+mj-cs"/>
+              </a:defRPr>
             </a:lvl1pPr>
           </a:lstStyle>
           <a:p>
@@ -3586,7 +4084,7 @@
               <a:rPr lang="en-US" smtClean="0"/>
               <a:t>Click to edit Master title style</a:t>
             </a:r>
-            <a:endParaRPr lang="en-US"/>
+            <a:endParaRPr/>
           </a:p>
         </p:txBody>
       </p:sp>
@@ -3602,21 +4100,37 @@
         </p:nvSpPr>
         <p:spPr>
           <a:xfrm>
-            <a:off x="722313" y="2906713"/>
-            <a:ext cx="7772400" cy="1500187"/>
+            <a:off x="820737" y="3224213"/>
+            <a:ext cx="7542213" cy="1500187"/>
           </a:xfrm>
         </p:spPr>
         <p:txBody>
-          <a:bodyPr anchor="b"/>
+          <a:bodyPr vert="horz" lIns="91440" tIns="45720" rIns="91440" bIns="45720" rtlCol="0">
+            <a:normAutofit/>
+          </a:bodyPr>
           <a:lstStyle>
-            <a:lvl1pPr marL="0" indent="0">
+            <a:lvl1pPr marL="0" indent="0" algn="ctr" defTabSz="914400" rtl="0" eaLnBrk="1" latinLnBrk="0" hangingPunct="1">
+              <a:spcBef>
+                <a:spcPts val="300"/>
+              </a:spcBef>
+              <a:buFontTx/>
               <a:buNone/>
-              <a:defRPr sz="2000">
+              <a:defRPr sz="2400" b="1" kern="1200">
                 <a:solidFill>
                   <a:schemeClr val="tx1">
                     <a:tint val="75000"/>
                   </a:schemeClr>
                 </a:solidFill>
+                <a:effectLst>
+                  <a:outerShdw blurRad="101600" dist="63500" dir="2700000" algn="tl" rotWithShape="0">
+                    <a:prstClr val="black">
+                      <a:alpha val="75000"/>
+                    </a:prstClr>
+                  </a:outerShdw>
+                </a:effectLst>
+                <a:latin typeface="+mn-lt"/>
+                <a:ea typeface="+mn-ea"/>
+                <a:cs typeface="+mn-cs"/>
               </a:defRPr>
             </a:lvl1pPr>
             <a:lvl2pPr marL="457200" indent="0">
@@ -3726,7 +4240,7 @@
           <a:p>
             <a:fld id="{879C4D7C-AB85-4473-818B-9E65C0D7ABCC}" type="datetimeFigureOut">
               <a:rPr lang="en-US" smtClean="0"/>
-              <a:t>5/13/2014</a:t>
+              <a:t>5/14/14</a:t>
             </a:fld>
             <a:endParaRPr lang="en-US"/>
           </a:p>
@@ -3775,11 +4289,6 @@
         </p:txBody>
       </p:sp>
     </p:spTree>
-    <p:extLst>
-      <p:ext uri="{BB962C8B-B14F-4D97-AF65-F5344CB8AC3E}">
-        <p14:creationId xmlns:p14="http://schemas.microsoft.com/office/powerpoint/2010/main" val="4149831103"/>
-      </p:ext>
-    </p:extLst>
   </p:cSld>
   <p:clrMapOvr>
     <a:masterClrMapping/>
@@ -3814,7 +4323,12 @@
             <p:ph type="title"/>
           </p:nvPr>
         </p:nvSpPr>
-        <p:spPr/>
+        <p:spPr>
+          <a:xfrm>
+            <a:off x="779462" y="107577"/>
+            <a:ext cx="7581901" cy="1653988"/>
+          </a:xfrm>
+        </p:spPr>
         <p:txBody>
           <a:bodyPr/>
           <a:lstStyle/>
@@ -3823,7 +4337,7 @@
               <a:rPr lang="en-US" smtClean="0"/>
               <a:t>Click to edit Master title style</a:t>
             </a:r>
-            <a:endParaRPr lang="en-US"/>
+            <a:endParaRPr/>
           </a:p>
         </p:txBody>
       </p:sp>
@@ -3839,21 +4353,23 @@
         </p:nvSpPr>
         <p:spPr>
           <a:xfrm>
-            <a:off x="457200" y="1600200"/>
-            <a:ext cx="4038600" cy="4525963"/>
+            <a:off x="779462" y="1892301"/>
+            <a:ext cx="3657600" cy="3975100"/>
           </a:xfrm>
         </p:spPr>
         <p:txBody>
-          <a:bodyPr/>
+          <a:bodyPr>
+            <a:normAutofit/>
+          </a:bodyPr>
           <a:lstStyle>
             <a:lvl1pPr>
-              <a:defRPr sz="2800"/>
+              <a:defRPr sz="2000"/>
             </a:lvl1pPr>
             <a:lvl2pPr>
-              <a:defRPr sz="2400"/>
+              <a:defRPr sz="1800"/>
             </a:lvl2pPr>
             <a:lvl3pPr>
-              <a:defRPr sz="2000"/>
+              <a:defRPr sz="1800"/>
             </a:lvl3pPr>
             <a:lvl4pPr>
               <a:defRPr sz="1800"/>
@@ -3861,16 +4377,16 @@
             <a:lvl5pPr>
               <a:defRPr sz="1800"/>
             </a:lvl5pPr>
-            <a:lvl6pPr>
+            <a:lvl6pPr marL="2173288" indent="-344488">
               <a:defRPr sz="1800"/>
             </a:lvl6pPr>
-            <a:lvl7pPr>
+            <a:lvl7pPr marL="2173288" indent="-344488">
               <a:defRPr sz="1800"/>
             </a:lvl7pPr>
-            <a:lvl8pPr>
+            <a:lvl8pPr marL="2173288" indent="-344488">
               <a:defRPr sz="1800"/>
             </a:lvl8pPr>
-            <a:lvl9pPr>
+            <a:lvl9pPr marL="2173288" indent="-344488">
               <a:defRPr sz="1800"/>
             </a:lvl9pPr>
           </a:lstStyle>
@@ -3908,7 +4424,7 @@
               <a:rPr lang="en-US" smtClean="0"/>
               <a:t>Fifth level</a:t>
             </a:r>
-            <a:endParaRPr lang="en-US"/>
+            <a:endParaRPr dirty="0"/>
           </a:p>
         </p:txBody>
       </p:sp>
@@ -3924,21 +4440,23 @@
         </p:nvSpPr>
         <p:spPr>
           <a:xfrm>
-            <a:off x="4648200" y="1600200"/>
-            <a:ext cx="4038600" cy="4525963"/>
+            <a:off x="4703763" y="1892301"/>
+            <a:ext cx="3657600" cy="3975100"/>
           </a:xfrm>
         </p:spPr>
         <p:txBody>
-          <a:bodyPr/>
+          <a:bodyPr>
+            <a:normAutofit/>
+          </a:bodyPr>
           <a:lstStyle>
             <a:lvl1pPr>
-              <a:defRPr sz="2800"/>
+              <a:defRPr sz="2000"/>
             </a:lvl1pPr>
             <a:lvl2pPr>
-              <a:defRPr sz="2400"/>
+              <a:defRPr sz="1800"/>
             </a:lvl2pPr>
             <a:lvl3pPr>
-              <a:defRPr sz="2000"/>
+              <a:defRPr sz="1800"/>
             </a:lvl3pPr>
             <a:lvl4pPr>
               <a:defRPr sz="1800"/>
@@ -3946,16 +4464,16 @@
             <a:lvl5pPr>
               <a:defRPr sz="1800"/>
             </a:lvl5pPr>
-            <a:lvl6pPr>
+            <a:lvl6pPr marL="2173288" indent="-344488">
               <a:defRPr sz="1800"/>
             </a:lvl6pPr>
-            <a:lvl7pPr>
+            <a:lvl7pPr marL="2173288" indent="-344488">
               <a:defRPr sz="1800"/>
             </a:lvl7pPr>
-            <a:lvl8pPr>
+            <a:lvl8pPr marL="2173288" indent="-344488">
               <a:defRPr sz="1800"/>
             </a:lvl8pPr>
-            <a:lvl9pPr>
+            <a:lvl9pPr marL="2173288" indent="-344488">
               <a:defRPr sz="1800"/>
             </a:lvl9pPr>
           </a:lstStyle>
@@ -3993,7 +4511,7 @@
               <a:rPr lang="en-US" smtClean="0"/>
               <a:t>Fifth level</a:t>
             </a:r>
-            <a:endParaRPr lang="en-US"/>
+            <a:endParaRPr dirty="0"/>
           </a:p>
         </p:txBody>
       </p:sp>
@@ -4014,7 +4532,7 @@
           <a:p>
             <a:fld id="{879C4D7C-AB85-4473-818B-9E65C0D7ABCC}" type="datetimeFigureOut">
               <a:rPr lang="en-US" smtClean="0"/>
-              <a:t>5/13/2014</a:t>
+              <a:t>5/14/14</a:t>
             </a:fld>
             <a:endParaRPr lang="en-US"/>
           </a:p>
@@ -4063,11 +4581,6 @@
         </p:txBody>
       </p:sp>
     </p:spTree>
-    <p:extLst>
-      <p:ext uri="{BB962C8B-B14F-4D97-AF65-F5344CB8AC3E}">
-        <p14:creationId xmlns:p14="http://schemas.microsoft.com/office/powerpoint/2010/main" val="3782862980"/>
-      </p:ext>
-    </p:extLst>
   </p:cSld>
   <p:clrMapOvr>
     <a:masterClrMapping/>
@@ -4102,7 +4615,12 @@
             <p:ph type="title"/>
           </p:nvPr>
         </p:nvSpPr>
-        <p:spPr/>
+        <p:spPr>
+          <a:xfrm>
+            <a:off x="779462" y="107577"/>
+            <a:ext cx="7581901" cy="1653988"/>
+          </a:xfrm>
+        </p:spPr>
         <p:txBody>
           <a:bodyPr/>
           <a:lstStyle>
@@ -4115,7 +4633,7 @@
               <a:rPr lang="en-US" smtClean="0"/>
               <a:t>Click to edit Master title style</a:t>
             </a:r>
-            <a:endParaRPr lang="en-US"/>
+            <a:endParaRPr/>
           </a:p>
         </p:txBody>
       </p:sp>
@@ -4131,14 +4649,19 @@
         </p:nvSpPr>
         <p:spPr>
           <a:xfrm>
-            <a:off x="457200" y="1535113"/>
-            <a:ext cx="4040188" cy="639762"/>
+            <a:off x="779462" y="1761565"/>
+            <a:ext cx="3657600" cy="515469"/>
           </a:xfrm>
         </p:spPr>
         <p:txBody>
-          <a:bodyPr anchor="b"/>
+          <a:bodyPr anchor="b">
+            <a:normAutofit/>
+          </a:bodyPr>
           <a:lstStyle>
-            <a:lvl1pPr marL="0" indent="0">
+            <a:lvl1pPr marL="0" indent="0" algn="ctr">
+              <a:spcBef>
+                <a:spcPct val="0"/>
+              </a:spcBef>
               <a:buNone/>
               <a:defRPr sz="2400" b="1"/>
             </a:lvl1pPr>
@@ -4196,38 +4719,40 @@
         </p:nvSpPr>
         <p:spPr>
           <a:xfrm>
-            <a:off x="457200" y="2174875"/>
-            <a:ext cx="4040188" cy="3951288"/>
+            <a:off x="779462" y="2393575"/>
+            <a:ext cx="3657600" cy="3473823"/>
           </a:xfrm>
         </p:spPr>
         <p:txBody>
-          <a:bodyPr/>
+          <a:bodyPr>
+            <a:normAutofit/>
+          </a:bodyPr>
           <a:lstStyle>
             <a:lvl1pPr>
-              <a:defRPr sz="2400"/>
+              <a:defRPr sz="2000"/>
             </a:lvl1pPr>
             <a:lvl2pPr>
-              <a:defRPr sz="2000"/>
+              <a:defRPr sz="1800"/>
             </a:lvl2pPr>
             <a:lvl3pPr>
               <a:defRPr sz="1800"/>
             </a:lvl3pPr>
             <a:lvl4pPr>
-              <a:defRPr sz="1600"/>
+              <a:defRPr sz="1800"/>
             </a:lvl4pPr>
             <a:lvl5pPr>
-              <a:defRPr sz="1600"/>
+              <a:defRPr sz="1800"/>
             </a:lvl5pPr>
-            <a:lvl6pPr>
+            <a:lvl6pPr marL="2173288" indent="-344488">
               <a:defRPr sz="1600"/>
             </a:lvl6pPr>
-            <a:lvl7pPr>
+            <a:lvl7pPr marL="2173288" indent="-344488">
               <a:defRPr sz="1600"/>
             </a:lvl7pPr>
-            <a:lvl8pPr>
+            <a:lvl8pPr marL="2173288" indent="-344488">
               <a:defRPr sz="1600"/>
             </a:lvl8pPr>
-            <a:lvl9pPr>
+            <a:lvl9pPr marL="2173288" indent="-344488">
               <a:defRPr sz="1600"/>
             </a:lvl9pPr>
           </a:lstStyle>
@@ -4265,7 +4790,7 @@
               <a:rPr lang="en-US" smtClean="0"/>
               <a:t>Fifth level</a:t>
             </a:r>
-            <a:endParaRPr lang="en-US"/>
+            <a:endParaRPr dirty="0"/>
           </a:p>
         </p:txBody>
       </p:sp>
@@ -4281,14 +4806,19 @@
         </p:nvSpPr>
         <p:spPr>
           <a:xfrm>
-            <a:off x="4645025" y="1535113"/>
-            <a:ext cx="4041775" cy="639762"/>
+            <a:off x="4703763" y="1761565"/>
+            <a:ext cx="3657600" cy="515469"/>
           </a:xfrm>
         </p:spPr>
         <p:txBody>
-          <a:bodyPr anchor="b"/>
+          <a:bodyPr anchor="b">
+            <a:normAutofit/>
+          </a:bodyPr>
           <a:lstStyle>
-            <a:lvl1pPr marL="0" indent="0">
+            <a:lvl1pPr marL="0" indent="0" algn="ctr">
+              <a:spcBef>
+                <a:spcPct val="0"/>
+              </a:spcBef>
               <a:buNone/>
               <a:defRPr sz="2400" b="1"/>
             </a:lvl1pPr>
@@ -4346,38 +4876,40 @@
         </p:nvSpPr>
         <p:spPr>
           <a:xfrm>
-            <a:off x="4645025" y="2174875"/>
-            <a:ext cx="4041775" cy="3951288"/>
+            <a:off x="4703763" y="2393575"/>
+            <a:ext cx="3657600" cy="3473823"/>
           </a:xfrm>
         </p:spPr>
         <p:txBody>
-          <a:bodyPr/>
+          <a:bodyPr>
+            <a:normAutofit/>
+          </a:bodyPr>
           <a:lstStyle>
             <a:lvl1pPr>
-              <a:defRPr sz="2400"/>
+              <a:defRPr sz="2000"/>
             </a:lvl1pPr>
             <a:lvl2pPr>
-              <a:defRPr sz="2000"/>
+              <a:defRPr sz="1800"/>
             </a:lvl2pPr>
             <a:lvl3pPr>
               <a:defRPr sz="1800"/>
             </a:lvl3pPr>
             <a:lvl4pPr>
-              <a:defRPr sz="1600"/>
+              <a:defRPr sz="1800"/>
             </a:lvl4pPr>
             <a:lvl5pPr>
-              <a:defRPr sz="1600"/>
+              <a:defRPr sz="1800"/>
             </a:lvl5pPr>
-            <a:lvl6pPr>
+            <a:lvl6pPr marL="2173288" indent="-344488">
               <a:defRPr sz="1600"/>
             </a:lvl6pPr>
-            <a:lvl7pPr>
+            <a:lvl7pPr marL="2173288" indent="-344488">
               <a:defRPr sz="1600"/>
             </a:lvl7pPr>
-            <a:lvl8pPr>
+            <a:lvl8pPr marL="2173288" indent="-344488">
               <a:defRPr sz="1600"/>
             </a:lvl8pPr>
-            <a:lvl9pPr>
+            <a:lvl9pPr marL="2173288" indent="-344488">
               <a:defRPr sz="1600"/>
             </a:lvl9pPr>
           </a:lstStyle>
@@ -4415,7 +4947,7 @@
               <a:rPr lang="en-US" smtClean="0"/>
               <a:t>Fifth level</a:t>
             </a:r>
-            <a:endParaRPr lang="en-US"/>
+            <a:endParaRPr dirty="0"/>
           </a:p>
         </p:txBody>
       </p:sp>
@@ -4436,7 +4968,7 @@
           <a:p>
             <a:fld id="{879C4D7C-AB85-4473-818B-9E65C0D7ABCC}" type="datetimeFigureOut">
               <a:rPr lang="en-US" smtClean="0"/>
-              <a:t>5/13/2014</a:t>
+              <a:t>5/14/14</a:t>
             </a:fld>
             <a:endParaRPr lang="en-US"/>
           </a:p>
@@ -4485,11 +5017,6 @@
         </p:txBody>
       </p:sp>
     </p:spTree>
-    <p:extLst>
-      <p:ext uri="{BB962C8B-B14F-4D97-AF65-F5344CB8AC3E}">
-        <p14:creationId xmlns:p14="http://schemas.microsoft.com/office/powerpoint/2010/main" val="2851712833"/>
-      </p:ext>
-    </p:extLst>
   </p:cSld>
   <p:clrMapOvr>
     <a:masterClrMapping/>
@@ -4533,7 +5060,7 @@
               <a:rPr lang="en-US" smtClean="0"/>
               <a:t>Click to edit Master title style</a:t>
             </a:r>
-            <a:endParaRPr lang="en-US"/>
+            <a:endParaRPr/>
           </a:p>
         </p:txBody>
       </p:sp>
@@ -4554,7 +5081,7 @@
           <a:p>
             <a:fld id="{879C4D7C-AB85-4473-818B-9E65C0D7ABCC}" type="datetimeFigureOut">
               <a:rPr lang="en-US" smtClean="0"/>
-              <a:t>5/13/2014</a:t>
+              <a:t>5/14/14</a:t>
             </a:fld>
             <a:endParaRPr lang="en-US"/>
           </a:p>
@@ -4603,11 +5130,6 @@
         </p:txBody>
       </p:sp>
     </p:spTree>
-    <p:extLst>
-      <p:ext uri="{BB962C8B-B14F-4D97-AF65-F5344CB8AC3E}">
-        <p14:creationId xmlns:p14="http://schemas.microsoft.com/office/powerpoint/2010/main" val="3071195258"/>
-      </p:ext>
-    </p:extLst>
   </p:cSld>
   <p:clrMapOvr>
     <a:masterClrMapping/>
@@ -4649,7 +5171,7 @@
           <a:p>
             <a:fld id="{879C4D7C-AB85-4473-818B-9E65C0D7ABCC}" type="datetimeFigureOut">
               <a:rPr lang="en-US" smtClean="0"/>
-              <a:t>5/13/2014</a:t>
+              <a:t>5/14/14</a:t>
             </a:fld>
             <a:endParaRPr lang="en-US"/>
           </a:p>
@@ -4698,11 +5220,6 @@
         </p:txBody>
       </p:sp>
     </p:spTree>
-    <p:extLst>
-      <p:ext uri="{BB962C8B-B14F-4D97-AF65-F5344CB8AC3E}">
-        <p14:creationId xmlns:p14="http://schemas.microsoft.com/office/powerpoint/2010/main" val="2978513965"/>
-      </p:ext>
-    </p:extLst>
   </p:cSld>
   <p:clrMapOvr>
     <a:masterClrMapping/>
@@ -4739,15 +5256,17 @@
         </p:nvSpPr>
         <p:spPr>
           <a:xfrm>
-            <a:off x="457200" y="273050"/>
-            <a:ext cx="3008313" cy="1162050"/>
+            <a:off x="779929" y="457201"/>
+            <a:ext cx="3566160" cy="1371600"/>
           </a:xfrm>
         </p:spPr>
         <p:txBody>
-          <a:bodyPr anchor="b"/>
+          <a:bodyPr anchor="b">
+            <a:normAutofit/>
+          </a:bodyPr>
           <a:lstStyle>
-            <a:lvl1pPr algn="l">
-              <a:defRPr sz="2000" b="1"/>
+            <a:lvl1pPr algn="ctr">
+              <a:defRPr sz="3600" b="1"/>
             </a:lvl1pPr>
           </a:lstStyle>
           <a:p>
@@ -4755,7 +5274,7 @@
               <a:rPr lang="en-US" smtClean="0"/>
               <a:t>Click to edit Master title style</a:t>
             </a:r>
-            <a:endParaRPr lang="en-US"/>
+            <a:endParaRPr/>
           </a:p>
         </p:txBody>
       </p:sp>
@@ -4771,39 +5290,97 @@
         </p:nvSpPr>
         <p:spPr>
           <a:xfrm>
-            <a:off x="3575050" y="273050"/>
-            <a:ext cx="5111750" cy="5853113"/>
+            <a:off x="4802393" y="457201"/>
+            <a:ext cx="3566160" cy="5410200"/>
           </a:xfrm>
         </p:spPr>
         <p:txBody>
-          <a:bodyPr/>
+          <a:bodyPr>
+            <a:normAutofit/>
+          </a:bodyPr>
           <a:lstStyle>
             <a:lvl1pPr>
-              <a:defRPr sz="3200"/>
+              <a:defRPr sz="2400"/>
             </a:lvl1pPr>
             <a:lvl2pPr>
-              <a:defRPr sz="2800"/>
+              <a:defRPr sz="2200"/>
             </a:lvl2pPr>
             <a:lvl3pPr>
-              <a:defRPr sz="2400"/>
+              <a:defRPr sz="2000"/>
             </a:lvl3pPr>
             <a:lvl4pPr>
-              <a:defRPr sz="2000"/>
+              <a:defRPr sz="1800"/>
             </a:lvl4pPr>
             <a:lvl5pPr>
-              <a:defRPr sz="2000"/>
+              <a:defRPr sz="1800"/>
             </a:lvl5pPr>
-            <a:lvl6pPr>
-              <a:defRPr sz="2000"/>
+            <a:lvl6pPr marL="2173288" indent="-344488">
+              <a:defRPr lang="en-US" sz="1800" b="1" kern="1200" dirty="0" smtClean="0">
+                <a:solidFill>
+                  <a:schemeClr val="tx1"/>
+                </a:solidFill>
+                <a:effectLst>
+                  <a:outerShdw blurRad="101600" dist="63500" dir="2700000" algn="tl" rotWithShape="0">
+                    <a:prstClr val="black">
+                      <a:alpha val="75000"/>
+                    </a:prstClr>
+                  </a:outerShdw>
+                </a:effectLst>
+                <a:latin typeface="+mn-lt"/>
+                <a:ea typeface="+mn-ea"/>
+                <a:cs typeface="+mn-cs"/>
+              </a:defRPr>
             </a:lvl6pPr>
-            <a:lvl7pPr>
-              <a:defRPr sz="2000"/>
+            <a:lvl7pPr marL="2173288" indent="-344488">
+              <a:defRPr lang="en-US" sz="1800" b="1" kern="1200" dirty="0" smtClean="0">
+                <a:solidFill>
+                  <a:schemeClr val="tx1"/>
+                </a:solidFill>
+                <a:effectLst>
+                  <a:outerShdw blurRad="101600" dist="63500" dir="2700000" algn="tl" rotWithShape="0">
+                    <a:prstClr val="black">
+                      <a:alpha val="75000"/>
+                    </a:prstClr>
+                  </a:outerShdw>
+                </a:effectLst>
+                <a:latin typeface="+mn-lt"/>
+                <a:ea typeface="+mn-ea"/>
+                <a:cs typeface="+mn-cs"/>
+              </a:defRPr>
             </a:lvl7pPr>
-            <a:lvl8pPr>
-              <a:defRPr sz="2000"/>
+            <a:lvl8pPr marL="2173288" indent="-344488">
+              <a:defRPr lang="en-US" sz="1800" b="1" kern="1200" dirty="0" smtClean="0">
+                <a:solidFill>
+                  <a:schemeClr val="tx1"/>
+                </a:solidFill>
+                <a:effectLst>
+                  <a:outerShdw blurRad="101600" dist="63500" dir="2700000" algn="tl" rotWithShape="0">
+                    <a:prstClr val="black">
+                      <a:alpha val="75000"/>
+                    </a:prstClr>
+                  </a:outerShdw>
+                </a:effectLst>
+                <a:latin typeface="+mn-lt"/>
+                <a:ea typeface="+mn-ea"/>
+                <a:cs typeface="+mn-cs"/>
+              </a:defRPr>
             </a:lvl8pPr>
-            <a:lvl9pPr>
-              <a:defRPr sz="2000"/>
+            <a:lvl9pPr marL="2173288" indent="-344488">
+              <a:defRPr sz="1800" b="1" kern="1200" dirty="0">
+                <a:solidFill>
+                  <a:schemeClr val="tx1"/>
+                </a:solidFill>
+                <a:effectLst>
+                  <a:outerShdw blurRad="101600" dist="63500" dir="2700000" algn="tl" rotWithShape="0">
+                    <a:prstClr val="black">
+                      <a:alpha val="75000"/>
+                    </a:prstClr>
+                  </a:outerShdw>
+                </a:effectLst>
+                <a:latin typeface="+mn-lt"/>
+                <a:ea typeface="+mn-ea"/>
+                <a:cs typeface="+mn-cs"/>
+              </a:defRPr>
             </a:lvl9pPr>
           </a:lstStyle>
           <a:p>
@@ -4840,7 +5417,7 @@
               <a:rPr lang="en-US" smtClean="0"/>
               <a:t>Fifth level</a:t>
             </a:r>
-            <a:endParaRPr lang="en-US"/>
+            <a:endParaRPr dirty="0"/>
           </a:p>
         </p:txBody>
       </p:sp>
@@ -4856,16 +5433,21 @@
         </p:nvSpPr>
         <p:spPr>
           <a:xfrm>
-            <a:off x="457200" y="1435100"/>
-            <a:ext cx="3008313" cy="4691063"/>
+            <a:off x="779929" y="1828801"/>
+            <a:ext cx="3566160" cy="3657600"/>
           </a:xfrm>
         </p:spPr>
         <p:txBody>
-          <a:bodyPr/>
+          <a:bodyPr>
+            <a:normAutofit/>
+          </a:bodyPr>
           <a:lstStyle>
-            <a:lvl1pPr marL="0" indent="0">
+            <a:lvl1pPr marL="0" indent="0" algn="ctr">
+              <a:spcBef>
+                <a:spcPts val="600"/>
+              </a:spcBef>
               <a:buNone/>
-              <a:defRPr sz="1400"/>
+              <a:defRPr sz="2000"/>
             </a:lvl1pPr>
             <a:lvl2pPr marL="457200" indent="0">
               <a:buNone/>
@@ -4926,7 +5508,7 @@
           <a:p>
             <a:fld id="{879C4D7C-AB85-4473-818B-9E65C0D7ABCC}" type="datetimeFigureOut">
               <a:rPr lang="en-US" smtClean="0"/>
-              <a:t>5/13/2014</a:t>
+              <a:t>5/14/14</a:t>
             </a:fld>
             <a:endParaRPr lang="en-US"/>
           </a:p>
@@ -4966,20 +5548,16 @@
           <a:bodyPr/>
           <a:lstStyle/>
           <a:p>
-            <a:fld id="{CE68850B-4998-48F1-9CA4-BE069CED4449}" type="slidenum">
+            <a:fld id="{2754ED01-E2A0-4C1E-8E21-014B99041579}" type="slidenum">
               <a:rPr lang="en-US" smtClean="0"/>
+              <a:pPr/>
               <a:t>‹#›</a:t>
             </a:fld>
-            <a:endParaRPr lang="en-US"/>
+            <a:endParaRPr lang="en-US" dirty="0"/>
           </a:p>
         </p:txBody>
       </p:sp>
     </p:spTree>
-    <p:extLst>
-      <p:ext uri="{BB962C8B-B14F-4D97-AF65-F5344CB8AC3E}">
-        <p14:creationId xmlns:p14="http://schemas.microsoft.com/office/powerpoint/2010/main" val="2069956861"/>
-      </p:ext>
-    </p:extLst>
   </p:cSld>
   <p:clrMapOvr>
     <a:masterClrMapping/>
@@ -5016,15 +5594,31 @@
         </p:nvSpPr>
         <p:spPr>
           <a:xfrm>
-            <a:off x="1792288" y="4800600"/>
-            <a:ext cx="5486400" cy="566738"/>
+            <a:off x="777240" y="457200"/>
+            <a:ext cx="3566160" cy="1371600"/>
           </a:xfrm>
         </p:spPr>
         <p:txBody>
-          <a:bodyPr anchor="b"/>
+          <a:bodyPr anchor="b">
+            <a:normAutofit/>
+          </a:bodyPr>
           <a:lstStyle>
-            <a:lvl1pPr algn="l">
-              <a:defRPr sz="2000" b="1"/>
+            <a:lvl1pPr algn="ctr">
+              <a:defRPr sz="3600" b="1" kern="1200">
+                <a:solidFill>
+                  <a:schemeClr val="tx1"/>
+                </a:solidFill>
+                <a:effectLst>
+                  <a:outerShdw blurRad="101600" dist="63500" dir="2700000" algn="tl" rotWithShape="0">
+                    <a:prstClr val="black">
+                      <a:alpha val="75000"/>
+                    </a:prstClr>
+                  </a:outerShdw>
+                </a:effectLst>
+                <a:latin typeface="+mj-lt"/>
+                <a:ea typeface="+mj-ea"/>
+                <a:cs typeface="+mj-cs"/>
+              </a:defRPr>
             </a:lvl1pPr>
           </a:lstStyle>
           <a:p>
@@ -5032,7 +5626,7 @@
               <a:rPr lang="en-US" smtClean="0"/>
               <a:t>Click to edit Master title style</a:t>
             </a:r>
-            <a:endParaRPr lang="en-US"/>
+            <a:endParaRPr/>
           </a:p>
         </p:txBody>
       </p:sp>
@@ -5048,16 +5642,38 @@
         </p:nvSpPr>
         <p:spPr>
           <a:xfrm>
-            <a:off x="1792288" y="612775"/>
-            <a:ext cx="5486400" cy="4114800"/>
+            <a:off x="5266765" y="1676400"/>
+            <a:ext cx="2975610" cy="2975610"/>
           </a:xfrm>
+          <a:prstGeom prst="ellipse">
+            <a:avLst/>
+          </a:prstGeom>
+          <a:solidFill>
+            <a:schemeClr val="tx1">
+              <a:lumMod val="75000"/>
+            </a:schemeClr>
+          </a:solidFill>
+          <a:ln w="63500">
+            <a:solidFill>
+              <a:schemeClr val="tx1"/>
+            </a:solidFill>
+          </a:ln>
+          <a:effectLst>
+            <a:outerShdw blurRad="254000" dist="152400" dir="5400000" sx="90000" sy="-19000" rotWithShape="0">
+              <a:prstClr val="black">
+                <a:alpha val="20000"/>
+              </a:prstClr>
+            </a:outerShdw>
+          </a:effectLst>
         </p:spPr>
         <p:txBody>
-          <a:bodyPr/>
+          <a:bodyPr>
+            <a:normAutofit/>
+          </a:bodyPr>
           <a:lstStyle>
             <a:lvl1pPr marL="0" indent="0">
               <a:buNone/>
-              <a:defRPr sz="3200"/>
+              <a:defRPr sz="2400"/>
             </a:lvl1pPr>
             <a:lvl2pPr marL="457200" indent="0">
               <a:buNone/>
@@ -5093,7 +5709,11 @@
             </a:lvl9pPr>
           </a:lstStyle>
           <a:p>
-            <a:endParaRPr lang="en-US"/>
+            <a:r>
+              <a:rPr lang="en-US" smtClean="0"/>
+              <a:t>Drag picture to placeholder or click icon to add</a:t>
+            </a:r>
+            <a:endParaRPr/>
           </a:p>
         </p:txBody>
       </p:sp>
@@ -5109,16 +5729,35 @@
         </p:nvSpPr>
         <p:spPr>
           <a:xfrm>
-            <a:off x="1792288" y="5367338"/>
-            <a:ext cx="5486400" cy="804862"/>
+            <a:off x="777240" y="1828800"/>
+            <a:ext cx="3566160" cy="3657600"/>
           </a:xfrm>
         </p:spPr>
         <p:txBody>
-          <a:bodyPr/>
+          <a:bodyPr vert="horz" lIns="91440" tIns="45720" rIns="91440" bIns="45720" rtlCol="0">
+            <a:normAutofit/>
+          </a:bodyPr>
           <a:lstStyle>
-            <a:lvl1pPr marL="0" indent="0">
+            <a:lvl1pPr marL="0" indent="0" algn="ctr">
+              <a:spcBef>
+                <a:spcPts val="600"/>
+              </a:spcBef>
               <a:buNone/>
-              <a:defRPr sz="1400"/>
+              <a:defRPr sz="2000" b="1" kern="1200">
+                <a:solidFill>
+                  <a:schemeClr val="tx1"/>
+                </a:solidFill>
+                <a:effectLst>
+                  <a:outerShdw blurRad="101600" dist="63500" dir="2700000" algn="tl" rotWithShape="0">
+                    <a:prstClr val="black">
+                      <a:alpha val="75000"/>
+                    </a:prstClr>
+                  </a:outerShdw>
+                </a:effectLst>
+                <a:latin typeface="+mn-lt"/>
+                <a:ea typeface="+mn-ea"/>
+                <a:cs typeface="+mn-cs"/>
+              </a:defRPr>
             </a:lvl1pPr>
             <a:lvl2pPr marL="457200" indent="0">
               <a:buNone/>
@@ -5154,7 +5793,13 @@
             </a:lvl9pPr>
           </a:lstStyle>
           <a:p>
-            <a:pPr lvl="0"/>
+            <a:pPr marL="0" lvl="0" indent="0" algn="ctr" defTabSz="914400" rtl="0" eaLnBrk="1" latinLnBrk="0" hangingPunct="1">
+              <a:spcBef>
+                <a:spcPts val="2000"/>
+              </a:spcBef>
+              <a:buFontTx/>
+              <a:buNone/>
+            </a:pPr>
             <a:r>
               <a:rPr lang="en-US" smtClean="0"/>
               <a:t>Click to edit Master text styles</a:t>
@@ -5179,7 +5824,7 @@
           <a:p>
             <a:fld id="{879C4D7C-AB85-4473-818B-9E65C0D7ABCC}" type="datetimeFigureOut">
               <a:rPr lang="en-US" smtClean="0"/>
-              <a:t>5/13/2014</a:t>
+              <a:t>5/14/14</a:t>
             </a:fld>
             <a:endParaRPr lang="en-US"/>
           </a:p>
@@ -5228,11 +5873,6 @@
         </p:txBody>
       </p:sp>
     </p:spTree>
-    <p:extLst>
-      <p:ext uri="{BB962C8B-B14F-4D97-AF65-F5344CB8AC3E}">
-        <p14:creationId xmlns:p14="http://schemas.microsoft.com/office/powerpoint/2010/main" val="3032749808"/>
-      </p:ext>
-    </p:extLst>
   </p:cSld>
   <p:clrMapOvr>
     <a:masterClrMapping/>
@@ -5244,8 +5884,8 @@
 <p:sldMaster xmlns:a="http://schemas.openxmlformats.org/drawingml/2006/main" xmlns:r="http://schemas.openxmlformats.org/officeDocument/2006/relationships" xmlns:p="http://schemas.openxmlformats.org/presentationml/2006/main">
   <p:cSld>
     <p:bg>
-      <p:bgRef idx="1001">
-        <a:schemeClr val="bg1"/>
+      <p:bgRef idx="1003">
+        <a:schemeClr val="bg2"/>
       </p:bgRef>
     </p:bg>
     <p:spTree>
@@ -5262,6 +5902,37 @@
           <a:chExt cx="0" cy="0"/>
         </a:xfrm>
       </p:grpSpPr>
+      <p:pic>
+        <p:nvPicPr>
+          <p:cNvPr id="7" name="Picture 6" descr="GridOverlay.png"/>
+          <p:cNvPicPr>
+            <a:picLocks noChangeAspect="1"/>
+          </p:cNvPicPr>
+          <p:nvPr/>
+        </p:nvPicPr>
+        <p:blipFill>
+          <a:blip r:embed="rId14"/>
+          <a:stretch>
+            <a:fillRect/>
+          </a:stretch>
+        </p:blipFill>
+        <p:spPr>
+          <a:xfrm>
+            <a:off x="0" y="0"/>
+            <a:ext cx="9144000" cy="6858000"/>
+          </a:xfrm>
+          <a:prstGeom prst="rect">
+            <a:avLst/>
+          </a:prstGeom>
+          <a:solidFill>
+            <a:schemeClr val="bg2">
+              <a:lumMod val="60000"/>
+              <a:lumOff val="40000"/>
+              <a:alpha val="10000"/>
+            </a:schemeClr>
+          </a:solidFill>
+        </p:spPr>
+      </p:pic>
       <p:sp>
         <p:nvSpPr>
           <p:cNvPr id="2" name="Title Placeholder 1"/>
@@ -5274,8 +5945,8 @@
         </p:nvSpPr>
         <p:spPr>
           <a:xfrm>
-            <a:off x="457200" y="274638"/>
-            <a:ext cx="8229600" cy="1143000"/>
+            <a:off x="779462" y="107577"/>
+            <a:ext cx="7581901" cy="1653988"/>
           </a:xfrm>
           <a:prstGeom prst="rect">
             <a:avLst/>
@@ -5283,7 +5954,7 @@
         </p:spPr>
         <p:txBody>
           <a:bodyPr vert="horz" lIns="91440" tIns="45720" rIns="91440" bIns="45720" rtlCol="0" anchor="ctr">
-            <a:normAutofit/>
+            <a:noAutofit/>
           </a:bodyPr>
           <a:lstStyle/>
           <a:p>
@@ -5291,7 +5962,7 @@
               <a:rPr lang="en-US" smtClean="0"/>
               <a:t>Click to edit Master title style</a:t>
             </a:r>
-            <a:endParaRPr lang="en-US"/>
+            <a:endParaRPr/>
           </a:p>
         </p:txBody>
       </p:sp>
@@ -5307,8 +5978,8 @@
         </p:nvSpPr>
         <p:spPr>
           <a:xfrm>
-            <a:off x="457200" y="1600200"/>
-            <a:ext cx="8229600" cy="4525963"/>
+            <a:off x="779462" y="1882588"/>
+            <a:ext cx="7581901" cy="3953436"/>
           </a:xfrm>
           <a:prstGeom prst="rect">
             <a:avLst/>
@@ -5353,7 +6024,7 @@
               <a:rPr lang="en-US" smtClean="0"/>
               <a:t>Fifth level</a:t>
             </a:r>
-            <a:endParaRPr lang="en-US"/>
+            <a:endParaRPr dirty="0"/>
           </a:p>
         </p:txBody>
       </p:sp>
@@ -5369,7 +6040,7 @@
         </p:nvSpPr>
         <p:spPr>
           <a:xfrm>
-            <a:off x="457200" y="6356350"/>
+            <a:off x="6651812" y="6356350"/>
             <a:ext cx="2133600" cy="365125"/>
           </a:xfrm>
           <a:prstGeom prst="rect">
@@ -5379,20 +6050,27 @@
         <p:txBody>
           <a:bodyPr vert="horz" lIns="91440" tIns="45720" rIns="91440" bIns="45720" rtlCol="0" anchor="ctr"/>
           <a:lstStyle>
-            <a:lvl1pPr algn="l">
-              <a:defRPr sz="1200">
+            <a:lvl1pPr algn="r">
+              <a:defRPr sz="1100">
                 <a:solidFill>
                   <a:schemeClr val="tx1">
                     <a:tint val="75000"/>
                   </a:schemeClr>
                 </a:solidFill>
+                <a:effectLst>
+                  <a:outerShdw blurRad="101600" dist="63500" dir="2700000" algn="tl" rotWithShape="0">
+                    <a:prstClr val="black">
+                      <a:alpha val="75000"/>
+                    </a:prstClr>
+                  </a:outerShdw>
+                </a:effectLst>
               </a:defRPr>
             </a:lvl1pPr>
           </a:lstStyle>
           <a:p>
             <a:fld id="{879C4D7C-AB85-4473-818B-9E65C0D7ABCC}" type="datetimeFigureOut">
               <a:rPr lang="en-US" smtClean="0"/>
-              <a:t>5/13/2014</a:t>
+              <a:t>5/14/14</a:t>
             </a:fld>
             <a:endParaRPr lang="en-US"/>
           </a:p>
@@ -5410,7 +6088,7 @@
         </p:nvSpPr>
         <p:spPr>
           <a:xfrm>
-            <a:off x="3124200" y="6356350"/>
+            <a:off x="354106" y="6356350"/>
             <a:ext cx="2895600" cy="365125"/>
           </a:xfrm>
           <a:prstGeom prst="rect">
@@ -5420,13 +6098,20 @@
         <p:txBody>
           <a:bodyPr vert="horz" lIns="91440" tIns="45720" rIns="91440" bIns="45720" rtlCol="0" anchor="ctr"/>
           <a:lstStyle>
-            <a:lvl1pPr algn="ctr">
-              <a:defRPr sz="1200">
+            <a:lvl1pPr algn="l">
+              <a:defRPr sz="1100">
                 <a:solidFill>
                   <a:schemeClr val="tx1">
                     <a:tint val="75000"/>
                   </a:schemeClr>
                 </a:solidFill>
+                <a:effectLst>
+                  <a:outerShdw blurRad="101600" dist="63500" dir="2700000" algn="tl" rotWithShape="0">
+                    <a:prstClr val="black">
+                      <a:alpha val="75000"/>
+                    </a:prstClr>
+                  </a:outerShdw>
+                </a:effectLst>
               </a:defRPr>
             </a:lvl1pPr>
           </a:lstStyle>
@@ -5447,8 +6132,8 @@
         </p:nvSpPr>
         <p:spPr>
           <a:xfrm>
-            <a:off x="6553200" y="6356350"/>
-            <a:ext cx="2133600" cy="365125"/>
+            <a:off x="4191000" y="6356350"/>
+            <a:ext cx="762000" cy="365125"/>
           </a:xfrm>
           <a:prstGeom prst="rect">
             <a:avLst/>
@@ -5457,13 +6142,20 @@
         <p:txBody>
           <a:bodyPr vert="horz" lIns="91440" tIns="45720" rIns="91440" bIns="45720" rtlCol="0" anchor="ctr"/>
           <a:lstStyle>
-            <a:lvl1pPr algn="r">
-              <a:defRPr sz="1200">
+            <a:lvl1pPr algn="ctr">
+              <a:defRPr sz="1100">
                 <a:solidFill>
                   <a:schemeClr val="tx1">
                     <a:tint val="75000"/>
                   </a:schemeClr>
                 </a:solidFill>
+                <a:effectLst>
+                  <a:outerShdw blurRad="101600" dist="63500" dir="2700000" algn="tl" rotWithShape="0">
+                    <a:prstClr val="black">
+                      <a:alpha val="75000"/>
+                    </a:prstClr>
+                  </a:outerShdw>
+                </a:effectLst>
               </a:defRPr>
             </a:lvl1pPr>
           </a:lstStyle>
@@ -5477,25 +6169,21 @@
         </p:txBody>
       </p:sp>
     </p:spTree>
-    <p:extLst>
-      <p:ext uri="{BB962C8B-B14F-4D97-AF65-F5344CB8AC3E}">
-        <p14:creationId xmlns:p14="http://schemas.microsoft.com/office/powerpoint/2010/main" val="3076336778"/>
-      </p:ext>
-    </p:extLst>
   </p:cSld>
-  <p:clrMap bg1="lt1" tx1="dk1" bg2="lt2" tx2="dk2" accent1="accent1" accent2="accent2" accent3="accent3" accent4="accent4" accent5="accent5" accent6="accent6" hlink="hlink" folHlink="folHlink"/>
+  <p:clrMap bg1="dk1" tx1="lt1" bg2="dk2" tx2="lt2" accent1="accent1" accent2="accent2" accent3="accent3" accent4="accent4" accent5="accent5" accent6="accent6" hlink="hlink" folHlink="folHlink"/>
   <p:sldLayoutIdLst>
-    <p:sldLayoutId id="2147483649" r:id="rId1"/>
-    <p:sldLayoutId id="2147483650" r:id="rId2"/>
-    <p:sldLayoutId id="2147483651" r:id="rId3"/>
-    <p:sldLayoutId id="2147483652" r:id="rId4"/>
-    <p:sldLayoutId id="2147483653" r:id="rId5"/>
-    <p:sldLayoutId id="2147483654" r:id="rId6"/>
-    <p:sldLayoutId id="2147483655" r:id="rId7"/>
-    <p:sldLayoutId id="2147483656" r:id="rId8"/>
-    <p:sldLayoutId id="2147483657" r:id="rId9"/>
-    <p:sldLayoutId id="2147483658" r:id="rId10"/>
-    <p:sldLayoutId id="2147483659" r:id="rId11"/>
+    <p:sldLayoutId id="2147483974" r:id="rId1"/>
+    <p:sldLayoutId id="2147483975" r:id="rId2"/>
+    <p:sldLayoutId id="2147483976" r:id="rId3"/>
+    <p:sldLayoutId id="2147483977" r:id="rId4"/>
+    <p:sldLayoutId id="2147483978" r:id="rId5"/>
+    <p:sldLayoutId id="2147483979" r:id="rId6"/>
+    <p:sldLayoutId id="2147483980" r:id="rId7"/>
+    <p:sldLayoutId id="2147483981" r:id="rId8"/>
+    <p:sldLayoutId id="2147483982" r:id="rId9"/>
+    <p:sldLayoutId id="2147483983" r:id="rId10"/>
+    <p:sldLayoutId id="2147483984" r:id="rId11"/>
+    <p:sldLayoutId id="2147483985" r:id="rId12"/>
   </p:sldLayoutIdLst>
   <p:txStyles>
     <p:titleStyle>
@@ -5504,10 +6192,17 @@
           <a:spcPct val="0"/>
         </a:spcBef>
         <a:buNone/>
-        <a:defRPr sz="4400" kern="1200">
+        <a:defRPr sz="5600" b="1" kern="1200">
           <a:solidFill>
             <a:schemeClr val="tx1"/>
           </a:solidFill>
+          <a:effectLst>
+            <a:outerShdw blurRad="101600" dist="63500" dir="2700000" algn="tl" rotWithShape="0">
+              <a:prstClr val="black">
+                <a:alpha val="75000"/>
+              </a:prstClr>
+            </a:outerShdw>
+          </a:effectLst>
           <a:latin typeface="+mj-lt"/>
           <a:ea typeface="+mj-ea"/>
           <a:cs typeface="+mj-cs"/>
@@ -5515,136 +6210,217 @@
       </a:lvl1pPr>
     </p:titleStyle>
     <p:bodyStyle>
-      <a:lvl1pPr marL="342900" indent="-342900" algn="l" defTabSz="914400" rtl="0" eaLnBrk="1" latinLnBrk="0" hangingPunct="1">
+      <a:lvl1pPr marL="403225" indent="-403225" algn="l" defTabSz="914400" rtl="0" eaLnBrk="1" latinLnBrk="0" hangingPunct="1">
         <a:spcBef>
-          <a:spcPct val="20000"/>
+          <a:spcPts val="2000"/>
         </a:spcBef>
-        <a:buFont typeface="Arial" panose="020B0604020202020204" pitchFamily="34" charset="0"/>
-        <a:buChar char="•"/>
-        <a:defRPr sz="3200" kern="1200">
+        <a:buFontTx/>
+        <a:buBlip>
+          <a:blip r:embed="rId15"/>
+        </a:buBlip>
+        <a:defRPr sz="2400" b="1" kern="1200">
           <a:solidFill>
             <a:schemeClr val="tx1"/>
           </a:solidFill>
+          <a:effectLst>
+            <a:outerShdw blurRad="101600" dist="63500" dir="2700000" algn="tl" rotWithShape="0">
+              <a:prstClr val="black">
+                <a:alpha val="75000"/>
+              </a:prstClr>
+            </a:outerShdw>
+          </a:effectLst>
           <a:latin typeface="+mn-lt"/>
           <a:ea typeface="+mn-ea"/>
           <a:cs typeface="+mn-cs"/>
         </a:defRPr>
       </a:lvl1pPr>
-      <a:lvl2pPr marL="742950" indent="-285750" algn="l" defTabSz="914400" rtl="0" eaLnBrk="1" latinLnBrk="0" hangingPunct="1">
+      <a:lvl2pPr marL="806450" indent="-403225" algn="l" defTabSz="914400" rtl="0" eaLnBrk="1" latinLnBrk="0" hangingPunct="1">
         <a:spcBef>
-          <a:spcPct val="20000"/>
+          <a:spcPts val="600"/>
         </a:spcBef>
-        <a:buFont typeface="Arial" panose="020B0604020202020204" pitchFamily="34" charset="0"/>
-        <a:buChar char="–"/>
-        <a:defRPr sz="2800" kern="1200">
+        <a:buFontTx/>
+        <a:buBlip>
+          <a:blip r:embed="rId15"/>
+        </a:buBlip>
+        <a:defRPr sz="2200" b="1" kern="1200">
           <a:solidFill>
             <a:schemeClr val="tx1"/>
           </a:solidFill>
+          <a:effectLst>
+            <a:outerShdw blurRad="101600" dist="63500" dir="2700000" algn="tl" rotWithShape="0">
+              <a:prstClr val="black">
+                <a:alpha val="75000"/>
+              </a:prstClr>
+            </a:outerShdw>
+          </a:effectLst>
           <a:latin typeface="+mn-lt"/>
           <a:ea typeface="+mn-ea"/>
           <a:cs typeface="+mn-cs"/>
         </a:defRPr>
       </a:lvl2pPr>
-      <a:lvl3pPr marL="1143000" indent="-228600" algn="l" defTabSz="914400" rtl="0" eaLnBrk="1" latinLnBrk="0" hangingPunct="1">
+      <a:lvl3pPr marL="1143000" indent="-336550" algn="l" defTabSz="914400" rtl="0" eaLnBrk="1" latinLnBrk="0" hangingPunct="1">
         <a:spcBef>
-          <a:spcPct val="20000"/>
+          <a:spcPts val="600"/>
         </a:spcBef>
-        <a:buFont typeface="Arial" panose="020B0604020202020204" pitchFamily="34" charset="0"/>
-        <a:buChar char="•"/>
-        <a:defRPr sz="2400" kern="1200">
+        <a:buFontTx/>
+        <a:buBlip>
+          <a:blip r:embed="rId15"/>
+        </a:buBlip>
+        <a:defRPr sz="2000" b="1" kern="1200">
           <a:solidFill>
             <a:schemeClr val="tx1"/>
           </a:solidFill>
+          <a:effectLst>
+            <a:outerShdw blurRad="101600" dist="63500" dir="2700000" algn="tl" rotWithShape="0">
+              <a:prstClr val="black">
+                <a:alpha val="75000"/>
+              </a:prstClr>
+            </a:outerShdw>
+          </a:effectLst>
           <a:latin typeface="+mn-lt"/>
           <a:ea typeface="+mn-ea"/>
           <a:cs typeface="+mn-cs"/>
         </a:defRPr>
       </a:lvl3pPr>
-      <a:lvl4pPr marL="1600200" indent="-228600" algn="l" defTabSz="914400" rtl="0" eaLnBrk="1" latinLnBrk="0" hangingPunct="1">
+      <a:lvl4pPr marL="1492250" indent="-349250" algn="l" defTabSz="914400" rtl="0" eaLnBrk="1" latinLnBrk="0" hangingPunct="1">
         <a:spcBef>
-          <a:spcPct val="20000"/>
+          <a:spcPts val="600"/>
         </a:spcBef>
-        <a:buFont typeface="Arial" panose="020B0604020202020204" pitchFamily="34" charset="0"/>
-        <a:buChar char="–"/>
-        <a:defRPr sz="2000" kern="1200">
+        <a:buFontTx/>
+        <a:buBlip>
+          <a:blip r:embed="rId15"/>
+        </a:buBlip>
+        <a:defRPr sz="1800" b="1" kern="1200">
           <a:solidFill>
             <a:schemeClr val="tx1"/>
           </a:solidFill>
+          <a:effectLst>
+            <a:outerShdw blurRad="101600" dist="63500" dir="2700000" algn="tl" rotWithShape="0">
+              <a:prstClr val="black">
+                <a:alpha val="75000"/>
+              </a:prstClr>
+            </a:outerShdw>
+          </a:effectLst>
           <a:latin typeface="+mn-lt"/>
           <a:ea typeface="+mn-ea"/>
           <a:cs typeface="+mn-cs"/>
         </a:defRPr>
       </a:lvl4pPr>
-      <a:lvl5pPr marL="2057400" indent="-228600" algn="l" defTabSz="914400" rtl="0" eaLnBrk="1" latinLnBrk="0" hangingPunct="1">
+      <a:lvl5pPr marL="1828800" indent="-336550" algn="l" defTabSz="914400" rtl="0" eaLnBrk="1" latinLnBrk="0" hangingPunct="1">
         <a:spcBef>
-          <a:spcPct val="20000"/>
+          <a:spcPts val="600"/>
         </a:spcBef>
-        <a:buFont typeface="Arial" panose="020B0604020202020204" pitchFamily="34" charset="0"/>
-        <a:buChar char="»"/>
-        <a:defRPr sz="2000" kern="1200">
+        <a:buFontTx/>
+        <a:buBlip>
+          <a:blip r:embed="rId15"/>
+        </a:buBlip>
+        <a:defRPr sz="1800" b="1" kern="1200">
           <a:solidFill>
             <a:schemeClr val="tx1"/>
           </a:solidFill>
+          <a:effectLst>
+            <a:outerShdw blurRad="101600" dist="63500" dir="2700000" algn="tl" rotWithShape="0">
+              <a:prstClr val="black">
+                <a:alpha val="75000"/>
+              </a:prstClr>
+            </a:outerShdw>
+          </a:effectLst>
           <a:latin typeface="+mn-lt"/>
           <a:ea typeface="+mn-ea"/>
           <a:cs typeface="+mn-cs"/>
         </a:defRPr>
       </a:lvl5pPr>
-      <a:lvl6pPr marL="2514600" indent="-228600" algn="l" defTabSz="914400" rtl="0" eaLnBrk="1" latinLnBrk="0" hangingPunct="1">
+      <a:lvl6pPr marL="2173288" indent="-344488" algn="l" defTabSz="914400" rtl="0" eaLnBrk="1" latinLnBrk="0" hangingPunct="1">
         <a:spcBef>
           <a:spcPct val="20000"/>
         </a:spcBef>
-        <a:buFont typeface="Arial" panose="020B0604020202020204" pitchFamily="34" charset="0"/>
-        <a:buChar char="•"/>
-        <a:defRPr sz="2000" kern="1200">
+        <a:buFontTx/>
+        <a:buBlip>
+          <a:blip r:embed="rId15"/>
+        </a:buBlip>
+        <a:defRPr lang="en-US" sz="1800" b="1" kern="1200" dirty="0" smtClean="0">
           <a:solidFill>
             <a:schemeClr val="tx1"/>
           </a:solidFill>
+          <a:effectLst>
+            <a:outerShdw blurRad="101600" dist="63500" dir="2700000" algn="tl" rotWithShape="0">
+              <a:prstClr val="black">
+                <a:alpha val="75000"/>
+              </a:prstClr>
+            </a:outerShdw>
+          </a:effectLst>
           <a:latin typeface="+mn-lt"/>
           <a:ea typeface="+mn-ea"/>
           <a:cs typeface="+mn-cs"/>
         </a:defRPr>
       </a:lvl6pPr>
-      <a:lvl7pPr marL="2971800" indent="-228600" algn="l" defTabSz="914400" rtl="0" eaLnBrk="1" latinLnBrk="0" hangingPunct="1">
+      <a:lvl7pPr marL="2516188" indent="-344488" algn="l" defTabSz="914400" rtl="0" eaLnBrk="1" latinLnBrk="0" hangingPunct="1">
         <a:spcBef>
           <a:spcPct val="20000"/>
         </a:spcBef>
-        <a:buFont typeface="Arial" panose="020B0604020202020204" pitchFamily="34" charset="0"/>
-        <a:buChar char="•"/>
-        <a:defRPr sz="2000" kern="1200">
+        <a:buFontTx/>
+        <a:buBlip>
+          <a:blip r:embed="rId15"/>
+        </a:buBlip>
+        <a:defRPr lang="en-US" sz="1800" b="1" kern="1200" dirty="0" smtClean="0">
           <a:solidFill>
             <a:schemeClr val="tx1"/>
           </a:solidFill>
+          <a:effectLst>
+            <a:outerShdw blurRad="101600" dist="63500" dir="2700000" algn="tl" rotWithShape="0">
+              <a:prstClr val="black">
+                <a:alpha val="75000"/>
+              </a:prstClr>
+            </a:outerShdw>
+          </a:effectLst>
           <a:latin typeface="+mn-lt"/>
           <a:ea typeface="+mn-ea"/>
           <a:cs typeface="+mn-cs"/>
         </a:defRPr>
       </a:lvl7pPr>
-      <a:lvl8pPr marL="3429000" indent="-228600" algn="l" defTabSz="914400" rtl="0" eaLnBrk="1" latinLnBrk="0" hangingPunct="1">
+      <a:lvl8pPr marL="2860675" indent="-344488" algn="l" defTabSz="914400" rtl="0" eaLnBrk="1" latinLnBrk="0" hangingPunct="1">
         <a:spcBef>
           <a:spcPct val="20000"/>
         </a:spcBef>
-        <a:buFont typeface="Arial" panose="020B0604020202020204" pitchFamily="34" charset="0"/>
-        <a:buChar char="•"/>
-        <a:defRPr sz="2000" kern="1200">
+        <a:buFontTx/>
+        <a:buBlip>
+          <a:blip r:embed="rId15"/>
+        </a:buBlip>
+        <a:defRPr lang="en-US" sz="1800" b="1" kern="1200" dirty="0" smtClean="0">
           <a:solidFill>
             <a:schemeClr val="tx1"/>
           </a:solidFill>
+          <a:effectLst>
+            <a:outerShdw blurRad="101600" dist="63500" dir="2700000" algn="tl" rotWithShape="0">
+              <a:prstClr val="black">
+                <a:alpha val="75000"/>
+              </a:prstClr>
+            </a:outerShdw>
+          </a:effectLst>
           <a:latin typeface="+mn-lt"/>
           <a:ea typeface="+mn-ea"/>
           <a:cs typeface="+mn-cs"/>
         </a:defRPr>
       </a:lvl8pPr>
-      <a:lvl9pPr marL="3886200" indent="-228600" algn="l" defTabSz="914400" rtl="0" eaLnBrk="1" latinLnBrk="0" hangingPunct="1">
+      <a:lvl9pPr marL="3205163" indent="-344488" algn="l" defTabSz="914400" rtl="0" eaLnBrk="1" latinLnBrk="0" hangingPunct="1">
         <a:spcBef>
           <a:spcPct val="20000"/>
         </a:spcBef>
-        <a:buFont typeface="Arial" panose="020B0604020202020204" pitchFamily="34" charset="0"/>
-        <a:buChar char="•"/>
-        <a:defRPr sz="2000" kern="1200">
+        <a:buFontTx/>
+        <a:buBlip>
+          <a:blip r:embed="rId15"/>
+        </a:buBlip>
+        <a:defRPr lang="en-US" sz="1800" b="1" kern="1200" dirty="0">
           <a:solidFill>
             <a:schemeClr val="tx1"/>
           </a:solidFill>
+          <a:effectLst>
+            <a:outerShdw blurRad="101600" dist="63500" dir="2700000" algn="tl" rotWithShape="0">
+              <a:prstClr val="black">
+                <a:alpha val="75000"/>
+              </a:prstClr>
+            </a:outerShdw>
+          </a:effectLst>
           <a:latin typeface="+mn-lt"/>
           <a:ea typeface="+mn-ea"/>
           <a:cs typeface="+mn-cs"/>
@@ -5653,7 +6429,7 @@
     </p:bodyStyle>
     <p:otherStyle>
       <a:defPPr>
-        <a:defRPr lang="en-US"/>
+        <a:defRPr/>
       </a:defPPr>
       <a:lvl1pPr marL="0" algn="l" defTabSz="914400" rtl="0" eaLnBrk="1" latinLnBrk="0" hangingPunct="1">
         <a:defRPr sz="1800" kern="1200">
@@ -5784,7 +6560,7 @@
           <a:p>
             <a:r>
               <a:rPr lang="en-US" dirty="0" smtClean="0"/>
-              <a:t>K Nearest Neighbors Based Optical Character Recognition</a:t>
+              <a:t>K Nearest Neighbors Based Optical Word Recognition</a:t>
             </a:r>
             <a:endParaRPr lang="en-US" dirty="0"/>
           </a:p>
@@ -5802,7 +6578,9 @@
         </p:nvSpPr>
         <p:spPr/>
         <p:txBody>
-          <a:bodyPr/>
+          <a:bodyPr>
+            <a:normAutofit/>
+          </a:bodyPr>
           <a:lstStyle/>
           <a:p>
             <a:r>
@@ -5829,10 +6607,18 @@
   <p:clrMapOvr>
     <a:masterClrMapping/>
   </p:clrMapOvr>
+  <mc:AlternateContent xmlns:mc="http://schemas.openxmlformats.org/markup-compatibility/2006" xmlns:p14="http://schemas.microsoft.com/office/powerpoint/2010/main">
+    <mc:Choice Requires="p14">
+      <p:transition spd="slow" p14:dur="2000"/>
+    </mc:Choice>
+    <mc:Fallback xmlns="">
+      <p:transition xmlns:p14="http://schemas.microsoft.com/office/powerpoint/2010/main" spd="slow"/>
+    </mc:Fallback>
+  </mc:AlternateContent>
   <p:timing>
     <p:tnLst>
       <p:par>
-        <p:cTn id="1" dur="indefinite" restart="never" nodeType="tmRoot"/>
+        <p:cTn xmlns:p14="http://schemas.microsoft.com/office/powerpoint/2010/main" id="1" dur="indefinite" restart="never" nodeType="tmRoot"/>
       </p:par>
     </p:tnLst>
   </p:timing>
@@ -5865,7 +6651,7 @@
           <p:nvPr>
             <p:extLst>
               <p:ext uri="{D42A27DB-BD31-4B8C-83A1-F6EECF244321}">
-                <p14:modId xmlns:p14="http://schemas.microsoft.com/office/powerpoint/2010/main" val="178527844"/>
+                <p14:modId xmlns:p14="http://schemas.microsoft.com/office/powerpoint/2010/main" val="228999211"/>
               </p:ext>
             </p:extLst>
           </p:nvPr>
@@ -5890,10 +6676,18 @@
   <p:clrMapOvr>
     <a:masterClrMapping/>
   </p:clrMapOvr>
+  <mc:AlternateContent xmlns:mc="http://schemas.openxmlformats.org/markup-compatibility/2006" xmlns:p14="http://schemas.microsoft.com/office/powerpoint/2010/main">
+    <mc:Choice Requires="p14">
+      <p:transition spd="slow" p14:dur="2000"/>
+    </mc:Choice>
+    <mc:Fallback xmlns="">
+      <p:transition xmlns:p14="http://schemas.microsoft.com/office/powerpoint/2010/main" spd="slow"/>
+    </mc:Fallback>
+  </mc:AlternateContent>
   <p:timing>
     <p:tnLst>
       <p:par>
-        <p:cTn id="1" dur="indefinite" restart="never" nodeType="tmRoot"/>
+        <p:cTn xmlns:p14="http://schemas.microsoft.com/office/powerpoint/2010/main" id="1" dur="indefinite" restart="never" nodeType="tmRoot"/>
       </p:par>
     </p:tnLst>
   </p:timing>
@@ -5953,7 +6747,7 @@
         <p:spPr/>
         <p:txBody>
           <a:bodyPr>
-            <a:normAutofit lnSpcReduction="10000"/>
+            <a:normAutofit/>
           </a:bodyPr>
           <a:lstStyle/>
           <a:p>
@@ -5994,6 +6788,14 @@
   <p:clrMapOvr>
     <a:masterClrMapping/>
   </p:clrMapOvr>
+  <mc:AlternateContent xmlns:mc="http://schemas.openxmlformats.org/markup-compatibility/2006" xmlns:p14="http://schemas.microsoft.com/office/powerpoint/2010/main">
+    <mc:Choice Requires="p14">
+      <p:transition spd="slow" p14:dur="2000"/>
+    </mc:Choice>
+    <mc:Fallback xmlns="">
+      <p:transition xmlns:p14="http://schemas.microsoft.com/office/powerpoint/2010/main" spd="slow"/>
+    </mc:Fallback>
+  </mc:AlternateContent>
 </p:sld>
 </file>
 
@@ -6046,14 +6848,14 @@
             <a:noFill/>
           </a:ln>
           <a:extLst>
-            <a:ext uri="{909E8E84-426E-40DD-AFC4-6F175D3DCCD1}">
+            <a:ext uri="{909E8E84-426E-40dd-AFC4-6F175D3DCCD1}">
               <a14:hiddenFill xmlns:a14="http://schemas.microsoft.com/office/drawing/2010/main">
                 <a:solidFill>
                   <a:schemeClr val="accent1"/>
                 </a:solidFill>
               </a14:hiddenFill>
             </a:ext>
-            <a:ext uri="{91240B29-F687-4F45-9708-019B960494DF}">
+            <a:ext uri="{91240B29-F687-4f45-9708-019B960494DF}">
               <a14:hiddenLine xmlns:a14="http://schemas.microsoft.com/office/drawing/2010/main" w="9525">
                 <a:solidFill>
                   <a:schemeClr val="tx1"/>
@@ -6104,6 +6906,14 @@
   <p:clrMapOvr>
     <a:masterClrMapping/>
   </p:clrMapOvr>
+  <mc:AlternateContent xmlns:mc="http://schemas.openxmlformats.org/markup-compatibility/2006" xmlns:p14="http://schemas.microsoft.com/office/powerpoint/2010/main">
+    <mc:Choice Requires="p14">
+      <p:transition spd="slow" p14:dur="2000"/>
+    </mc:Choice>
+    <mc:Fallback xmlns="">
+      <p:transition xmlns:p14="http://schemas.microsoft.com/office/powerpoint/2010/main" spd="slow"/>
+    </mc:Fallback>
+  </mc:AlternateContent>
 </p:sld>
 </file>
 
@@ -6158,6 +6968,14 @@
   <p:clrMapOvr>
     <a:masterClrMapping/>
   </p:clrMapOvr>
+  <mc:AlternateContent xmlns:mc="http://schemas.openxmlformats.org/markup-compatibility/2006" xmlns:p14="http://schemas.microsoft.com/office/powerpoint/2010/main">
+    <mc:Choice Requires="p14">
+      <p:transition spd="slow" p14:dur="2000"/>
+    </mc:Choice>
+    <mc:Fallback xmlns="">
+      <p:transition xmlns:p14="http://schemas.microsoft.com/office/powerpoint/2010/main" spd="slow"/>
+    </mc:Fallback>
+  </mc:AlternateContent>
 </p:sld>
 </file>
 
@@ -6212,6 +7030,14 @@
   <p:clrMapOvr>
     <a:masterClrMapping/>
   </p:clrMapOvr>
+  <mc:AlternateContent xmlns:mc="http://schemas.openxmlformats.org/markup-compatibility/2006" xmlns:p14="http://schemas.microsoft.com/office/powerpoint/2010/main">
+    <mc:Choice Requires="p14">
+      <p:transition spd="slow" p14:dur="2000"/>
+    </mc:Choice>
+    <mc:Fallback xmlns="">
+      <p:transition xmlns:p14="http://schemas.microsoft.com/office/powerpoint/2010/main" spd="slow"/>
+    </mc:Fallback>
+  </mc:AlternateContent>
 </p:sld>
 </file>
 
@@ -6267,7 +7093,9 @@
         </p:nvSpPr>
         <p:spPr/>
         <p:txBody>
-          <a:bodyPr/>
+          <a:bodyPr>
+            <a:normAutofit/>
+          </a:bodyPr>
           <a:lstStyle/>
           <a:p>
             <a:r>
@@ -6308,6 +7136,14 @@
   <p:clrMapOvr>
     <a:masterClrMapping/>
   </p:clrMapOvr>
+  <mc:AlternateContent xmlns:mc="http://schemas.openxmlformats.org/markup-compatibility/2006" xmlns:p14="http://schemas.microsoft.com/office/powerpoint/2010/main">
+    <mc:Choice Requires="p14">
+      <p:transition spd="slow" p14:dur="2000"/>
+    </mc:Choice>
+    <mc:Fallback xmlns="">
+      <p:transition xmlns:p14="http://schemas.microsoft.com/office/powerpoint/2010/main" spd="slow"/>
+    </mc:Fallback>
+  </mc:AlternateContent>
 </p:sld>
 </file>
 
@@ -6328,54 +7164,6 @@
           <a:chExt cx="0" cy="0"/>
         </a:xfrm>
       </p:grpSpPr>
-      <p:graphicFrame>
-        <p:nvGraphicFramePr>
-          <p:cNvPr id="4" name="Chart 3"/>
-          <p:cNvGraphicFramePr>
-            <a:graphicFrameLocks/>
-          </p:cNvGraphicFramePr>
-          <p:nvPr>
-            <p:extLst>
-              <p:ext uri="{D42A27DB-BD31-4B8C-83A1-F6EECF244321}">
-                <p14:modId xmlns:p14="http://schemas.microsoft.com/office/powerpoint/2010/main" val="3780410369"/>
-              </p:ext>
-            </p:extLst>
-          </p:nvPr>
-        </p:nvGraphicFramePr>
-        <p:xfrm>
-          <a:off x="0" y="1447800"/>
-          <a:ext cx="3962400" cy="5410200"/>
-        </p:xfrm>
-        <a:graphic>
-          <a:graphicData uri="http://schemas.openxmlformats.org/drawingml/2006/chart">
-            <c:chart xmlns:c="http://schemas.openxmlformats.org/drawingml/2006/chart" xmlns:r="http://schemas.openxmlformats.org/officeDocument/2006/relationships" r:id="rId2"/>
-          </a:graphicData>
-        </a:graphic>
-      </p:graphicFrame>
-      <p:graphicFrame>
-        <p:nvGraphicFramePr>
-          <p:cNvPr id="5" name="Chart 4"/>
-          <p:cNvGraphicFramePr>
-            <a:graphicFrameLocks/>
-          </p:cNvGraphicFramePr>
-          <p:nvPr>
-            <p:extLst>
-              <p:ext uri="{D42A27DB-BD31-4B8C-83A1-F6EECF244321}">
-                <p14:modId xmlns:p14="http://schemas.microsoft.com/office/powerpoint/2010/main" val="2921760235"/>
-              </p:ext>
-            </p:extLst>
-          </p:nvPr>
-        </p:nvGraphicFramePr>
-        <p:xfrm>
-          <a:off x="3810000" y="1447800"/>
-          <a:ext cx="5334000" cy="5410200"/>
-        </p:xfrm>
-        <a:graphic>
-          <a:graphicData uri="http://schemas.openxmlformats.org/drawingml/2006/chart">
-            <c:chart xmlns:c="http://schemas.openxmlformats.org/drawingml/2006/chart" xmlns:r="http://schemas.openxmlformats.org/officeDocument/2006/relationships" r:id="rId3"/>
-          </a:graphicData>
-        </a:graphic>
-      </p:graphicFrame>
       <p:sp>
         <p:nvSpPr>
           <p:cNvPr id="6" name="TextBox 5"/>
@@ -6436,6 +7224,54 @@
           </a:p>
         </p:txBody>
       </p:sp>
+      <p:graphicFrame>
+        <p:nvGraphicFramePr>
+          <p:cNvPr id="8" name="Chart 7"/>
+          <p:cNvGraphicFramePr>
+            <a:graphicFrameLocks/>
+          </p:cNvGraphicFramePr>
+          <p:nvPr>
+            <p:extLst>
+              <p:ext uri="{D42A27DB-BD31-4B8C-83A1-F6EECF244321}">
+                <p14:modId xmlns:p14="http://schemas.microsoft.com/office/powerpoint/2010/main" val="3616080795"/>
+              </p:ext>
+            </p:extLst>
+          </p:nvPr>
+        </p:nvGraphicFramePr>
+        <p:xfrm>
+          <a:off x="-7088" y="1359856"/>
+          <a:ext cx="3817088" cy="5498144"/>
+        </p:xfrm>
+        <a:graphic>
+          <a:graphicData uri="http://schemas.openxmlformats.org/drawingml/2006/chart">
+            <c:chart xmlns:c="http://schemas.openxmlformats.org/drawingml/2006/chart" xmlns:r="http://schemas.openxmlformats.org/officeDocument/2006/relationships" r:id="rId2"/>
+          </a:graphicData>
+        </a:graphic>
+      </p:graphicFrame>
+      <p:graphicFrame>
+        <p:nvGraphicFramePr>
+          <p:cNvPr id="9" name="Chart 8"/>
+          <p:cNvGraphicFramePr>
+            <a:graphicFrameLocks/>
+          </p:cNvGraphicFramePr>
+          <p:nvPr>
+            <p:extLst>
+              <p:ext uri="{D42A27DB-BD31-4B8C-83A1-F6EECF244321}">
+                <p14:modId xmlns:p14="http://schemas.microsoft.com/office/powerpoint/2010/main" val="2506345765"/>
+              </p:ext>
+            </p:extLst>
+          </p:nvPr>
+        </p:nvGraphicFramePr>
+        <p:xfrm>
+          <a:off x="3886200" y="1335048"/>
+          <a:ext cx="5257800" cy="5522952"/>
+        </p:xfrm>
+        <a:graphic>
+          <a:graphicData uri="http://schemas.openxmlformats.org/drawingml/2006/chart">
+            <c:chart xmlns:c="http://schemas.openxmlformats.org/drawingml/2006/chart" xmlns:r="http://schemas.openxmlformats.org/officeDocument/2006/relationships" r:id="rId3"/>
+          </a:graphicData>
+        </a:graphic>
+      </p:graphicFrame>
     </p:spTree>
     <p:extLst>
       <p:ext uri="{BB962C8B-B14F-4D97-AF65-F5344CB8AC3E}">
@@ -6446,10 +7282,80 @@
   <p:clrMapOvr>
     <a:masterClrMapping/>
   </p:clrMapOvr>
+  <mc:AlternateContent xmlns:mc="http://schemas.openxmlformats.org/markup-compatibility/2006" xmlns:p14="http://schemas.microsoft.com/office/powerpoint/2010/main">
+    <mc:Choice Requires="p14">
+      <p:transition spd="slow" p14:dur="2000"/>
+    </mc:Choice>
+    <mc:Fallback xmlns="">
+      <p:transition xmlns:p14="http://schemas.microsoft.com/office/powerpoint/2010/main" spd="slow"/>
+    </mc:Fallback>
+  </mc:AlternateContent>
 </p:sld>
 </file>
 
 <file path=ppt/slides/slide17.xml><?xml version="1.0" encoding="utf-8"?>
+<p:sld xmlns:a="http://schemas.openxmlformats.org/drawingml/2006/main" xmlns:r="http://schemas.openxmlformats.org/officeDocument/2006/relationships" xmlns:p="http://schemas.openxmlformats.org/presentationml/2006/main">
+  <p:cSld>
+    <p:spTree>
+      <p:nvGrpSpPr>
+        <p:cNvPr id="1" name=""/>
+        <p:cNvGrpSpPr/>
+        <p:nvPr/>
+      </p:nvGrpSpPr>
+      <p:grpSpPr>
+        <a:xfrm>
+          <a:off x="0" y="0"/>
+          <a:ext cx="0" cy="0"/>
+          <a:chOff x="0" y="0"/>
+          <a:chExt cx="0" cy="0"/>
+        </a:xfrm>
+      </p:grpSpPr>
+      <p:graphicFrame>
+        <p:nvGraphicFramePr>
+          <p:cNvPr id="7" name="Chart 6"/>
+          <p:cNvGraphicFramePr>
+            <a:graphicFrameLocks/>
+          </p:cNvGraphicFramePr>
+          <p:nvPr>
+            <p:extLst>
+              <p:ext uri="{D42A27DB-BD31-4B8C-83A1-F6EECF244321}">
+                <p14:modId xmlns:p14="http://schemas.microsoft.com/office/powerpoint/2010/main" val="1040435342"/>
+              </p:ext>
+            </p:extLst>
+          </p:nvPr>
+        </p:nvGraphicFramePr>
+        <p:xfrm>
+          <a:off x="0" y="0"/>
+          <a:ext cx="9144000" cy="6858000"/>
+        </p:xfrm>
+        <a:graphic>
+          <a:graphicData uri="http://schemas.openxmlformats.org/drawingml/2006/chart">
+            <c:chart xmlns:c="http://schemas.openxmlformats.org/drawingml/2006/chart" xmlns:r="http://schemas.openxmlformats.org/officeDocument/2006/relationships" r:id="rId2"/>
+          </a:graphicData>
+        </a:graphic>
+      </p:graphicFrame>
+    </p:spTree>
+    <p:extLst>
+      <p:ext uri="{BB962C8B-B14F-4D97-AF65-F5344CB8AC3E}">
+        <p14:creationId xmlns:p14="http://schemas.microsoft.com/office/powerpoint/2010/main" val="1011833748"/>
+      </p:ext>
+    </p:extLst>
+  </p:cSld>
+  <p:clrMapOvr>
+    <a:masterClrMapping/>
+  </p:clrMapOvr>
+  <mc:AlternateContent xmlns:mc="http://schemas.openxmlformats.org/markup-compatibility/2006" xmlns:p14="http://schemas.microsoft.com/office/powerpoint/2010/main">
+    <mc:Choice Requires="p14">
+      <p:transition spd="slow" p14:dur="2000"/>
+    </mc:Choice>
+    <mc:Fallback xmlns="">
+      <p:transition xmlns:p14="http://schemas.microsoft.com/office/powerpoint/2010/main" spd="slow"/>
+    </mc:Fallback>
+  </mc:AlternateContent>
+</p:sld>
+</file>
+
+<file path=ppt/slides/slide18.xml><?xml version="1.0" encoding="utf-8"?>
 <p:sld xmlns:a="http://schemas.openxmlformats.org/drawingml/2006/main" xmlns:r="http://schemas.openxmlformats.org/officeDocument/2006/relationships" xmlns:p="http://schemas.openxmlformats.org/presentationml/2006/main">
   <p:cSld>
     <p:spTree>
@@ -6519,6 +7425,30 @@
           </a:p>
         </p:txBody>
       </p:sp>
+      <p:pic>
+        <p:nvPicPr>
+          <p:cNvPr id="6" name="Picture 5"/>
+          <p:cNvPicPr>
+            <a:picLocks noChangeAspect="1"/>
+          </p:cNvPicPr>
+          <p:nvPr/>
+        </p:nvPicPr>
+        <p:blipFill>
+          <a:blip r:embed="rId2"/>
+          <a:stretch>
+            <a:fillRect/>
+          </a:stretch>
+        </p:blipFill>
+        <p:spPr>
+          <a:xfrm>
+            <a:off x="2133600" y="2514600"/>
+            <a:ext cx="4876800" cy="3088640"/>
+          </a:xfrm>
+          <a:prstGeom prst="rect">
+            <a:avLst/>
+          </a:prstGeom>
+        </p:spPr>
+      </p:pic>
     </p:spTree>
     <p:extLst>
       <p:ext uri="{BB962C8B-B14F-4D97-AF65-F5344CB8AC3E}">
@@ -6529,6 +7459,21 @@
   <p:clrMapOvr>
     <a:masterClrMapping/>
   </p:clrMapOvr>
+  <mc:AlternateContent xmlns:mc="http://schemas.openxmlformats.org/markup-compatibility/2006" xmlns:p14="http://schemas.microsoft.com/office/powerpoint/2010/main">
+    <mc:Choice Requires="p14">
+      <p:transition spd="slow" p14:dur="2000"/>
+    </mc:Choice>
+    <mc:Fallback xmlns="">
+      <p:transition xmlns:p14="http://schemas.microsoft.com/office/powerpoint/2010/main" spd="slow"/>
+    </mc:Fallback>
+  </mc:AlternateContent>
+  <p:timing>
+    <p:tnLst>
+      <p:par>
+        <p:cTn xmlns:p14="http://schemas.microsoft.com/office/powerpoint/2010/main" id="1" dur="indefinite" restart="never" nodeType="tmRoot"/>
+      </p:par>
+    </p:tnLst>
+  </p:timing>
 </p:sld>
 </file>
 
@@ -6627,10 +7572,18 @@
   <p:clrMapOvr>
     <a:masterClrMapping/>
   </p:clrMapOvr>
+  <mc:AlternateContent xmlns:mc="http://schemas.openxmlformats.org/markup-compatibility/2006" xmlns:p14="http://schemas.microsoft.com/office/powerpoint/2010/main">
+    <mc:Choice Requires="p14">
+      <p:transition spd="slow" p14:dur="2000"/>
+    </mc:Choice>
+    <mc:Fallback xmlns="">
+      <p:transition xmlns:p14="http://schemas.microsoft.com/office/powerpoint/2010/main" spd="slow"/>
+    </mc:Fallback>
+  </mc:AlternateContent>
   <p:timing>
     <p:tnLst>
       <p:par>
-        <p:cTn id="1" dur="indefinite" restart="never" nodeType="tmRoot"/>
+        <p:cTn xmlns:p14="http://schemas.microsoft.com/office/powerpoint/2010/main" id="1" dur="indefinite" restart="never" nodeType="tmRoot"/>
       </p:par>
     </p:tnLst>
   </p:timing>
@@ -7609,10 +8562,18 @@
   <p:clrMapOvr>
     <a:masterClrMapping/>
   </p:clrMapOvr>
+  <mc:AlternateContent xmlns:mc="http://schemas.openxmlformats.org/markup-compatibility/2006" xmlns:p14="http://schemas.microsoft.com/office/powerpoint/2010/main">
+    <mc:Choice Requires="p14">
+      <p:transition spd="slow" p14:dur="2000"/>
+    </mc:Choice>
+    <mc:Fallback xmlns="">
+      <p:transition xmlns:p14="http://schemas.microsoft.com/office/powerpoint/2010/main" spd="slow"/>
+    </mc:Fallback>
+  </mc:AlternateContent>
   <p:timing>
     <p:tnLst>
       <p:par>
-        <p:cTn id="1" dur="indefinite" restart="never" nodeType="tmRoot"/>
+        <p:cTn xmlns:p14="http://schemas.microsoft.com/office/powerpoint/2010/main" id="1" dur="indefinite" restart="never" nodeType="tmRoot"/>
       </p:par>
     </p:tnLst>
   </p:timing>
@@ -7671,7 +8632,9 @@
         </p:nvSpPr>
         <p:spPr/>
         <p:txBody>
-          <a:bodyPr/>
+          <a:bodyPr>
+            <a:normAutofit/>
+          </a:bodyPr>
           <a:lstStyle/>
           <a:p>
             <a:r>
@@ -7720,10 +8683,18 @@
   <p:clrMapOvr>
     <a:masterClrMapping/>
   </p:clrMapOvr>
+  <mc:AlternateContent xmlns:mc="http://schemas.openxmlformats.org/markup-compatibility/2006" xmlns:p14="http://schemas.microsoft.com/office/powerpoint/2010/main">
+    <mc:Choice Requires="p14">
+      <p:transition spd="slow" p14:dur="2000"/>
+    </mc:Choice>
+    <mc:Fallback xmlns="">
+      <p:transition xmlns:p14="http://schemas.microsoft.com/office/powerpoint/2010/main" spd="slow"/>
+    </mc:Fallback>
+  </mc:AlternateContent>
   <p:timing>
     <p:tnLst>
       <p:par>
-        <p:cTn id="1" dur="indefinite" restart="never" nodeType="tmRoot"/>
+        <p:cTn xmlns:p14="http://schemas.microsoft.com/office/powerpoint/2010/main" id="1" dur="indefinite" restart="never" nodeType="tmRoot"/>
       </p:par>
     </p:tnLst>
   </p:timing>
@@ -7781,10 +8752,18 @@
   <p:clrMapOvr>
     <a:masterClrMapping/>
   </p:clrMapOvr>
+  <mc:AlternateContent xmlns:mc="http://schemas.openxmlformats.org/markup-compatibility/2006" xmlns:p14="http://schemas.microsoft.com/office/powerpoint/2010/main">
+    <mc:Choice Requires="p14">
+      <p:transition spd="slow" p14:dur="2000"/>
+    </mc:Choice>
+    <mc:Fallback xmlns="">
+      <p:transition xmlns:p14="http://schemas.microsoft.com/office/powerpoint/2010/main" spd="slow"/>
+    </mc:Fallback>
+  </mc:AlternateContent>
   <p:timing>
     <p:tnLst>
       <p:par>
-        <p:cTn id="1" dur="indefinite" restart="never" nodeType="tmRoot"/>
+        <p:cTn xmlns:p14="http://schemas.microsoft.com/office/powerpoint/2010/main" id="1" dur="indefinite" restart="never" nodeType="tmRoot"/>
       </p:par>
     </p:tnLst>
   </p:timing>
@@ -7821,7 +8800,7 @@
         <p:spPr/>
         <p:txBody>
           <a:bodyPr>
-            <a:normAutofit/>
+            <a:normAutofit fontScale="90000"/>
           </a:bodyPr>
           <a:lstStyle/>
           <a:p>
@@ -8143,10 +9122,18 @@
   <p:clrMapOvr>
     <a:masterClrMapping/>
   </p:clrMapOvr>
+  <mc:AlternateContent xmlns:mc="http://schemas.openxmlformats.org/markup-compatibility/2006" xmlns:p14="http://schemas.microsoft.com/office/powerpoint/2010/main">
+    <mc:Choice Requires="p14">
+      <p:transition spd="slow" p14:dur="2000"/>
+    </mc:Choice>
+    <mc:Fallback xmlns="">
+      <p:transition xmlns:p14="http://schemas.microsoft.com/office/powerpoint/2010/main" spd="slow"/>
+    </mc:Fallback>
+  </mc:AlternateContent>
   <p:timing>
     <p:tnLst>
       <p:par>
-        <p:cTn id="1" dur="indefinite" restart="never" nodeType="tmRoot"/>
+        <p:cTn xmlns:p14="http://schemas.microsoft.com/office/powerpoint/2010/main" id="1" dur="indefinite" restart="never" nodeType="tmRoot"/>
       </p:par>
     </p:tnLst>
   </p:timing>
@@ -8230,8 +9217,8 @@
           </a:p>
         </p:txBody>
       </p:sp>
-      <mc:AlternateContent xmlns:mc="http://schemas.openxmlformats.org/markup-compatibility/2006">
-        <mc:Choice xmlns:a14="http://schemas.microsoft.com/office/drawing/2010/main" Requires="a14">
+      <mc:AlternateContent xmlns:mc="http://schemas.openxmlformats.org/markup-compatibility/2006" xmlns:a14="http://schemas.microsoft.com/office/drawing/2010/main">
+        <mc:Choice Requires="a14">
           <p:sp>
             <p:nvSpPr>
               <p:cNvPr id="4" name="TextBox 3"/>
@@ -8255,7 +9242,7 @@
               <a:lstStyle/>
               <a:p>
                 <a14:m>
-                  <m:oMathPara xmlns:m="http://schemas.openxmlformats.org/officeDocument/2006/math">
+                  <m:oMathPara xmlns="" xmlns:m="http://schemas.openxmlformats.org/officeDocument/2006/math">
                     <m:oMathParaPr>
                       <m:jc m:val="centerGroup"/>
                     </m:oMathParaPr>
@@ -8334,7 +9321,7 @@
             </p:txBody>
           </p:sp>
         </mc:Choice>
-        <mc:Fallback>
+        <mc:Fallback xmlns="">
           <p:sp>
             <p:nvSpPr>
               <p:cNvPr id="4" name="TextBox 3"/>
@@ -8373,8 +9360,8 @@
           </p:sp>
         </mc:Fallback>
       </mc:AlternateContent>
-      <mc:AlternateContent xmlns:mc="http://schemas.openxmlformats.org/markup-compatibility/2006">
-        <mc:Choice xmlns:a14="http://schemas.microsoft.com/office/drawing/2010/main" Requires="a14">
+      <mc:AlternateContent xmlns:mc="http://schemas.openxmlformats.org/markup-compatibility/2006" xmlns:a14="http://schemas.microsoft.com/office/drawing/2010/main">
+        <mc:Choice Requires="a14">
           <p:sp>
             <p:nvSpPr>
               <p:cNvPr id="5" name="TextBox 4"/>
@@ -8398,7 +9385,7 @@
               <a:lstStyle/>
               <a:p>
                 <a14:m>
-                  <m:oMathPara xmlns:m="http://schemas.openxmlformats.org/officeDocument/2006/math">
+                  <m:oMathPara xmlns="" xmlns:m="http://schemas.openxmlformats.org/officeDocument/2006/math">
                     <m:oMathParaPr>
                       <m:jc m:val="centerGroup"/>
                     </m:oMathParaPr>
@@ -8581,7 +9568,7 @@
             </p:txBody>
           </p:sp>
         </mc:Choice>
-        <mc:Fallback>
+        <mc:Fallback xmlns="">
           <p:sp>
             <p:nvSpPr>
               <p:cNvPr id="5" name="TextBox 4"/>
@@ -8620,8 +9607,8 @@
           </p:sp>
         </mc:Fallback>
       </mc:AlternateContent>
-      <mc:AlternateContent xmlns:mc="http://schemas.openxmlformats.org/markup-compatibility/2006">
-        <mc:Choice xmlns:a14="http://schemas.microsoft.com/office/drawing/2010/main" Requires="a14">
+      <mc:AlternateContent xmlns:mc="http://schemas.openxmlformats.org/markup-compatibility/2006" xmlns:a14="http://schemas.microsoft.com/office/drawing/2010/main">
+        <mc:Choice Requires="a14">
           <p:sp>
             <p:nvSpPr>
               <p:cNvPr id="6" name="TextBox 5"/>
@@ -8645,7 +9632,7 @@
               <a:lstStyle/>
               <a:p>
                 <a14:m>
-                  <m:oMathPara xmlns:m="http://schemas.openxmlformats.org/officeDocument/2006/math">
+                  <m:oMathPara xmlns="" xmlns:m="http://schemas.openxmlformats.org/officeDocument/2006/math">
                     <m:oMathParaPr>
                       <m:jc m:val="centerGroup"/>
                     </m:oMathParaPr>
@@ -8880,7 +9867,7 @@
             </p:txBody>
           </p:sp>
         </mc:Choice>
-        <mc:Fallback>
+        <mc:Fallback xmlns="">
           <p:sp>
             <p:nvSpPr>
               <p:cNvPr id="6" name="TextBox 5"/>
@@ -8959,10 +9946,18 @@
   <p:clrMapOvr>
     <a:masterClrMapping/>
   </p:clrMapOvr>
+  <mc:AlternateContent xmlns:mc="http://schemas.openxmlformats.org/markup-compatibility/2006" xmlns:p14="http://schemas.microsoft.com/office/powerpoint/2010/main">
+    <mc:Choice Requires="p14">
+      <p:transition spd="slow" p14:dur="2000"/>
+    </mc:Choice>
+    <mc:Fallback xmlns="">
+      <p:transition xmlns:p14="http://schemas.microsoft.com/office/powerpoint/2010/main" spd="slow"/>
+    </mc:Fallback>
+  </mc:AlternateContent>
   <p:timing>
     <p:tnLst>
       <p:par>
-        <p:cTn id="1" dur="indefinite" restart="never" nodeType="tmRoot"/>
+        <p:cTn xmlns:p14="http://schemas.microsoft.com/office/powerpoint/2010/main" id="1" dur="indefinite" restart="never" nodeType="tmRoot"/>
       </p:par>
     </p:tnLst>
   </p:timing>
@@ -9071,10 +10066,18 @@
   <p:clrMapOvr>
     <a:masterClrMapping/>
   </p:clrMapOvr>
+  <mc:AlternateContent xmlns:mc="http://schemas.openxmlformats.org/markup-compatibility/2006" xmlns:p14="http://schemas.microsoft.com/office/powerpoint/2010/main">
+    <mc:Choice Requires="p14">
+      <p:transition spd="slow" p14:dur="2000"/>
+    </mc:Choice>
+    <mc:Fallback xmlns="">
+      <p:transition xmlns:p14="http://schemas.microsoft.com/office/powerpoint/2010/main" spd="slow"/>
+    </mc:Fallback>
+  </mc:AlternateContent>
   <p:timing>
     <p:tnLst>
       <p:par>
-        <p:cTn id="1" dur="indefinite" restart="never" nodeType="tmRoot"/>
+        <p:cTn xmlns:p14="http://schemas.microsoft.com/office/powerpoint/2010/main" id="1" dur="indefinite" restart="never" nodeType="tmRoot"/>
       </p:par>
     </p:tnLst>
   </p:timing>
@@ -9107,7 +10110,7 @@
           <p:nvPr>
             <p:extLst>
               <p:ext uri="{D42A27DB-BD31-4B8C-83A1-F6EECF244321}">
-                <p14:modId xmlns:p14="http://schemas.microsoft.com/office/powerpoint/2010/main" val="1742317765"/>
+                <p14:modId xmlns:p14="http://schemas.microsoft.com/office/powerpoint/2010/main" val="2710771480"/>
               </p:ext>
             </p:extLst>
           </p:nvPr>
@@ -9132,10 +10135,18 @@
   <p:clrMapOvr>
     <a:masterClrMapping/>
   </p:clrMapOvr>
+  <mc:AlternateContent xmlns:mc="http://schemas.openxmlformats.org/markup-compatibility/2006" xmlns:p14="http://schemas.microsoft.com/office/powerpoint/2010/main">
+    <mc:Choice Requires="p14">
+      <p:transition spd="slow" p14:dur="2000"/>
+    </mc:Choice>
+    <mc:Fallback xmlns="">
+      <p:transition xmlns:p14="http://schemas.microsoft.com/office/powerpoint/2010/main" spd="slow"/>
+    </mc:Fallback>
+  </mc:AlternateContent>
   <p:timing>
     <p:tnLst>
       <p:par>
-        <p:cTn id="1" dur="indefinite" restart="never" nodeType="tmRoot"/>
+        <p:cTn xmlns:p14="http://schemas.microsoft.com/office/powerpoint/2010/main" id="1" dur="indefinite" restart="never" nodeType="tmRoot"/>
       </p:par>
     </p:tnLst>
   </p:timing>
@@ -9143,164 +10154,93 @@
 </file>
 
 <file path=ppt/theme/theme1.xml><?xml version="1.0" encoding="utf-8"?>
-<a:theme xmlns:a="http://schemas.openxmlformats.org/drawingml/2006/main" name="Office Theme">
+<a:theme xmlns:a="http://schemas.openxmlformats.org/drawingml/2006/main" name="Orbit">
   <a:themeElements>
-    <a:clrScheme name="Office">
+    <a:clrScheme name="Orbit">
       <a:dk1>
-        <a:sysClr val="windowText" lastClr="000000"/>
+        <a:srgbClr val="000000"/>
       </a:dk1>
       <a:lt1>
-        <a:sysClr val="window" lastClr="FFFFFF"/>
+        <a:srgbClr val="FFFFFF"/>
       </a:lt1>
       <a:dk2>
-        <a:srgbClr val="1F497D"/>
+        <a:srgbClr val="7C9BA5"/>
       </a:dk2>
       <a:lt2>
-        <a:srgbClr val="EEECE1"/>
+        <a:srgbClr val="C1D0CA"/>
       </a:lt2>
       <a:accent1>
-        <a:srgbClr val="4F81BD"/>
+        <a:srgbClr val="F2D908"/>
       </a:accent1>
       <a:accent2>
-        <a:srgbClr val="C0504D"/>
+        <a:srgbClr val="9DE61E"/>
       </a:accent2>
       <a:accent3>
-        <a:srgbClr val="9BBB59"/>
+        <a:srgbClr val="0D8BE6"/>
       </a:accent3>
       <a:accent4>
-        <a:srgbClr val="8064A2"/>
+        <a:srgbClr val="C61B1B"/>
       </a:accent4>
       <a:accent5>
-        <a:srgbClr val="4BACC6"/>
+        <a:srgbClr val="E26F08"/>
       </a:accent5>
       <a:accent6>
-        <a:srgbClr val="F79646"/>
+        <a:srgbClr val="8D35D1"/>
       </a:accent6>
       <a:hlink>
-        <a:srgbClr val="0000FF"/>
+        <a:srgbClr val="ECBF0B"/>
       </a:hlink>
       <a:folHlink>
-        <a:srgbClr val="800080"/>
+        <a:srgbClr val="F4E5A8"/>
       </a:folHlink>
     </a:clrScheme>
-    <a:fontScheme name="Office">
+    <a:fontScheme name="Orbit">
       <a:majorFont>
-        <a:latin typeface="Calibri"/>
+        <a:latin typeface="Candara"/>
         <a:ea typeface=""/>
         <a:cs typeface=""/>
         <a:font script="Jpan" typeface="ＭＳ Ｐゴシック"/>
-        <a:font script="Hang" typeface="맑은 고딕"/>
         <a:font script="Hans" typeface="宋体"/>
         <a:font script="Hant" typeface="新細明體"/>
-        <a:font script="Arab" typeface="Times New Roman"/>
-        <a:font script="Hebr" typeface="Times New Roman"/>
-        <a:font script="Thai" typeface="Angsana New"/>
-        <a:font script="Ethi" typeface="Nyala"/>
-        <a:font script="Beng" typeface="Vrinda"/>
-        <a:font script="Gujr" typeface="Shruti"/>
-        <a:font script="Khmr" typeface="MoolBoran"/>
-        <a:font script="Knda" typeface="Tunga"/>
-        <a:font script="Guru" typeface="Raavi"/>
-        <a:font script="Cans" typeface="Euphemia"/>
-        <a:font script="Cher" typeface="Plantagenet Cherokee"/>
-        <a:font script="Yiii" typeface="Microsoft Yi Baiti"/>
-        <a:font script="Tibt" typeface="Microsoft Himalaya"/>
-        <a:font script="Thaa" typeface="MV Boli"/>
-        <a:font script="Deva" typeface="Mangal"/>
-        <a:font script="Telu" typeface="Gautami"/>
-        <a:font script="Taml" typeface="Latha"/>
-        <a:font script="Syrc" typeface="Estrangelo Edessa"/>
-        <a:font script="Orya" typeface="Kalinga"/>
-        <a:font script="Mlym" typeface="Kartika"/>
-        <a:font script="Laoo" typeface="DokChampa"/>
-        <a:font script="Sinh" typeface="Iskoola Pota"/>
-        <a:font script="Mong" typeface="Mongolian Baiti"/>
-        <a:font script="Viet" typeface="Times New Roman"/>
-        <a:font script="Uigh" typeface="Microsoft Uighur"/>
-        <a:font script="Geor" typeface="Sylfaen"/>
       </a:majorFont>
       <a:minorFont>
-        <a:latin typeface="Calibri"/>
+        <a:latin typeface="Candara"/>
         <a:ea typeface=""/>
         <a:cs typeface=""/>
         <a:font script="Jpan" typeface="ＭＳ Ｐゴシック"/>
-        <a:font script="Hang" typeface="맑은 고딕"/>
         <a:font script="Hans" typeface="宋体"/>
         <a:font script="Hant" typeface="新細明體"/>
-        <a:font script="Arab" typeface="Arial"/>
-        <a:font script="Hebr" typeface="Arial"/>
-        <a:font script="Thai" typeface="Cordia New"/>
-        <a:font script="Ethi" typeface="Nyala"/>
-        <a:font script="Beng" typeface="Vrinda"/>
-        <a:font script="Gujr" typeface="Shruti"/>
-        <a:font script="Khmr" typeface="DaunPenh"/>
-        <a:font script="Knda" typeface="Tunga"/>
-        <a:font script="Guru" typeface="Raavi"/>
-        <a:font script="Cans" typeface="Euphemia"/>
-        <a:font script="Cher" typeface="Plantagenet Cherokee"/>
-        <a:font script="Yiii" typeface="Microsoft Yi Baiti"/>
-        <a:font script="Tibt" typeface="Microsoft Himalaya"/>
-        <a:font script="Thaa" typeface="MV Boli"/>
-        <a:font script="Deva" typeface="Mangal"/>
-        <a:font script="Telu" typeface="Gautami"/>
-        <a:font script="Taml" typeface="Latha"/>
-        <a:font script="Syrc" typeface="Estrangelo Edessa"/>
-        <a:font script="Orya" typeface="Kalinga"/>
-        <a:font script="Mlym" typeface="Kartika"/>
-        <a:font script="Laoo" typeface="DokChampa"/>
-        <a:font script="Sinh" typeface="Iskoola Pota"/>
-        <a:font script="Mong" typeface="Mongolian Baiti"/>
-        <a:font script="Viet" typeface="Arial"/>
-        <a:font script="Uigh" typeface="Microsoft Uighur"/>
-        <a:font script="Geor" typeface="Sylfaen"/>
       </a:minorFont>
     </a:fontScheme>
-    <a:fmtScheme name="Office">
+    <a:fmtScheme name="Orbit">
       <a:fillStyleLst>
         <a:solidFill>
           <a:schemeClr val="phClr"/>
+        </a:solidFill>
+        <a:solidFill>
+          <a:schemeClr val="phClr">
+            <a:shade val="80000"/>
+          </a:schemeClr>
         </a:solidFill>
         <a:gradFill rotWithShape="1">
           <a:gsLst>
             <a:gs pos="0">
               <a:schemeClr val="phClr">
-                <a:tint val="50000"/>
-                <a:satMod val="300000"/>
+                <a:shade val="30000"/>
+                <a:satMod val="100000"/>
               </a:schemeClr>
             </a:gs>
-            <a:gs pos="35000">
+            <a:gs pos="80000">
               <a:schemeClr val="phClr">
-                <a:tint val="37000"/>
-                <a:satMod val="300000"/>
+                <a:shade val="90000"/>
+                <a:satMod val="100000"/>
               </a:schemeClr>
             </a:gs>
             <a:gs pos="100000">
               <a:schemeClr val="phClr">
-                <a:tint val="15000"/>
-                <a:satMod val="350000"/>
-              </a:schemeClr>
-            </a:gs>
-          </a:gsLst>
-          <a:lin ang="16200000" scaled="1"/>
-        </a:gradFill>
-        <a:gradFill rotWithShape="1">
-          <a:gsLst>
-            <a:gs pos="0">
-              <a:schemeClr val="phClr">
-                <a:shade val="51000"/>
-                <a:satMod val="130000"/>
-              </a:schemeClr>
-            </a:gs>
-            <a:gs pos="80000">
-              <a:schemeClr val="phClr">
-                <a:shade val="93000"/>
-                <a:satMod val="130000"/>
-              </a:schemeClr>
-            </a:gs>
-            <a:gs pos="100000">
-              <a:schemeClr val="phClr">
-                <a:shade val="94000"/>
-                <a:satMod val="135000"/>
+                <a:tint val="90000"/>
+                <a:shade val="100000"/>
+                <a:satMod val="150000"/>
               </a:schemeClr>
             </a:gs>
           </a:gsLst>
@@ -9308,7 +10248,7 @@
         </a:gradFill>
       </a:fillStyleLst>
       <a:lnStyleLst>
-        <a:ln w="9525" cap="flat" cmpd="sng" algn="ctr">
+        <a:ln w="12700" cap="flat" cmpd="sng" algn="ctr">
           <a:solidFill>
             <a:schemeClr val="phClr">
               <a:shade val="95000"/>
@@ -9317,13 +10257,15 @@
           </a:solidFill>
           <a:prstDash val="solid"/>
         </a:ln>
-        <a:ln w="25400" cap="flat" cmpd="sng" algn="ctr">
+        <a:ln w="31750" cap="flat" cmpd="sng" algn="ctr">
           <a:solidFill>
-            <a:schemeClr val="phClr"/>
+            <a:schemeClr val="phClr">
+              <a:shade val="90000"/>
+            </a:schemeClr>
           </a:solidFill>
           <a:prstDash val="solid"/>
         </a:ln>
-        <a:ln w="38100" cap="flat" cmpd="sng" algn="ctr">
+        <a:ln w="76200" cap="flat" cmpd="sng" algn="ctr">
           <a:solidFill>
             <a:schemeClr val="phClr"/>
           </a:solidFill>
@@ -9332,28 +10274,22 @@
       </a:lnStyleLst>
       <a:effectStyleLst>
         <a:effectStyle>
+          <a:effectLst/>
+        </a:effectStyle>
+        <a:effectStyle>
           <a:effectLst>
-            <a:outerShdw blurRad="40000" dist="20000" dir="5400000" rotWithShape="0">
+            <a:outerShdw blurRad="228600" dist="38100" dir="5400000" sx="104000" sy="104000" algn="ctr" rotWithShape="0">
               <a:srgbClr val="000000">
-                <a:alpha val="38000"/>
+                <a:alpha val="80000"/>
               </a:srgbClr>
             </a:outerShdw>
           </a:effectLst>
         </a:effectStyle>
         <a:effectStyle>
           <a:effectLst>
-            <a:outerShdw blurRad="40000" dist="23000" dir="5400000" rotWithShape="0">
+            <a:outerShdw blurRad="317500" dist="381000" dir="5400000" sx="90000" sy="20000" rotWithShape="0">
               <a:srgbClr val="000000">
-                <a:alpha val="35000"/>
-              </a:srgbClr>
-            </a:outerShdw>
-          </a:effectLst>
-        </a:effectStyle>
-        <a:effectStyle>
-          <a:effectLst>
-            <a:outerShdw blurRad="40000" dist="23000" dir="5400000" rotWithShape="0">
-              <a:srgbClr val="000000">
-                <a:alpha val="35000"/>
+                <a:alpha val="40000"/>
               </a:srgbClr>
             </a:outerShdw>
           </a:effectLst>
@@ -9361,12 +10297,10 @@
             <a:camera prst="orthographicFront">
               <a:rot lat="0" lon="0" rev="0"/>
             </a:camera>
-            <a:lightRig rig="threePt" dir="t">
-              <a:rot lat="0" lon="0" rev="1200000"/>
-            </a:lightRig>
+            <a:lightRig rig="balanced" dir="t"/>
           </a:scene3d>
-          <a:sp3d>
-            <a:bevelT w="63500" h="25400"/>
+          <a:sp3d prstMaterial="metal">
+            <a:bevelT w="25400" h="25400"/>
           </a:sp3d>
         </a:effectStyle>
       </a:effectStyleLst>
@@ -9396,33 +10330,70 @@
               </a:schemeClr>
             </a:gs>
           </a:gsLst>
-          <a:path path="circle">
-            <a:fillToRect l="50000" t="-80000" r="50000" b="180000"/>
-          </a:path>
+          <a:lin ang="5400000" scaled="0"/>
         </a:gradFill>
-        <a:gradFill rotWithShape="1">
-          <a:gsLst>
-            <a:gs pos="0">
+        <a:blipFill rotWithShape="1">
+          <a:blip xmlns:r="http://schemas.openxmlformats.org/officeDocument/2006/relationships" r:embed="rId1">
+            <a:duotone>
               <a:schemeClr val="phClr">
-                <a:tint val="80000"/>
-                <a:satMod val="300000"/>
+                <a:shade val="1000"/>
+                <a:lumMod val="80000"/>
               </a:schemeClr>
-            </a:gs>
-            <a:gs pos="100000">
               <a:schemeClr val="phClr">
-                <a:shade val="30000"/>
-                <a:satMod val="200000"/>
+                <a:satMod val="360000"/>
+                <a:lumMod val="140000"/>
               </a:schemeClr>
-            </a:gs>
-          </a:gsLst>
-          <a:path path="circle">
-            <a:fillToRect l="50000" t="50000" r="50000" b="50000"/>
-          </a:path>
-        </a:gradFill>
+            </a:duotone>
+          </a:blip>
+          <a:stretch/>
+        </a:blipFill>
       </a:bgFillStyleLst>
     </a:fmtScheme>
   </a:themeElements>
-  <a:objectDefaults/>
+  <a:objectDefaults>
+    <a:spDef>
+      <a:spPr/>
+      <a:bodyPr rtlCol="0" anchor="ctr"/>
+      <a:lstStyle>
+        <a:defPPr algn="ctr">
+          <a:defRPr/>
+        </a:defPPr>
+      </a:lstStyle>
+      <a:style>
+        <a:lnRef idx="1">
+          <a:schemeClr val="accent1"/>
+        </a:lnRef>
+        <a:fillRef idx="3">
+          <a:schemeClr val="accent1"/>
+        </a:fillRef>
+        <a:effectRef idx="2">
+          <a:schemeClr val="accent1"/>
+        </a:effectRef>
+        <a:fontRef idx="minor">
+          <a:schemeClr val="lt1"/>
+        </a:fontRef>
+      </a:style>
+    </a:spDef>
+    <a:lnDef>
+      <a:spPr/>
+      <a:bodyPr/>
+      <a:lstStyle/>
+      <a:style>
+        <a:lnRef idx="2">
+          <a:schemeClr val="accent1"/>
+        </a:lnRef>
+        <a:fillRef idx="0">
+          <a:schemeClr val="accent1"/>
+        </a:fillRef>
+        <a:effectRef idx="1">
+          <a:schemeClr val="accent1"/>
+        </a:effectRef>
+        <a:fontRef idx="minor">
+          <a:schemeClr val="tx1"/>
+        </a:fontRef>
+      </a:style>
+    </a:lnDef>
+  </a:objectDefaults>
   <a:extraClrSchemeLst/>
 </a:theme>
 </file>